--- a/ENSF 608/assignments/ENSF 608 F23 Assignment 4 - Suggested Template.pptx
+++ b/ENSF 608/assignments/ENSF 608 F23 Assignment 4 - Suggested Template.pptx
@@ -6,14 +6,16 @@
     <p:sldMasterId id="2147483674" r:id="rId2"/>
   </p:sldMasterIdLst>
   <p:notesMasterIdLst>
-    <p:notesMasterId r:id="rId5"/>
+    <p:notesMasterId r:id="rId7"/>
   </p:notesMasterIdLst>
   <p:handoutMasterIdLst>
-    <p:handoutMasterId r:id="rId6"/>
+    <p:handoutMasterId r:id="rId8"/>
   </p:handoutMasterIdLst>
   <p:sldIdLst>
-    <p:sldId id="427" r:id="rId3"/>
-    <p:sldId id="430" r:id="rId4"/>
+    <p:sldId id="431" r:id="rId3"/>
+    <p:sldId id="432" r:id="rId4"/>
+    <p:sldId id="433" r:id="rId5"/>
+    <p:sldId id="434" r:id="rId6"/>
   </p:sldIdLst>
   <p:sldSz cx="9144000" cy="6858000" type="letter"/>
   <p:notesSz cx="6858000" cy="9144000"/>
@@ -331,7 +333,7 @@
           <a:p>
             <a:fld id="{2885CB01-6679-D646-ACB3-8B04B786C15F}" type="datetimeFigureOut">
               <a:rPr lang="en-US" smtClean="0"/>
-              <a:t>11/11/2023</a:t>
+              <a:t>11/27/2023</a:t>
             </a:fld>
             <a:endParaRPr lang="en-US" dirty="0"/>
           </a:p>
@@ -3749,7 +3751,7 @@
           <a:p>
             <a:fld id="{BB1076A3-FE80-4BA0-8C12-F7CBD6405273}" type="datetimeFigureOut">
               <a:rPr lang="en-CA" smtClean="0"/>
-              <a:t>2023-11-11</a:t>
+              <a:t>2023-11-27</a:t>
             </a:fld>
             <a:endParaRPr lang="en-CA"/>
           </a:p>
@@ -7201,10 +7203,10 @@
       </p:grpSpPr>
       <p:sp>
         <p:nvSpPr>
-          <p:cNvPr id="10" name="TextBox 9">
+          <p:cNvPr id="2" name="TextBox 1">
             <a:extLst>
               <a:ext uri="{FF2B5EF4-FFF2-40B4-BE49-F238E27FC236}">
-                <a16:creationId xmlns:a16="http://schemas.microsoft.com/office/drawing/2014/main" id="{31A3F311-2565-4975-A16D-6BC668DECD50}"/>
+                <a16:creationId xmlns:a16="http://schemas.microsoft.com/office/drawing/2014/main" id="{17BAC789-12E2-90EF-F0E3-297E3279505A}"/>
               </a:ext>
             </a:extLst>
           </p:cNvPr>
@@ -7213,781 +7215,7 @@
         </p:nvSpPr>
         <p:spPr>
           <a:xfrm>
-            <a:off x="554778" y="485392"/>
-            <a:ext cx="8254721" cy="738664"/>
-          </a:xfrm>
-          <a:prstGeom prst="rect">
-            <a:avLst/>
-          </a:prstGeom>
-          <a:noFill/>
-        </p:spPr>
-        <p:txBody>
-          <a:bodyPr wrap="square" rtlCol="0">
-            <a:spAutoFit/>
-          </a:bodyPr>
-          <a:lstStyle/>
-          <a:p>
-            <a:r>
-              <a:rPr lang="en-CA" sz="2400" dirty="0"/>
-              <a:t>Single Expression Examples</a:t>
-            </a:r>
-          </a:p>
-          <a:p>
-            <a:endParaRPr lang="en-CA" sz="1800" dirty="0"/>
-          </a:p>
-        </p:txBody>
-      </p:sp>
-      <p:sp>
-        <p:nvSpPr>
-          <p:cNvPr id="12" name="TextBox 11">
-            <a:extLst>
-              <a:ext uri="{FF2B5EF4-FFF2-40B4-BE49-F238E27FC236}">
-                <a16:creationId xmlns:a16="http://schemas.microsoft.com/office/drawing/2014/main" id="{C58220B6-1A48-4076-A454-0995AE2E2F19}"/>
-              </a:ext>
-            </a:extLst>
-          </p:cNvPr>
-          <p:cNvSpPr txBox="1"/>
-          <p:nvPr/>
-        </p:nvSpPr>
-        <p:spPr>
-          <a:xfrm>
-            <a:off x="554776" y="1116282"/>
-            <a:ext cx="8909051" cy="400110"/>
-          </a:xfrm>
-          <a:prstGeom prst="rect">
-            <a:avLst/>
-          </a:prstGeom>
-          <a:noFill/>
-        </p:spPr>
-        <p:txBody>
-          <a:bodyPr wrap="square" rtlCol="0">
-            <a:spAutoFit/>
-          </a:bodyPr>
-          <a:lstStyle/>
-          <a:p>
-            <a:r>
-              <a:rPr lang="en-CA" sz="2000" dirty="0">
-                <a:latin typeface="Cambria Math" panose="02040503050406030204" pitchFamily="18" charset="0"/>
-                <a:ea typeface="Cambria Math" panose="02040503050406030204" pitchFamily="18" charset="0"/>
-              </a:rPr>
-              <a:t>1.   </a:t>
-            </a:r>
-            <a:r>
-              <a:rPr lang="el-GR" sz="2000" dirty="0">
-                <a:latin typeface="Cambria Math" panose="02040503050406030204" pitchFamily="18" charset="0"/>
-                <a:ea typeface="Cambria Math" panose="02040503050406030204" pitchFamily="18" charset="0"/>
-              </a:rPr>
-              <a:t>π</a:t>
-            </a:r>
-            <a:r>
-              <a:rPr lang="en-CA" sz="2000" baseline="-25000" dirty="0">
-                <a:latin typeface="Cambria Math" panose="02040503050406030204" pitchFamily="18" charset="0"/>
-                <a:ea typeface="Cambria Math" panose="02040503050406030204" pitchFamily="18" charset="0"/>
-              </a:rPr>
-              <a:t>Attr1, Attr2, Attr3 </a:t>
-            </a:r>
-            <a:r>
-              <a:rPr lang="en-CA" sz="2000" dirty="0">
-                <a:latin typeface="Cambria Math" panose="02040503050406030204" pitchFamily="18" charset="0"/>
-                <a:ea typeface="Cambria Math" panose="02040503050406030204" pitchFamily="18" charset="0"/>
-              </a:rPr>
-              <a:t>(</a:t>
-            </a:r>
-            <a:r>
-              <a:rPr lang="el-GR" sz="2000" dirty="0">
-                <a:latin typeface="Cambria Math" panose="02040503050406030204" pitchFamily="18" charset="0"/>
-                <a:ea typeface="Cambria Math" panose="02040503050406030204" pitchFamily="18" charset="0"/>
-              </a:rPr>
-              <a:t>σ</a:t>
-            </a:r>
-            <a:r>
-              <a:rPr lang="en-CA" sz="2000" baseline="-25000" dirty="0">
-                <a:latin typeface="Cambria Math" panose="02040503050406030204" pitchFamily="18" charset="0"/>
-                <a:ea typeface="Cambria Math" panose="02040503050406030204" pitchFamily="18" charset="0"/>
-              </a:rPr>
-              <a:t>Attr1 = ‘Value’ </a:t>
-            </a:r>
-            <a:r>
-              <a:rPr lang="en-CA" sz="2000" dirty="0">
-                <a:latin typeface="Cambria Math" panose="02040503050406030204" pitchFamily="18" charset="0"/>
-                <a:ea typeface="Cambria Math" panose="02040503050406030204" pitchFamily="18" charset="0"/>
-              </a:rPr>
-              <a:t>(RELATION) )</a:t>
-            </a:r>
-            <a:endParaRPr lang="en-CA" sz="2000" dirty="0"/>
-          </a:p>
-        </p:txBody>
-      </p:sp>
-      <p:sp>
-        <p:nvSpPr>
-          <p:cNvPr id="13" name="TextBox 12">
-            <a:extLst>
-              <a:ext uri="{FF2B5EF4-FFF2-40B4-BE49-F238E27FC236}">
-                <a16:creationId xmlns:a16="http://schemas.microsoft.com/office/drawing/2014/main" id="{CB4FE362-B3A1-44A7-8D90-01FF161CF223}"/>
-              </a:ext>
-            </a:extLst>
-          </p:cNvPr>
-          <p:cNvSpPr txBox="1"/>
-          <p:nvPr/>
-        </p:nvSpPr>
-        <p:spPr>
-          <a:xfrm>
-            <a:off x="554776" y="1685550"/>
-            <a:ext cx="8909051" cy="400110"/>
-          </a:xfrm>
-          <a:prstGeom prst="rect">
-            <a:avLst/>
-          </a:prstGeom>
-          <a:noFill/>
-        </p:spPr>
-        <p:txBody>
-          <a:bodyPr wrap="square" rtlCol="0">
-            <a:spAutoFit/>
-          </a:bodyPr>
-          <a:lstStyle/>
-          <a:p>
-            <a:r>
-              <a:rPr lang="en-CA" sz="2000" dirty="0">
-                <a:latin typeface="Cambria Math" panose="02040503050406030204" pitchFamily="18" charset="0"/>
-                <a:ea typeface="Cambria Math" panose="02040503050406030204" pitchFamily="18" charset="0"/>
-              </a:rPr>
-              <a:t>2.   </a:t>
-            </a:r>
-            <a:r>
-              <a:rPr lang="el-GR" sz="2000" dirty="0">
-                <a:latin typeface="Cambria Math" panose="02040503050406030204" pitchFamily="18" charset="0"/>
-                <a:ea typeface="Cambria Math" panose="02040503050406030204" pitchFamily="18" charset="0"/>
-              </a:rPr>
-              <a:t>π</a:t>
-            </a:r>
-            <a:r>
-              <a:rPr lang="en-CA" sz="2000" baseline="-25000" dirty="0" err="1">
-                <a:latin typeface="Cambria Math" panose="02040503050406030204" pitchFamily="18" charset="0"/>
-                <a:ea typeface="Cambria Math" panose="02040503050406030204" pitchFamily="18" charset="0"/>
-              </a:rPr>
-              <a:t>Attr</a:t>
-            </a:r>
-            <a:r>
-              <a:rPr lang="en-CA" sz="2000" baseline="-25000" dirty="0">
-                <a:latin typeface="Cambria Math" panose="02040503050406030204" pitchFamily="18" charset="0"/>
-                <a:ea typeface="Cambria Math" panose="02040503050406030204" pitchFamily="18" charset="0"/>
-              </a:rPr>
-              <a:t> </a:t>
-            </a:r>
-            <a:r>
-              <a:rPr lang="en-CA" sz="2000" dirty="0">
-                <a:latin typeface="Cambria Math" panose="02040503050406030204" pitchFamily="18" charset="0"/>
-                <a:ea typeface="Cambria Math" panose="02040503050406030204" pitchFamily="18" charset="0"/>
-              </a:rPr>
-              <a:t>( RELATION1 ⋈</a:t>
-            </a:r>
-            <a:r>
-              <a:rPr lang="en-CA" sz="2000" baseline="-25000" dirty="0">
-                <a:latin typeface="Cambria Math" panose="02040503050406030204" pitchFamily="18" charset="0"/>
-                <a:ea typeface="Cambria Math" panose="02040503050406030204" pitchFamily="18" charset="0"/>
-              </a:rPr>
-              <a:t>R1.Attr1 = R2.Attr2</a:t>
-            </a:r>
-            <a:r>
-              <a:rPr lang="en-CA" sz="2000" dirty="0">
-                <a:latin typeface="Cambria Math" panose="02040503050406030204" pitchFamily="18" charset="0"/>
-                <a:ea typeface="Cambria Math" panose="02040503050406030204" pitchFamily="18" charset="0"/>
-              </a:rPr>
-              <a:t> RELATION2 )</a:t>
-            </a:r>
-            <a:endParaRPr lang="en-CA" sz="2000" dirty="0"/>
-          </a:p>
-        </p:txBody>
-      </p:sp>
-      <p:sp>
-        <p:nvSpPr>
-          <p:cNvPr id="17" name="TextBox 16">
-            <a:extLst>
-              <a:ext uri="{FF2B5EF4-FFF2-40B4-BE49-F238E27FC236}">
-                <a16:creationId xmlns:a16="http://schemas.microsoft.com/office/drawing/2014/main" id="{3FF2C9FC-1AE4-4807-ADAC-DAEF00902BCA}"/>
-              </a:ext>
-            </a:extLst>
-          </p:cNvPr>
-          <p:cNvSpPr txBox="1"/>
-          <p:nvPr/>
-        </p:nvSpPr>
-        <p:spPr>
-          <a:xfrm>
-            <a:off x="554774" y="2271439"/>
-            <a:ext cx="8909051" cy="400110"/>
-          </a:xfrm>
-          <a:prstGeom prst="rect">
-            <a:avLst/>
-          </a:prstGeom>
-          <a:noFill/>
-        </p:spPr>
-        <p:txBody>
-          <a:bodyPr wrap="square" rtlCol="0">
-            <a:spAutoFit/>
-          </a:bodyPr>
-          <a:lstStyle/>
-          <a:p>
-            <a:r>
-              <a:rPr lang="en-CA" sz="2000" dirty="0">
-                <a:latin typeface="Cambria Math" panose="02040503050406030204" pitchFamily="18" charset="0"/>
-                <a:ea typeface="Cambria Math" panose="02040503050406030204" pitchFamily="18" charset="0"/>
-              </a:rPr>
-              <a:t>3.   </a:t>
-            </a:r>
-            <a:r>
-              <a:rPr lang="el-GR" sz="2000" dirty="0">
-                <a:latin typeface="Cambria Math" panose="02040503050406030204" pitchFamily="18" charset="0"/>
-                <a:ea typeface="Cambria Math" panose="02040503050406030204" pitchFamily="18" charset="0"/>
-              </a:rPr>
-              <a:t>π</a:t>
-            </a:r>
-            <a:r>
-              <a:rPr lang="en-CA" sz="2000" baseline="-25000" dirty="0">
-                <a:latin typeface="Cambria Math" panose="02040503050406030204" pitchFamily="18" charset="0"/>
-                <a:ea typeface="Cambria Math" panose="02040503050406030204" pitchFamily="18" charset="0"/>
-              </a:rPr>
-              <a:t>Attr1, Attr2 </a:t>
-            </a:r>
-            <a:r>
-              <a:rPr lang="en-CA" sz="2000" dirty="0">
-                <a:latin typeface="Cambria Math" panose="02040503050406030204" pitchFamily="18" charset="0"/>
-                <a:ea typeface="Cambria Math" panose="02040503050406030204" pitchFamily="18" charset="0"/>
-              </a:rPr>
-              <a:t>(</a:t>
-            </a:r>
-            <a:r>
-              <a:rPr lang="el-GR" sz="2000" dirty="0">
-                <a:latin typeface="Cambria Math" panose="02040503050406030204" pitchFamily="18" charset="0"/>
-                <a:ea typeface="Cambria Math" panose="02040503050406030204" pitchFamily="18" charset="0"/>
-              </a:rPr>
-              <a:t>σ</a:t>
-            </a:r>
-            <a:r>
-              <a:rPr lang="en-CA" sz="2000" baseline="-25000" dirty="0">
-                <a:latin typeface="Cambria Math" panose="02040503050406030204" pitchFamily="18" charset="0"/>
-                <a:ea typeface="Cambria Math" panose="02040503050406030204" pitchFamily="18" charset="0"/>
-              </a:rPr>
-              <a:t>Attr3 = ‘Value’ AND Attr4 &lt; Int </a:t>
-            </a:r>
-            <a:r>
-              <a:rPr lang="en-CA" sz="2000" dirty="0">
-                <a:latin typeface="Cambria Math" panose="02040503050406030204" pitchFamily="18" charset="0"/>
-                <a:ea typeface="Cambria Math" panose="02040503050406030204" pitchFamily="18" charset="0"/>
-              </a:rPr>
-              <a:t>( RELATION1 * RELATION2 ))</a:t>
-            </a:r>
-            <a:endParaRPr lang="en-CA" sz="2000" dirty="0"/>
-          </a:p>
-        </p:txBody>
-      </p:sp>
-      <p:sp>
-        <p:nvSpPr>
-          <p:cNvPr id="2" name="TextBox 1">
-            <a:extLst>
-              <a:ext uri="{FF2B5EF4-FFF2-40B4-BE49-F238E27FC236}">
-                <a16:creationId xmlns:a16="http://schemas.microsoft.com/office/drawing/2014/main" id="{EF9E0380-5FE8-4711-8762-FB8BBFAA4892}"/>
-              </a:ext>
-            </a:extLst>
-          </p:cNvPr>
-          <p:cNvSpPr txBox="1"/>
-          <p:nvPr/>
-        </p:nvSpPr>
-        <p:spPr>
-          <a:xfrm>
-            <a:off x="2224354" y="40649"/>
-            <a:ext cx="4695291" cy="261610"/>
-          </a:xfrm>
-          <a:prstGeom prst="rect">
-            <a:avLst/>
-          </a:prstGeom>
-          <a:noFill/>
-        </p:spPr>
-        <p:txBody>
-          <a:bodyPr wrap="square" rtlCol="0">
-            <a:spAutoFit/>
-          </a:bodyPr>
-          <a:lstStyle/>
-          <a:p>
-            <a:pPr algn="ctr"/>
-            <a:r>
-              <a:rPr lang="en-CA" sz="1100" dirty="0"/>
-              <a:t>ENSF 608 Fall 2023 – Suggested Relational Algebra Template</a:t>
-            </a:r>
-          </a:p>
-        </p:txBody>
-      </p:sp>
-      <p:sp>
-        <p:nvSpPr>
-          <p:cNvPr id="6" name="TextBox 5">
-            <a:extLst>
-              <a:ext uri="{FF2B5EF4-FFF2-40B4-BE49-F238E27FC236}">
-                <a16:creationId xmlns:a16="http://schemas.microsoft.com/office/drawing/2014/main" id="{6FD8254E-34F2-FF82-8D31-99E0E6CC4067}"/>
-              </a:ext>
-            </a:extLst>
-          </p:cNvPr>
-          <p:cNvSpPr txBox="1"/>
-          <p:nvPr/>
-        </p:nvSpPr>
-        <p:spPr>
-          <a:xfrm>
-            <a:off x="558423" y="3756644"/>
-            <a:ext cx="8909051" cy="400110"/>
-          </a:xfrm>
-          <a:prstGeom prst="rect">
-            <a:avLst/>
-          </a:prstGeom>
-          <a:noFill/>
-        </p:spPr>
-        <p:txBody>
-          <a:bodyPr wrap="square" rtlCol="0">
-            <a:spAutoFit/>
-          </a:bodyPr>
-          <a:lstStyle/>
-          <a:p>
-            <a:r>
-              <a:rPr lang="en-CA" sz="2000" dirty="0">
-                <a:latin typeface="Cambria Math" panose="02040503050406030204" pitchFamily="18" charset="0"/>
-                <a:ea typeface="Cambria Math" panose="02040503050406030204" pitchFamily="18" charset="0"/>
-              </a:rPr>
-              <a:t>IND_GOLD  </a:t>
-            </a:r>
-            <a:r>
-              <a:rPr lang="en-CA" sz="2000" dirty="0">
-                <a:latin typeface="Cambria Math" panose="02040503050406030204" pitchFamily="18" charset="0"/>
-                <a:ea typeface="Cambria Math" panose="02040503050406030204" pitchFamily="18" charset="0"/>
-                <a:sym typeface="Wingdings" panose="05000000000000000000" pitchFamily="2" charset="2"/>
-              </a:rPr>
-              <a:t> </a:t>
-            </a:r>
-            <a:r>
-              <a:rPr lang="el-GR" sz="2000" dirty="0">
-                <a:latin typeface="Cambria Math" panose="02040503050406030204" pitchFamily="18" charset="0"/>
-                <a:ea typeface="Cambria Math" panose="02040503050406030204" pitchFamily="18" charset="0"/>
-              </a:rPr>
-              <a:t>σ</a:t>
-            </a:r>
-            <a:r>
-              <a:rPr lang="en-CA" sz="2000" baseline="-25000" dirty="0">
-                <a:latin typeface="Cambria Math" panose="02040503050406030204" pitchFamily="18" charset="0"/>
-                <a:ea typeface="Cambria Math" panose="02040503050406030204" pitchFamily="18" charset="0"/>
-              </a:rPr>
-              <a:t>Medal = ‘Gold’ </a:t>
-            </a:r>
-            <a:r>
-              <a:rPr lang="en-CA" sz="2000" dirty="0">
-                <a:latin typeface="Cambria Math" panose="02040503050406030204" pitchFamily="18" charset="0"/>
-                <a:ea typeface="Cambria Math" panose="02040503050406030204" pitchFamily="18" charset="0"/>
-              </a:rPr>
-              <a:t>( INDIVIDUAL_RESULTS )</a:t>
-            </a:r>
-            <a:endParaRPr lang="en-CA" sz="2000" dirty="0"/>
-          </a:p>
-        </p:txBody>
-      </p:sp>
-      <p:sp>
-        <p:nvSpPr>
-          <p:cNvPr id="8" name="TextBox 7">
-            <a:extLst>
-              <a:ext uri="{FF2B5EF4-FFF2-40B4-BE49-F238E27FC236}">
-                <a16:creationId xmlns:a16="http://schemas.microsoft.com/office/drawing/2014/main" id="{A6CCBB98-3BDC-3937-23A0-47FA8DFEFDCE}"/>
-              </a:ext>
-            </a:extLst>
-          </p:cNvPr>
-          <p:cNvSpPr txBox="1"/>
-          <p:nvPr/>
-        </p:nvSpPr>
-        <p:spPr>
-          <a:xfrm>
-            <a:off x="558425" y="4239085"/>
-            <a:ext cx="8909051" cy="400110"/>
-          </a:xfrm>
-          <a:prstGeom prst="rect">
-            <a:avLst/>
-          </a:prstGeom>
-          <a:noFill/>
-        </p:spPr>
-        <p:txBody>
-          <a:bodyPr wrap="square" rtlCol="0">
-            <a:spAutoFit/>
-          </a:bodyPr>
-          <a:lstStyle/>
-          <a:p>
-            <a:r>
-              <a:rPr lang="en-CA" sz="2000" dirty="0">
-                <a:latin typeface="Cambria Math" panose="02040503050406030204" pitchFamily="18" charset="0"/>
-                <a:ea typeface="Cambria Math" panose="02040503050406030204" pitchFamily="18" charset="0"/>
-              </a:rPr>
-              <a:t>TEAM_GOLD  </a:t>
-            </a:r>
-            <a:r>
-              <a:rPr lang="en-CA" sz="2000" dirty="0">
-                <a:latin typeface="Cambria Math" panose="02040503050406030204" pitchFamily="18" charset="0"/>
-                <a:ea typeface="Cambria Math" panose="02040503050406030204" pitchFamily="18" charset="0"/>
-                <a:sym typeface="Wingdings" panose="05000000000000000000" pitchFamily="2" charset="2"/>
-              </a:rPr>
-              <a:t>  </a:t>
-            </a:r>
-            <a:r>
-              <a:rPr lang="el-GR" sz="2000" dirty="0">
-                <a:latin typeface="Cambria Math" panose="02040503050406030204" pitchFamily="18" charset="0"/>
-                <a:ea typeface="Cambria Math" panose="02040503050406030204" pitchFamily="18" charset="0"/>
-              </a:rPr>
-              <a:t>σ</a:t>
-            </a:r>
-            <a:r>
-              <a:rPr lang="en-CA" sz="2000" baseline="-25000" dirty="0">
-                <a:latin typeface="Cambria Math" panose="02040503050406030204" pitchFamily="18" charset="0"/>
-                <a:ea typeface="Cambria Math" panose="02040503050406030204" pitchFamily="18" charset="0"/>
-              </a:rPr>
-              <a:t>Medal = ‘Gold’ </a:t>
-            </a:r>
-            <a:r>
-              <a:rPr lang="en-CA" sz="2000" dirty="0">
-                <a:latin typeface="Cambria Math" panose="02040503050406030204" pitchFamily="18" charset="0"/>
-                <a:ea typeface="Cambria Math" panose="02040503050406030204" pitchFamily="18" charset="0"/>
-              </a:rPr>
-              <a:t>( TEAM_RESULTS )</a:t>
-            </a:r>
-            <a:endParaRPr lang="en-CA" sz="2000" dirty="0"/>
-          </a:p>
-        </p:txBody>
-      </p:sp>
-      <p:sp>
-        <p:nvSpPr>
-          <p:cNvPr id="9" name="TextBox 8">
-            <a:extLst>
-              <a:ext uri="{FF2B5EF4-FFF2-40B4-BE49-F238E27FC236}">
-                <a16:creationId xmlns:a16="http://schemas.microsoft.com/office/drawing/2014/main" id="{11DAFDE8-BB72-E984-9BC6-16E78BDB964E}"/>
-              </a:ext>
-            </a:extLst>
-          </p:cNvPr>
-          <p:cNvSpPr txBox="1"/>
-          <p:nvPr/>
-        </p:nvSpPr>
-        <p:spPr>
-          <a:xfrm>
-            <a:off x="558424" y="4721697"/>
-            <a:ext cx="8909051" cy="400110"/>
-          </a:xfrm>
-          <a:prstGeom prst="rect">
-            <a:avLst/>
-          </a:prstGeom>
-          <a:noFill/>
-        </p:spPr>
-        <p:txBody>
-          <a:bodyPr wrap="square" rtlCol="0">
-            <a:spAutoFit/>
-          </a:bodyPr>
-          <a:lstStyle/>
-          <a:p>
-            <a:r>
-              <a:rPr lang="en-CA" sz="2000" dirty="0">
-                <a:latin typeface="Cambria Math" panose="02040503050406030204" pitchFamily="18" charset="0"/>
-                <a:ea typeface="Cambria Math" panose="02040503050406030204" pitchFamily="18" charset="0"/>
-              </a:rPr>
-              <a:t>I_CNTRY  </a:t>
-            </a:r>
-            <a:r>
-              <a:rPr lang="en-CA" sz="2000" dirty="0">
-                <a:latin typeface="Cambria Math" panose="02040503050406030204" pitchFamily="18" charset="0"/>
-                <a:ea typeface="Cambria Math" panose="02040503050406030204" pitchFamily="18" charset="0"/>
-                <a:sym typeface="Wingdings" panose="05000000000000000000" pitchFamily="2" charset="2"/>
-              </a:rPr>
-              <a:t>  </a:t>
-            </a:r>
-            <a:r>
-              <a:rPr lang="el-GR" sz="2000" dirty="0">
-                <a:latin typeface="Cambria Math" panose="02040503050406030204" pitchFamily="18" charset="0"/>
-                <a:ea typeface="Cambria Math" panose="02040503050406030204" pitchFamily="18" charset="0"/>
-              </a:rPr>
-              <a:t>π</a:t>
-            </a:r>
-            <a:r>
-              <a:rPr lang="en-CA" sz="2000" baseline="-25000" dirty="0">
-                <a:latin typeface="Cambria Math" panose="02040503050406030204" pitchFamily="18" charset="0"/>
-                <a:ea typeface="Cambria Math" panose="02040503050406030204" pitchFamily="18" charset="0"/>
-              </a:rPr>
-              <a:t>Country </a:t>
-            </a:r>
-            <a:r>
-              <a:rPr lang="en-CA" sz="2000" dirty="0">
-                <a:latin typeface="Cambria Math" panose="02040503050406030204" pitchFamily="18" charset="0"/>
-                <a:ea typeface="Cambria Math" panose="02040503050406030204" pitchFamily="18" charset="0"/>
-              </a:rPr>
-              <a:t>( IND_GOLD ⋈</a:t>
-            </a:r>
-            <a:r>
-              <a:rPr lang="en-CA" sz="2000" baseline="-25000" dirty="0" err="1">
-                <a:latin typeface="Cambria Math" panose="02040503050406030204" pitchFamily="18" charset="0"/>
-                <a:ea typeface="Cambria Math" panose="02040503050406030204" pitchFamily="18" charset="0"/>
-              </a:rPr>
-              <a:t>I.Olympian</a:t>
-            </a:r>
-            <a:r>
-              <a:rPr lang="en-CA" sz="2000" baseline="-25000" dirty="0">
-                <a:latin typeface="Cambria Math" panose="02040503050406030204" pitchFamily="18" charset="0"/>
-                <a:ea typeface="Cambria Math" panose="02040503050406030204" pitchFamily="18" charset="0"/>
-              </a:rPr>
-              <a:t> = </a:t>
-            </a:r>
-            <a:r>
-              <a:rPr lang="en-CA" sz="2000" baseline="-25000" dirty="0" err="1">
-                <a:latin typeface="Cambria Math" panose="02040503050406030204" pitchFamily="18" charset="0"/>
-                <a:ea typeface="Cambria Math" panose="02040503050406030204" pitchFamily="18" charset="0"/>
-              </a:rPr>
-              <a:t>P.OlympicID</a:t>
-            </a:r>
-            <a:r>
-              <a:rPr lang="en-CA" sz="2000" dirty="0">
-                <a:latin typeface="Cambria Math" panose="02040503050406030204" pitchFamily="18" charset="0"/>
-                <a:ea typeface="Cambria Math" panose="02040503050406030204" pitchFamily="18" charset="0"/>
-              </a:rPr>
-              <a:t> PARTICIPANT )</a:t>
-            </a:r>
-            <a:endParaRPr lang="en-CA" sz="2000" dirty="0"/>
-          </a:p>
-        </p:txBody>
-      </p:sp>
-      <p:sp>
-        <p:nvSpPr>
-          <p:cNvPr id="11" name="TextBox 10">
-            <a:extLst>
-              <a:ext uri="{FF2B5EF4-FFF2-40B4-BE49-F238E27FC236}">
-                <a16:creationId xmlns:a16="http://schemas.microsoft.com/office/drawing/2014/main" id="{6BD2EB10-AEBB-0A10-F545-0579C0D4330D}"/>
-              </a:ext>
-            </a:extLst>
-          </p:cNvPr>
-          <p:cNvSpPr txBox="1"/>
-          <p:nvPr/>
-        </p:nvSpPr>
-        <p:spPr>
-          <a:xfrm>
-            <a:off x="558424" y="5204310"/>
-            <a:ext cx="8909051" cy="400110"/>
-          </a:xfrm>
-          <a:prstGeom prst="rect">
-            <a:avLst/>
-          </a:prstGeom>
-          <a:noFill/>
-        </p:spPr>
-        <p:txBody>
-          <a:bodyPr wrap="square" rtlCol="0">
-            <a:spAutoFit/>
-          </a:bodyPr>
-          <a:lstStyle/>
-          <a:p>
-            <a:r>
-              <a:rPr lang="en-CA" sz="2000" dirty="0">
-                <a:latin typeface="Cambria Math" panose="02040503050406030204" pitchFamily="18" charset="0"/>
-                <a:ea typeface="Cambria Math" panose="02040503050406030204" pitchFamily="18" charset="0"/>
-              </a:rPr>
-              <a:t>T_ID  </a:t>
-            </a:r>
-            <a:r>
-              <a:rPr lang="en-CA" sz="2000" dirty="0">
-                <a:latin typeface="Cambria Math" panose="02040503050406030204" pitchFamily="18" charset="0"/>
-                <a:ea typeface="Cambria Math" panose="02040503050406030204" pitchFamily="18" charset="0"/>
-                <a:sym typeface="Wingdings" panose="05000000000000000000" pitchFamily="2" charset="2"/>
-              </a:rPr>
-              <a:t> TEAM</a:t>
-            </a:r>
-            <a:r>
-              <a:rPr lang="en-CA" sz="2000" dirty="0">
-                <a:latin typeface="Cambria Math" panose="02040503050406030204" pitchFamily="18" charset="0"/>
-                <a:ea typeface="Cambria Math" panose="02040503050406030204" pitchFamily="18" charset="0"/>
-              </a:rPr>
-              <a:t>_GOLD ⋈</a:t>
-            </a:r>
-            <a:r>
-              <a:rPr lang="en-CA" sz="2000" baseline="-25000" dirty="0" err="1">
-                <a:latin typeface="Cambria Math" panose="02040503050406030204" pitchFamily="18" charset="0"/>
-                <a:ea typeface="Cambria Math" panose="02040503050406030204" pitchFamily="18" charset="0"/>
-              </a:rPr>
-              <a:t>TG.Team</a:t>
-            </a:r>
-            <a:r>
-              <a:rPr lang="en-CA" sz="2000" baseline="-25000" dirty="0">
-                <a:latin typeface="Cambria Math" panose="02040503050406030204" pitchFamily="18" charset="0"/>
-                <a:ea typeface="Cambria Math" panose="02040503050406030204" pitchFamily="18" charset="0"/>
-              </a:rPr>
-              <a:t> = </a:t>
-            </a:r>
-            <a:r>
-              <a:rPr lang="en-CA" sz="2000" baseline="-25000" dirty="0" err="1">
-                <a:latin typeface="Cambria Math" panose="02040503050406030204" pitchFamily="18" charset="0"/>
-                <a:ea typeface="Cambria Math" panose="02040503050406030204" pitchFamily="18" charset="0"/>
-              </a:rPr>
-              <a:t>T.TeamID</a:t>
-            </a:r>
-            <a:r>
-              <a:rPr lang="en-CA" sz="2000" dirty="0">
-                <a:latin typeface="Cambria Math" panose="02040503050406030204" pitchFamily="18" charset="0"/>
-                <a:ea typeface="Cambria Math" panose="02040503050406030204" pitchFamily="18" charset="0"/>
-              </a:rPr>
-              <a:t> TEAM </a:t>
-            </a:r>
-            <a:endParaRPr lang="en-CA" sz="2000" dirty="0"/>
-          </a:p>
-        </p:txBody>
-      </p:sp>
-      <p:sp>
-        <p:nvSpPr>
-          <p:cNvPr id="14" name="TextBox 13">
-            <a:extLst>
-              <a:ext uri="{FF2B5EF4-FFF2-40B4-BE49-F238E27FC236}">
-                <a16:creationId xmlns:a16="http://schemas.microsoft.com/office/drawing/2014/main" id="{2CBD9CEF-1A9B-813B-25EF-6550B8EF69E2}"/>
-              </a:ext>
-            </a:extLst>
-          </p:cNvPr>
-          <p:cNvSpPr txBox="1"/>
-          <p:nvPr/>
-        </p:nvSpPr>
-        <p:spPr>
-          <a:xfrm>
-            <a:off x="569060" y="6169190"/>
-            <a:ext cx="8909051" cy="400110"/>
-          </a:xfrm>
-          <a:prstGeom prst="rect">
-            <a:avLst/>
-          </a:prstGeom>
-          <a:noFill/>
-        </p:spPr>
-        <p:txBody>
-          <a:bodyPr wrap="square" rtlCol="0">
-            <a:spAutoFit/>
-          </a:bodyPr>
-          <a:lstStyle/>
-          <a:p>
-            <a:r>
-              <a:rPr lang="en-CA" sz="2000" dirty="0">
-                <a:latin typeface="Cambria Math" panose="02040503050406030204" pitchFamily="18" charset="0"/>
-                <a:ea typeface="Cambria Math" panose="02040503050406030204" pitchFamily="18" charset="0"/>
-              </a:rPr>
-              <a:t>RESULT  </a:t>
-            </a:r>
-            <a:r>
-              <a:rPr lang="en-CA" sz="2000" dirty="0">
-                <a:latin typeface="Cambria Math" panose="02040503050406030204" pitchFamily="18" charset="0"/>
-                <a:ea typeface="Cambria Math" panose="02040503050406030204" pitchFamily="18" charset="0"/>
-                <a:sym typeface="Wingdings" panose="05000000000000000000" pitchFamily="2" charset="2"/>
-              </a:rPr>
-              <a:t>  </a:t>
-            </a:r>
-            <a:r>
-              <a:rPr lang="en-CA" sz="2000" dirty="0">
-                <a:latin typeface="Cambria Math" panose="02040503050406030204" pitchFamily="18" charset="0"/>
-                <a:ea typeface="Cambria Math" panose="02040503050406030204" pitchFamily="18" charset="0"/>
-              </a:rPr>
-              <a:t>I_CNTRY ∪ T_CNTRY</a:t>
-            </a:r>
-            <a:endParaRPr lang="en-CA" sz="2000" dirty="0"/>
-          </a:p>
-        </p:txBody>
-      </p:sp>
-      <p:sp>
-        <p:nvSpPr>
-          <p:cNvPr id="15" name="TextBox 14">
-            <a:extLst>
-              <a:ext uri="{FF2B5EF4-FFF2-40B4-BE49-F238E27FC236}">
-                <a16:creationId xmlns:a16="http://schemas.microsoft.com/office/drawing/2014/main" id="{4467E6C4-9532-6E69-6D9A-B68A3C299495}"/>
-              </a:ext>
-            </a:extLst>
-          </p:cNvPr>
-          <p:cNvSpPr txBox="1"/>
-          <p:nvPr/>
-        </p:nvSpPr>
-        <p:spPr>
-          <a:xfrm>
-            <a:off x="558422" y="5686578"/>
-            <a:ext cx="8909051" cy="400110"/>
-          </a:xfrm>
-          <a:prstGeom prst="rect">
-            <a:avLst/>
-          </a:prstGeom>
-          <a:noFill/>
-        </p:spPr>
-        <p:txBody>
-          <a:bodyPr wrap="square" rtlCol="0">
-            <a:spAutoFit/>
-          </a:bodyPr>
-          <a:lstStyle/>
-          <a:p>
-            <a:r>
-              <a:rPr lang="en-CA" sz="2000" dirty="0">
-                <a:latin typeface="Cambria Math" panose="02040503050406030204" pitchFamily="18" charset="0"/>
-                <a:ea typeface="Cambria Math" panose="02040503050406030204" pitchFamily="18" charset="0"/>
-              </a:rPr>
-              <a:t>T_CNTRY  </a:t>
-            </a:r>
-            <a:r>
-              <a:rPr lang="en-CA" sz="2000" dirty="0">
-                <a:latin typeface="Cambria Math" panose="02040503050406030204" pitchFamily="18" charset="0"/>
-                <a:ea typeface="Cambria Math" panose="02040503050406030204" pitchFamily="18" charset="0"/>
-                <a:sym typeface="Wingdings" panose="05000000000000000000" pitchFamily="2" charset="2"/>
-              </a:rPr>
-              <a:t>  </a:t>
-            </a:r>
-            <a:r>
-              <a:rPr lang="el-GR" sz="2000" dirty="0">
-                <a:latin typeface="Cambria Math" panose="02040503050406030204" pitchFamily="18" charset="0"/>
-                <a:ea typeface="Cambria Math" panose="02040503050406030204" pitchFamily="18" charset="0"/>
-              </a:rPr>
-              <a:t>π</a:t>
-            </a:r>
-            <a:r>
-              <a:rPr lang="en-CA" sz="2000" baseline="-25000" dirty="0">
-                <a:latin typeface="Cambria Math" panose="02040503050406030204" pitchFamily="18" charset="0"/>
-                <a:ea typeface="Cambria Math" panose="02040503050406030204" pitchFamily="18" charset="0"/>
-              </a:rPr>
-              <a:t>Country </a:t>
-            </a:r>
-            <a:r>
-              <a:rPr lang="en-CA" sz="2000" dirty="0">
-                <a:latin typeface="Cambria Math" panose="02040503050406030204" pitchFamily="18" charset="0"/>
-                <a:ea typeface="Cambria Math" panose="02040503050406030204" pitchFamily="18" charset="0"/>
-              </a:rPr>
-              <a:t>( T_ID ⋈</a:t>
-            </a:r>
-            <a:r>
-              <a:rPr lang="en-CA" sz="2000" baseline="-25000" dirty="0">
-                <a:latin typeface="Cambria Math" panose="02040503050406030204" pitchFamily="18" charset="0"/>
-                <a:ea typeface="Cambria Math" panose="02040503050406030204" pitchFamily="18" charset="0"/>
-              </a:rPr>
-              <a:t>T.Member1 = </a:t>
-            </a:r>
-            <a:r>
-              <a:rPr lang="en-CA" sz="2000" baseline="-25000" dirty="0" err="1">
-                <a:latin typeface="Cambria Math" panose="02040503050406030204" pitchFamily="18" charset="0"/>
-                <a:ea typeface="Cambria Math" panose="02040503050406030204" pitchFamily="18" charset="0"/>
-              </a:rPr>
-              <a:t>P.OlympicID</a:t>
-            </a:r>
-            <a:r>
-              <a:rPr lang="en-CA" sz="2000" dirty="0">
-                <a:latin typeface="Cambria Math" panose="02040503050406030204" pitchFamily="18" charset="0"/>
-                <a:ea typeface="Cambria Math" panose="02040503050406030204" pitchFamily="18" charset="0"/>
-              </a:rPr>
-              <a:t> PARTICIPANT )</a:t>
-            </a:r>
-            <a:endParaRPr lang="en-CA" sz="2000" dirty="0"/>
-          </a:p>
-        </p:txBody>
-      </p:sp>
-      <p:sp>
-        <p:nvSpPr>
-          <p:cNvPr id="16" name="TextBox 15">
-            <a:extLst>
-              <a:ext uri="{FF2B5EF4-FFF2-40B4-BE49-F238E27FC236}">
-                <a16:creationId xmlns:a16="http://schemas.microsoft.com/office/drawing/2014/main" id="{94317812-CA70-95D6-7113-1D3C79AF0EC5}"/>
-              </a:ext>
-            </a:extLst>
-          </p:cNvPr>
-          <p:cNvSpPr txBox="1"/>
-          <p:nvPr/>
-        </p:nvSpPr>
-        <p:spPr>
-          <a:xfrm>
-            <a:off x="554778" y="3070330"/>
+            <a:off x="444640" y="1381320"/>
             <a:ext cx="8254721" cy="461665"/>
           </a:xfrm>
           <a:prstGeom prst="rect">
@@ -8002,8 +7230,317 @@
           <a:lstStyle/>
           <a:p>
             <a:r>
-              <a:rPr lang="en-CA" sz="2400" dirty="0"/>
-              <a:t>Procedural Sequence Example</a:t>
+              <a:rPr lang="en-CA" sz="2400" b="1" u="sng" dirty="0">
+                <a:latin typeface="+mn-lt"/>
+              </a:rPr>
+              <a:t>Assignment 4 | Questions 1 - 4</a:t>
+            </a:r>
+            <a:endParaRPr lang="en-CA" sz="1800" b="1" u="sng" dirty="0">
+              <a:latin typeface="+mn-lt"/>
+            </a:endParaRPr>
+          </a:p>
+        </p:txBody>
+      </p:sp>
+      <p:sp>
+        <p:nvSpPr>
+          <p:cNvPr id="3" name="TextBox 2">
+            <a:extLst>
+              <a:ext uri="{FF2B5EF4-FFF2-40B4-BE49-F238E27FC236}">
+                <a16:creationId xmlns:a16="http://schemas.microsoft.com/office/drawing/2014/main" id="{DD74D072-E375-8AD4-946E-E6F35C4B44E0}"/>
+              </a:ext>
+            </a:extLst>
+          </p:cNvPr>
+          <p:cNvSpPr txBox="1"/>
+          <p:nvPr/>
+        </p:nvSpPr>
+        <p:spPr>
+          <a:xfrm>
+            <a:off x="499061" y="1997839"/>
+            <a:ext cx="8145879" cy="2862322"/>
+          </a:xfrm>
+          <a:prstGeom prst="rect">
+            <a:avLst/>
+          </a:prstGeom>
+          <a:noFill/>
+        </p:spPr>
+        <p:txBody>
+          <a:bodyPr wrap="square" rtlCol="0">
+            <a:spAutoFit/>
+          </a:bodyPr>
+          <a:lstStyle/>
+          <a:p>
+            <a:pPr marL="457200" indent="-457200">
+              <a:buAutoNum type="arabicPeriod"/>
+            </a:pPr>
+            <a:r>
+              <a:rPr lang="el-GR" sz="2000" dirty="0">
+                <a:latin typeface="+mn-lt"/>
+                <a:ea typeface="Cambria Math" panose="02040503050406030204" pitchFamily="18" charset="0"/>
+              </a:rPr>
+              <a:t>π</a:t>
+            </a:r>
+            <a:r>
+              <a:rPr lang="en-CA" sz="2000" baseline="-25000" dirty="0">
+                <a:latin typeface="+mn-lt"/>
+                <a:ea typeface="Cambria Math" panose="02040503050406030204" pitchFamily="18" charset="0"/>
+              </a:rPr>
+              <a:t>FName, </a:t>
+            </a:r>
+            <a:r>
+              <a:rPr lang="en-CA" sz="2000" baseline="-25000" dirty="0" err="1">
+                <a:latin typeface="+mn-lt"/>
+                <a:ea typeface="Cambria Math" panose="02040503050406030204" pitchFamily="18" charset="0"/>
+              </a:rPr>
+              <a:t>LName</a:t>
+            </a:r>
+            <a:r>
+              <a:rPr lang="en-CA" sz="2000" baseline="-25000" dirty="0">
+                <a:latin typeface="+mn-lt"/>
+                <a:ea typeface="Cambria Math" panose="02040503050406030204" pitchFamily="18" charset="0"/>
+              </a:rPr>
+              <a:t> </a:t>
+            </a:r>
+            <a:r>
+              <a:rPr lang="en-CA" sz="2000" dirty="0">
+                <a:latin typeface="+mn-lt"/>
+                <a:ea typeface="Cambria Math" panose="02040503050406030204" pitchFamily="18" charset="0"/>
+              </a:rPr>
+              <a:t>(</a:t>
+            </a:r>
+            <a:r>
+              <a:rPr lang="en-US" sz="2000" dirty="0">
+                <a:latin typeface="+mn-lt"/>
+                <a:ea typeface="Cambria Math" panose="02040503050406030204" pitchFamily="18" charset="0"/>
+              </a:rPr>
+              <a:t>COMPETITOR</a:t>
+            </a:r>
+            <a:r>
+              <a:rPr lang="en-CA" sz="2000" dirty="0">
+                <a:latin typeface="+mn-lt"/>
+                <a:ea typeface="Cambria Math" panose="02040503050406030204" pitchFamily="18" charset="0"/>
+              </a:rPr>
+              <a:t>)</a:t>
+            </a:r>
+          </a:p>
+          <a:p>
+            <a:pPr marL="457200" indent="-457200">
+              <a:buFont typeface="+mj-lt"/>
+              <a:buAutoNum type="arabicPeriod"/>
+            </a:pPr>
+            <a:endParaRPr lang="en-CA" sz="2000" dirty="0">
+              <a:latin typeface="+mn-lt"/>
+              <a:ea typeface="Cambria Math" panose="02040503050406030204" pitchFamily="18" charset="0"/>
+            </a:endParaRPr>
+          </a:p>
+          <a:p>
+            <a:pPr marL="457200" indent="-457200">
+              <a:buAutoNum type="arabicPeriod"/>
+            </a:pPr>
+            <a:r>
+              <a:rPr lang="el-GR" sz="2000" dirty="0">
+                <a:latin typeface="+mn-lt"/>
+                <a:ea typeface="Cambria Math" panose="02040503050406030204" pitchFamily="18" charset="0"/>
+              </a:rPr>
+              <a:t>π</a:t>
+            </a:r>
+            <a:r>
+              <a:rPr lang="en-CA" sz="2000" baseline="-25000" dirty="0">
+                <a:latin typeface="+mn-lt"/>
+                <a:ea typeface="Cambria Math" panose="02040503050406030204" pitchFamily="18" charset="0"/>
+              </a:rPr>
+              <a:t> FName, </a:t>
+            </a:r>
+            <a:r>
+              <a:rPr lang="en-CA" sz="2000" baseline="-25000" dirty="0" err="1">
+                <a:latin typeface="+mn-lt"/>
+                <a:ea typeface="Cambria Math" panose="02040503050406030204" pitchFamily="18" charset="0"/>
+              </a:rPr>
+              <a:t>LName</a:t>
+            </a:r>
+            <a:r>
+              <a:rPr lang="en-CA" sz="2000" dirty="0">
+                <a:latin typeface="+mn-lt"/>
+                <a:ea typeface="Cambria Math" panose="02040503050406030204" pitchFamily="18" charset="0"/>
+              </a:rPr>
+              <a:t>(</a:t>
+            </a:r>
+            <a:r>
+              <a:rPr lang="el-GR" sz="2000" dirty="0">
+                <a:latin typeface="+mn-lt"/>
+                <a:ea typeface="Cambria Math" panose="02040503050406030204" pitchFamily="18" charset="0"/>
+              </a:rPr>
+              <a:t>σ</a:t>
+            </a:r>
+            <a:r>
+              <a:rPr lang="en-CA" sz="2000" baseline="-25000" dirty="0">
+                <a:latin typeface="+mn-lt"/>
+                <a:ea typeface="Cambria Math" panose="02040503050406030204" pitchFamily="18" charset="0"/>
+              </a:rPr>
+              <a:t>Instrument = “Oboe” AND Age &lt; 12 </a:t>
+            </a:r>
+            <a:r>
+              <a:rPr lang="en-CA" sz="2000" dirty="0">
+                <a:latin typeface="+mn-lt"/>
+                <a:ea typeface="Cambria Math" panose="02040503050406030204" pitchFamily="18" charset="0"/>
+              </a:rPr>
+              <a:t>(COMPETITOR) )</a:t>
+            </a:r>
+          </a:p>
+          <a:p>
+            <a:pPr marL="457200" indent="-457200">
+              <a:buFont typeface="+mj-lt"/>
+              <a:buAutoNum type="arabicPeriod"/>
+            </a:pPr>
+            <a:endParaRPr lang="en-CA" sz="2000" dirty="0">
+              <a:latin typeface="+mn-lt"/>
+              <a:ea typeface="Cambria Math" panose="02040503050406030204" pitchFamily="18" charset="0"/>
+            </a:endParaRPr>
+          </a:p>
+          <a:p>
+            <a:pPr marL="457200" indent="-457200">
+              <a:buAutoNum type="arabicPeriod"/>
+            </a:pPr>
+            <a:r>
+              <a:rPr lang="el-GR" sz="2000" dirty="0">
+                <a:latin typeface="+mn-lt"/>
+                <a:ea typeface="Cambria Math" panose="02040503050406030204" pitchFamily="18" charset="0"/>
+              </a:rPr>
+              <a:t>π</a:t>
+            </a:r>
+            <a:r>
+              <a:rPr lang="en-CA" sz="2000" baseline="-25000" dirty="0" err="1">
+                <a:latin typeface="+mn-lt"/>
+                <a:ea typeface="Cambria Math" panose="02040503050406030204" pitchFamily="18" charset="0"/>
+              </a:rPr>
+              <a:t>CompetitorID</a:t>
+            </a:r>
+            <a:r>
+              <a:rPr lang="en-CA" sz="2000" baseline="-25000" dirty="0">
+                <a:latin typeface="+mn-lt"/>
+                <a:ea typeface="Cambria Math" panose="02040503050406030204" pitchFamily="18" charset="0"/>
+              </a:rPr>
+              <a:t>, </a:t>
+            </a:r>
+            <a:r>
+              <a:rPr lang="en-CA" sz="2000" baseline="-25000" dirty="0" err="1">
+                <a:latin typeface="+mn-lt"/>
+                <a:ea typeface="Cambria Math" panose="02040503050406030204" pitchFamily="18" charset="0"/>
+              </a:rPr>
+              <a:t>StudioName</a:t>
+            </a:r>
+            <a:r>
+              <a:rPr lang="en-CA" sz="2000" dirty="0">
+                <a:latin typeface="+mn-lt"/>
+                <a:ea typeface="Cambria Math" panose="02040503050406030204" pitchFamily="18" charset="0"/>
+              </a:rPr>
+              <a:t>(</a:t>
+            </a:r>
+            <a:r>
+              <a:rPr lang="en-CA" sz="2000" dirty="0" err="1">
+                <a:latin typeface="+mn-lt"/>
+                <a:ea typeface="Cambria Math" panose="02040503050406030204" pitchFamily="18" charset="0"/>
+              </a:rPr>
+              <a:t>COMPETITOR⋈</a:t>
+            </a:r>
+            <a:r>
+              <a:rPr lang="en-CA" sz="2000" baseline="-25000" dirty="0" err="1">
+                <a:latin typeface="+mn-lt"/>
+                <a:ea typeface="Cambria Math" panose="02040503050406030204" pitchFamily="18" charset="0"/>
+              </a:rPr>
+              <a:t>COMPETITOR.TeacherID</a:t>
+            </a:r>
+            <a:r>
+              <a:rPr lang="en-CA" sz="2000" baseline="-25000" dirty="0">
+                <a:latin typeface="+mn-lt"/>
+                <a:ea typeface="Cambria Math" panose="02040503050406030204" pitchFamily="18" charset="0"/>
+              </a:rPr>
+              <a:t> = </a:t>
+            </a:r>
+            <a:r>
+              <a:rPr lang="en-CA" sz="2000" baseline="-25000" dirty="0" err="1">
+                <a:latin typeface="+mn-lt"/>
+                <a:ea typeface="Cambria Math" panose="02040503050406030204" pitchFamily="18" charset="0"/>
+              </a:rPr>
+              <a:t>TEACHER.TeacherID</a:t>
+            </a:r>
+            <a:r>
+              <a:rPr lang="en-CA" sz="2000" dirty="0">
+                <a:latin typeface="+mn-lt"/>
+                <a:ea typeface="Cambria Math" panose="02040503050406030204" pitchFamily="18" charset="0"/>
+              </a:rPr>
+              <a:t> TEACHER)</a:t>
+            </a:r>
+          </a:p>
+          <a:p>
+            <a:pPr marL="457200" indent="-457200">
+              <a:buFont typeface="+mj-lt"/>
+              <a:buAutoNum type="arabicPeriod"/>
+            </a:pPr>
+            <a:endParaRPr lang="en-CA" sz="2000" dirty="0">
+              <a:latin typeface="+mn-lt"/>
+              <a:ea typeface="Cambria Math" panose="02040503050406030204" pitchFamily="18" charset="0"/>
+            </a:endParaRPr>
+          </a:p>
+          <a:p>
+            <a:pPr marL="457200" indent="-457200">
+              <a:buFontTx/>
+              <a:buAutoNum type="arabicPeriod"/>
+            </a:pPr>
+            <a:r>
+              <a:rPr lang="el-GR" sz="2000" dirty="0">
+                <a:latin typeface="+mn-lt"/>
+                <a:ea typeface="Cambria Math" panose="02040503050406030204" pitchFamily="18" charset="0"/>
+              </a:rPr>
+              <a:t>π</a:t>
+            </a:r>
+            <a:r>
+              <a:rPr lang="en-CA" sz="2000" baseline="-25000" dirty="0">
+                <a:latin typeface="+mn-lt"/>
+                <a:ea typeface="Cambria Math" panose="02040503050406030204" pitchFamily="18" charset="0"/>
+              </a:rPr>
+              <a:t>FName, Score</a:t>
+            </a:r>
+            <a:r>
+              <a:rPr lang="en-CA" sz="2000" dirty="0">
+                <a:latin typeface="+mn-lt"/>
+                <a:ea typeface="Cambria Math" panose="02040503050406030204" pitchFamily="18" charset="0"/>
+              </a:rPr>
+              <a:t>(</a:t>
+            </a:r>
+            <a:r>
+              <a:rPr lang="en-CA" sz="2000" dirty="0" err="1">
+                <a:latin typeface="+mn-lt"/>
+                <a:ea typeface="Cambria Math" panose="02040503050406030204" pitchFamily="18" charset="0"/>
+              </a:rPr>
+              <a:t>COMPETITOR⋈</a:t>
+            </a:r>
+            <a:r>
+              <a:rPr lang="en-CA" sz="2000" baseline="-25000" dirty="0" err="1">
+                <a:latin typeface="+mn-lt"/>
+                <a:ea typeface="Cambria Math" panose="02040503050406030204" pitchFamily="18" charset="0"/>
+              </a:rPr>
+              <a:t>COMPETITOR.CompetitorID</a:t>
+            </a:r>
+            <a:r>
+              <a:rPr lang="en-CA" sz="2000" baseline="-25000" dirty="0">
+                <a:latin typeface="+mn-lt"/>
+                <a:ea typeface="Cambria Math" panose="02040503050406030204" pitchFamily="18" charset="0"/>
+              </a:rPr>
+              <a:t> =</a:t>
+            </a:r>
+            <a:r>
+              <a:rPr lang="en-CA" sz="2000" baseline="-25000" dirty="0" err="1">
+                <a:latin typeface="+mn-lt"/>
+                <a:ea typeface="Cambria Math" panose="02040503050406030204" pitchFamily="18" charset="0"/>
+              </a:rPr>
+              <a:t>PERFORMANCE.CompetitorID</a:t>
+            </a:r>
+            <a:r>
+              <a:rPr lang="en-CA" sz="2000" dirty="0">
+                <a:latin typeface="+mn-lt"/>
+                <a:ea typeface="Cambria Math" panose="02040503050406030204" pitchFamily="18" charset="0"/>
+              </a:rPr>
+              <a:t> PERFORMANCE)</a:t>
             </a:r>
           </a:p>
         </p:txBody>
@@ -8011,7 +7548,7 @@
     </p:spTree>
     <p:extLst>
       <p:ext uri="{BB962C8B-B14F-4D97-AF65-F5344CB8AC3E}">
-        <p14:creationId xmlns:p14="http://schemas.microsoft.com/office/powerpoint/2010/main" val="1403480366"/>
+        <p14:creationId xmlns:p14="http://schemas.microsoft.com/office/powerpoint/2010/main" val="2474853357"/>
       </p:ext>
     </p:extLst>
   </p:cSld>
@@ -8040,10 +7577,10 @@
       </p:grpSpPr>
       <p:sp>
         <p:nvSpPr>
-          <p:cNvPr id="33" name="TextBox 32">
+          <p:cNvPr id="3" name="TextBox 2">
             <a:extLst>
               <a:ext uri="{FF2B5EF4-FFF2-40B4-BE49-F238E27FC236}">
-                <a16:creationId xmlns:a16="http://schemas.microsoft.com/office/drawing/2014/main" id="{CF28C8B1-07AD-43A0-910B-53E24D53CE23}"/>
+                <a16:creationId xmlns:a16="http://schemas.microsoft.com/office/drawing/2014/main" id="{DD74D072-E375-8AD4-946E-E6F35C4B44E0}"/>
               </a:ext>
             </a:extLst>
           </p:cNvPr>
@@ -8052,7 +7589,413 @@
         </p:nvSpPr>
         <p:spPr>
           <a:xfrm>
-            <a:off x="554778" y="485392"/>
+            <a:off x="499061" y="1074510"/>
+            <a:ext cx="8145879" cy="4708981"/>
+          </a:xfrm>
+          <a:prstGeom prst="rect">
+            <a:avLst/>
+          </a:prstGeom>
+          <a:noFill/>
+        </p:spPr>
+        <p:txBody>
+          <a:bodyPr wrap="square" rtlCol="0">
+            <a:spAutoFit/>
+          </a:bodyPr>
+          <a:lstStyle/>
+          <a:p>
+            <a:pPr marL="457200" indent="-457200">
+              <a:buAutoNum type="arabicPeriod" startAt="5"/>
+            </a:pPr>
+            <a:r>
+              <a:rPr lang="en-CA" sz="2000" dirty="0">
+                <a:latin typeface="+mn-lt"/>
+                <a:ea typeface="Cambria Math" panose="02040503050406030204" pitchFamily="18" charset="0"/>
+              </a:rPr>
+              <a:t>PER_CAT </a:t>
+            </a:r>
+            <a:r>
+              <a:rPr lang="en-CA" sz="2000" dirty="0">
+                <a:latin typeface="+mn-lt"/>
+                <a:ea typeface="Cambria Math" panose="02040503050406030204" pitchFamily="18" charset="0"/>
+                <a:sym typeface="Wingdings" panose="05000000000000000000" pitchFamily="2" charset="2"/>
+              </a:rPr>
+              <a:t> </a:t>
+            </a:r>
+            <a:r>
+              <a:rPr lang="en-CA" sz="2000" dirty="0" err="1">
+                <a:latin typeface="+mn-lt"/>
+                <a:ea typeface="Cambria Math" panose="02040503050406030204" pitchFamily="18" charset="0"/>
+                <a:sym typeface="Wingdings" panose="05000000000000000000" pitchFamily="2" charset="2"/>
+              </a:rPr>
+              <a:t>PERFORMANCE</a:t>
+            </a:r>
+            <a:r>
+              <a:rPr lang="en-CA" sz="2000" dirty="0" err="1">
+                <a:latin typeface="+mn-lt"/>
+                <a:ea typeface="Cambria Math" panose="02040503050406030204" pitchFamily="18" charset="0"/>
+              </a:rPr>
+              <a:t>⋈</a:t>
+            </a:r>
+            <a:r>
+              <a:rPr lang="en-CA" sz="2000" baseline="-25000" dirty="0" err="1">
+                <a:latin typeface="+mn-lt"/>
+                <a:ea typeface="Cambria Math" panose="02040503050406030204" pitchFamily="18" charset="0"/>
+              </a:rPr>
+              <a:t>PERFORMANCE.CategoryID</a:t>
+            </a:r>
+            <a:r>
+              <a:rPr lang="en-CA" sz="2000" baseline="-25000" dirty="0">
+                <a:latin typeface="+mn-lt"/>
+                <a:ea typeface="Cambria Math" panose="02040503050406030204" pitchFamily="18" charset="0"/>
+              </a:rPr>
+              <a:t> = CATEGORY. </a:t>
+            </a:r>
+            <a:r>
+              <a:rPr lang="en-CA" sz="2000" baseline="-25000" dirty="0" err="1">
+                <a:latin typeface="+mn-lt"/>
+                <a:ea typeface="Cambria Math" panose="02040503050406030204" pitchFamily="18" charset="0"/>
+              </a:rPr>
+              <a:t>CategoryID</a:t>
+            </a:r>
+            <a:r>
+              <a:rPr lang="en-CA" sz="2000" dirty="0">
+                <a:latin typeface="+mn-lt"/>
+                <a:ea typeface="Cambria Math" panose="02040503050406030204" pitchFamily="18" charset="0"/>
+              </a:rPr>
+              <a:t>     CATEGORY </a:t>
+            </a:r>
+          </a:p>
+          <a:p>
+            <a:endParaRPr lang="en-CA" sz="2000" dirty="0">
+              <a:latin typeface="+mn-lt"/>
+              <a:ea typeface="Cambria Math" panose="02040503050406030204" pitchFamily="18" charset="0"/>
+            </a:endParaRPr>
+          </a:p>
+          <a:p>
+            <a:r>
+              <a:rPr lang="en-CA" sz="2000" dirty="0">
+                <a:latin typeface="+mn-lt"/>
+                <a:ea typeface="Cambria Math" panose="02040503050406030204" pitchFamily="18" charset="0"/>
+                <a:sym typeface="Wingdings" panose="05000000000000000000" pitchFamily="2" charset="2"/>
+              </a:rPr>
+              <a:t>        PER_CAT_COMP  </a:t>
+            </a:r>
+            <a:r>
+              <a:rPr lang="en-CA" sz="2000" dirty="0" err="1">
+                <a:latin typeface="+mn-lt"/>
+                <a:ea typeface="Cambria Math" panose="02040503050406030204" pitchFamily="18" charset="0"/>
+                <a:sym typeface="Wingdings" panose="05000000000000000000" pitchFamily="2" charset="2"/>
+              </a:rPr>
+              <a:t>PERFORMANCE</a:t>
+            </a:r>
+            <a:r>
+              <a:rPr lang="en-CA" sz="2000" dirty="0" err="1">
+                <a:latin typeface="+mn-lt"/>
+                <a:ea typeface="Cambria Math" panose="02040503050406030204" pitchFamily="18" charset="0"/>
+              </a:rPr>
+              <a:t>⋈</a:t>
+            </a:r>
+            <a:r>
+              <a:rPr lang="en-CA" sz="2000" baseline="-25000" dirty="0" err="1">
+                <a:latin typeface="+mn-lt"/>
+                <a:ea typeface="Cambria Math" panose="02040503050406030204" pitchFamily="18" charset="0"/>
+              </a:rPr>
+              <a:t>PERFORMANCE.MusicID</a:t>
+            </a:r>
+            <a:r>
+              <a:rPr lang="en-CA" sz="2000" baseline="-25000" dirty="0">
+                <a:latin typeface="+mn-lt"/>
+                <a:ea typeface="Cambria Math" panose="02040503050406030204" pitchFamily="18" charset="0"/>
+              </a:rPr>
+              <a:t> =COMPOSITION. </a:t>
+            </a:r>
+            <a:r>
+              <a:rPr lang="en-CA" sz="2000" baseline="-25000" dirty="0" err="1">
+                <a:latin typeface="+mn-lt"/>
+                <a:ea typeface="Cambria Math" panose="02040503050406030204" pitchFamily="18" charset="0"/>
+              </a:rPr>
+              <a:t>Music</a:t>
+            </a:r>
+            <a:r>
+              <a:rPr lang="en-CA" sz="2000" dirty="0" err="1">
+                <a:latin typeface="+mn-lt"/>
+                <a:ea typeface="Cambria Math" panose="02040503050406030204" pitchFamily="18" charset="0"/>
+              </a:rPr>
+              <a:t>COMPOSITION</a:t>
+            </a:r>
+            <a:r>
+              <a:rPr lang="en-CA" sz="2000" dirty="0">
+                <a:latin typeface="+mn-lt"/>
+                <a:ea typeface="Cambria Math" panose="02040503050406030204" pitchFamily="18" charset="0"/>
+              </a:rPr>
+              <a:t> </a:t>
+            </a:r>
+          </a:p>
+          <a:p>
+            <a:endParaRPr lang="en-CA" sz="2000" dirty="0">
+              <a:latin typeface="+mn-lt"/>
+              <a:ea typeface="Cambria Math" panose="02040503050406030204" pitchFamily="18" charset="0"/>
+            </a:endParaRPr>
+          </a:p>
+          <a:p>
+            <a:r>
+              <a:rPr lang="en-US" sz="2000" dirty="0">
+                <a:latin typeface="+mn-lt"/>
+                <a:ea typeface="Cambria Math" panose="02040503050406030204" pitchFamily="18" charset="0"/>
+              </a:rPr>
+              <a:t>        </a:t>
+            </a:r>
+            <a:r>
+              <a:rPr lang="el-GR" sz="2000" dirty="0">
+                <a:latin typeface="+mn-lt"/>
+                <a:ea typeface="Cambria Math" panose="02040503050406030204" pitchFamily="18" charset="0"/>
+              </a:rPr>
+              <a:t>π</a:t>
+            </a:r>
+            <a:r>
+              <a:rPr lang="en-CA" sz="2000" baseline="-25000" dirty="0">
+                <a:latin typeface="+mn-lt"/>
+                <a:ea typeface="Cambria Math" panose="02040503050406030204" pitchFamily="18" charset="0"/>
+              </a:rPr>
+              <a:t> Title</a:t>
+            </a:r>
+            <a:r>
+              <a:rPr lang="en-CA" sz="2000" dirty="0">
+                <a:latin typeface="+mn-lt"/>
+                <a:ea typeface="Cambria Math" panose="02040503050406030204" pitchFamily="18" charset="0"/>
+              </a:rPr>
+              <a:t>(</a:t>
+            </a:r>
+            <a:r>
+              <a:rPr lang="el-GR" sz="2000" dirty="0">
+                <a:latin typeface="+mn-lt"/>
+                <a:ea typeface="Cambria Math" panose="02040503050406030204" pitchFamily="18" charset="0"/>
+              </a:rPr>
+              <a:t>σ</a:t>
+            </a:r>
+            <a:r>
+              <a:rPr lang="en-CA" sz="2000" baseline="-25000" dirty="0" err="1">
+                <a:latin typeface="+mn-lt"/>
+                <a:ea typeface="Cambria Math" panose="02040503050406030204" pitchFamily="18" charset="0"/>
+              </a:rPr>
+              <a:t>CompTime</a:t>
+            </a:r>
+            <a:r>
+              <a:rPr lang="en-CA" sz="2000" baseline="-25000" dirty="0">
+                <a:latin typeface="+mn-lt"/>
+                <a:ea typeface="Cambria Math" panose="02040503050406030204" pitchFamily="18" charset="0"/>
+              </a:rPr>
+              <a:t> = ‘13:00’ </a:t>
+            </a:r>
+            <a:r>
+              <a:rPr lang="en-CA" sz="2000" dirty="0">
+                <a:latin typeface="+mn-lt"/>
+                <a:ea typeface="Cambria Math" panose="02040503050406030204" pitchFamily="18" charset="0"/>
+              </a:rPr>
+              <a:t>(PER_CAT_COMP) )</a:t>
+            </a:r>
+          </a:p>
+          <a:p>
+            <a:pPr marL="457200" indent="-457200">
+              <a:buFont typeface="+mj-lt"/>
+              <a:buAutoNum type="arabicPeriod"/>
+            </a:pPr>
+            <a:endParaRPr lang="en-CA" sz="2000" dirty="0">
+              <a:latin typeface="+mn-lt"/>
+              <a:ea typeface="Cambria Math" panose="02040503050406030204" pitchFamily="18" charset="0"/>
+            </a:endParaRPr>
+          </a:p>
+          <a:p>
+            <a:pPr marL="457200" indent="-457200">
+              <a:buAutoNum type="arabicPeriod" startAt="6"/>
+            </a:pPr>
+            <a:r>
+              <a:rPr lang="en-CA" sz="2000" dirty="0">
+                <a:latin typeface="+mn-lt"/>
+                <a:ea typeface="Cambria Math" panose="02040503050406030204" pitchFamily="18" charset="0"/>
+              </a:rPr>
+              <a:t>COMP </a:t>
+            </a:r>
+            <a:r>
+              <a:rPr lang="en-CA" sz="2000" dirty="0">
+                <a:latin typeface="+mn-lt"/>
+                <a:ea typeface="Cambria Math" panose="02040503050406030204" pitchFamily="18" charset="0"/>
+                <a:sym typeface="Wingdings" panose="05000000000000000000" pitchFamily="2" charset="2"/>
+              </a:rPr>
+              <a:t> </a:t>
+            </a:r>
+            <a:r>
+              <a:rPr lang="el-GR" sz="2000" dirty="0">
+                <a:latin typeface="+mn-lt"/>
+                <a:ea typeface="Cambria Math" panose="02040503050406030204" pitchFamily="18" charset="0"/>
+              </a:rPr>
+              <a:t>π</a:t>
+            </a:r>
+            <a:r>
+              <a:rPr lang="en-CA" sz="2000" baseline="-25000" dirty="0" err="1">
+                <a:latin typeface="+mn-lt"/>
+                <a:ea typeface="Cambria Math" panose="02040503050406030204" pitchFamily="18" charset="0"/>
+              </a:rPr>
+              <a:t>MusicID</a:t>
+            </a:r>
+            <a:r>
+              <a:rPr lang="en-CA" sz="2000" baseline="-25000" dirty="0">
+                <a:latin typeface="+mn-lt"/>
+                <a:ea typeface="Cambria Math" panose="02040503050406030204" pitchFamily="18" charset="0"/>
+              </a:rPr>
+              <a:t>, Title </a:t>
+            </a:r>
+            <a:r>
+              <a:rPr lang="en-CA" sz="2000" dirty="0">
+                <a:latin typeface="+mn-lt"/>
+                <a:ea typeface="Cambria Math" panose="02040503050406030204" pitchFamily="18" charset="0"/>
+              </a:rPr>
+              <a:t>(COMPOSITION)</a:t>
+            </a:r>
+          </a:p>
+          <a:p>
+            <a:pPr marL="457200" indent="-457200">
+              <a:buAutoNum type="arabicPeriod" startAt="6"/>
+            </a:pPr>
+            <a:endParaRPr lang="en-CA" sz="2000" dirty="0">
+              <a:latin typeface="+mn-lt"/>
+              <a:ea typeface="Cambria Math" panose="02040503050406030204" pitchFamily="18" charset="0"/>
+            </a:endParaRPr>
+          </a:p>
+          <a:p>
+            <a:r>
+              <a:rPr lang="en-CA" sz="2000" dirty="0">
+                <a:latin typeface="+mn-lt"/>
+                <a:ea typeface="Cambria Math" panose="02040503050406030204" pitchFamily="18" charset="0"/>
+              </a:rPr>
+              <a:t>        PERF  </a:t>
+            </a:r>
+            <a:r>
+              <a:rPr lang="en-CA" sz="2000" dirty="0">
+                <a:latin typeface="+mn-lt"/>
+                <a:ea typeface="Cambria Math" panose="02040503050406030204" pitchFamily="18" charset="0"/>
+                <a:sym typeface="Wingdings" panose="05000000000000000000" pitchFamily="2" charset="2"/>
+              </a:rPr>
+              <a:t> </a:t>
+            </a:r>
+            <a:r>
+              <a:rPr lang="el-GR" sz="2000" dirty="0">
+                <a:latin typeface="+mn-lt"/>
+                <a:ea typeface="Cambria Math" panose="02040503050406030204" pitchFamily="18" charset="0"/>
+              </a:rPr>
+              <a:t>π</a:t>
+            </a:r>
+            <a:r>
+              <a:rPr lang="en-CA" sz="2000" baseline="-25000" dirty="0" err="1">
+                <a:latin typeface="+mn-lt"/>
+                <a:ea typeface="Cambria Math" panose="02040503050406030204" pitchFamily="18" charset="0"/>
+              </a:rPr>
+              <a:t>MusicID</a:t>
+            </a:r>
+            <a:r>
+              <a:rPr lang="en-CA" sz="2000" baseline="-25000" dirty="0">
+                <a:latin typeface="+mn-lt"/>
+                <a:ea typeface="Cambria Math" panose="02040503050406030204" pitchFamily="18" charset="0"/>
+              </a:rPr>
+              <a:t> </a:t>
+            </a:r>
+            <a:r>
+              <a:rPr lang="en-CA" sz="2000" dirty="0">
+                <a:latin typeface="+mn-lt"/>
+                <a:ea typeface="Cambria Math" panose="02040503050406030204" pitchFamily="18" charset="0"/>
+              </a:rPr>
+              <a:t>(PERFORMANCE)</a:t>
+            </a:r>
+          </a:p>
+          <a:p>
+            <a:endParaRPr lang="en-CA" sz="2000" dirty="0">
+              <a:latin typeface="+mn-lt"/>
+              <a:ea typeface="Cambria Math" panose="02040503050406030204" pitchFamily="18" charset="0"/>
+            </a:endParaRPr>
+          </a:p>
+          <a:p>
+            <a:r>
+              <a:rPr lang="en-CA" sz="2000" dirty="0">
+                <a:latin typeface="+mn-lt"/>
+                <a:ea typeface="Cambria Math" panose="02040503050406030204" pitchFamily="18" charset="0"/>
+              </a:rPr>
+              <a:t>        COMP_PERF_DIFF </a:t>
+            </a:r>
+            <a:r>
+              <a:rPr lang="en-CA" sz="2000" dirty="0">
+                <a:latin typeface="+mn-lt"/>
+                <a:ea typeface="Cambria Math" panose="02040503050406030204" pitchFamily="18" charset="0"/>
+                <a:sym typeface="Wingdings" panose="05000000000000000000" pitchFamily="2" charset="2"/>
+              </a:rPr>
+              <a:t> COMP – PERF</a:t>
+            </a:r>
+          </a:p>
+          <a:p>
+            <a:endParaRPr lang="en-CA" sz="2000" dirty="0">
+              <a:latin typeface="+mn-lt"/>
+              <a:ea typeface="Cambria Math" panose="02040503050406030204" pitchFamily="18" charset="0"/>
+            </a:endParaRPr>
+          </a:p>
+          <a:p>
+            <a:r>
+              <a:rPr lang="en-CA" sz="2000" dirty="0">
+                <a:latin typeface="+mn-lt"/>
+                <a:ea typeface="Cambria Math" panose="02040503050406030204" pitchFamily="18" charset="0"/>
+              </a:rPr>
+              <a:t>        COMP_NOT_SELECTED </a:t>
+            </a:r>
+            <a:r>
+              <a:rPr lang="en-CA" sz="2000" dirty="0">
+                <a:latin typeface="+mn-lt"/>
+                <a:ea typeface="Cambria Math" panose="02040503050406030204" pitchFamily="18" charset="0"/>
+                <a:sym typeface="Wingdings" panose="05000000000000000000" pitchFamily="2" charset="2"/>
+              </a:rPr>
+              <a:t> </a:t>
+            </a:r>
+            <a:r>
+              <a:rPr lang="el-GR" sz="2000" dirty="0">
+                <a:latin typeface="+mn-lt"/>
+                <a:ea typeface="Cambria Math" panose="02040503050406030204" pitchFamily="18" charset="0"/>
+              </a:rPr>
+              <a:t>π</a:t>
+            </a:r>
+            <a:r>
+              <a:rPr lang="en-CA" sz="2000" baseline="-25000" dirty="0">
+                <a:latin typeface="+mn-lt"/>
+                <a:ea typeface="Cambria Math" panose="02040503050406030204" pitchFamily="18" charset="0"/>
+              </a:rPr>
+              <a:t>Titles</a:t>
+            </a:r>
+            <a:r>
+              <a:rPr lang="en-CA" sz="2000" dirty="0">
+                <a:latin typeface="+mn-lt"/>
+                <a:ea typeface="Cambria Math" panose="02040503050406030204" pitchFamily="18" charset="0"/>
+                <a:sym typeface="Wingdings" panose="05000000000000000000" pitchFamily="2" charset="2"/>
+              </a:rPr>
+              <a:t> (COMP_PERF_DIFF)</a:t>
+            </a:r>
+            <a:endParaRPr lang="en-CA" sz="2000" dirty="0">
+              <a:latin typeface="+mn-lt"/>
+              <a:ea typeface="Cambria Math" panose="02040503050406030204" pitchFamily="18" charset="0"/>
+            </a:endParaRPr>
+          </a:p>
+        </p:txBody>
+      </p:sp>
+      <p:sp>
+        <p:nvSpPr>
+          <p:cNvPr id="2" name="TextBox 1">
+            <a:extLst>
+              <a:ext uri="{FF2B5EF4-FFF2-40B4-BE49-F238E27FC236}">
+                <a16:creationId xmlns:a16="http://schemas.microsoft.com/office/drawing/2014/main" id="{17BAC789-12E2-90EF-F0E3-297E3279505A}"/>
+              </a:ext>
+            </a:extLst>
+          </p:cNvPr>
+          <p:cNvSpPr txBox="1"/>
+          <p:nvPr/>
+        </p:nvSpPr>
+        <p:spPr>
+          <a:xfrm>
+            <a:off x="444640" y="448444"/>
             <a:ext cx="8254721" cy="461665"/>
           </a:xfrm>
           <a:prstGeom prst="rect">
@@ -8067,18 +8010,53 @@
           <a:lstStyle/>
           <a:p>
             <a:r>
-              <a:rPr lang="en-CA" sz="2400" dirty="0"/>
-              <a:t>Query Tree &amp; Corresponding Expression</a:t>
-            </a:r>
+              <a:rPr lang="en-CA" sz="2400" b="1" u="sng" dirty="0">
+                <a:latin typeface="+mn-lt"/>
+              </a:rPr>
+              <a:t>Assignment 4 | Questions 5 - 6</a:t>
+            </a:r>
+            <a:endParaRPr lang="en-CA" sz="1800" b="1" u="sng" dirty="0">
+              <a:latin typeface="+mn-lt"/>
+            </a:endParaRPr>
           </a:p>
         </p:txBody>
       </p:sp>
+    </p:spTree>
+    <p:extLst>
+      <p:ext uri="{BB962C8B-B14F-4D97-AF65-F5344CB8AC3E}">
+        <p14:creationId xmlns:p14="http://schemas.microsoft.com/office/powerpoint/2010/main" val="2276700239"/>
+      </p:ext>
+    </p:extLst>
+  </p:cSld>
+  <p:clrMapOvr>
+    <a:masterClrMapping/>
+  </p:clrMapOvr>
+</p:sld>
+</file>
+
+<file path=ppt/slides/slide3.xml><?xml version="1.0" encoding="utf-8"?>
+<p:sld xmlns:a="http://schemas.openxmlformats.org/drawingml/2006/main" xmlns:r="http://schemas.openxmlformats.org/officeDocument/2006/relationships" xmlns:p="http://schemas.openxmlformats.org/presentationml/2006/main">
+  <p:cSld>
+    <p:spTree>
+      <p:nvGrpSpPr>
+        <p:cNvPr id="1" name=""/>
+        <p:cNvGrpSpPr/>
+        <p:nvPr/>
+      </p:nvGrpSpPr>
+      <p:grpSpPr>
+        <a:xfrm>
+          <a:off x="0" y="0"/>
+          <a:ext cx="0" cy="0"/>
+          <a:chOff x="0" y="0"/>
+          <a:chExt cx="0" cy="0"/>
+        </a:xfrm>
+      </p:grpSpPr>
       <p:sp>
         <p:nvSpPr>
-          <p:cNvPr id="37" name="TextBox 36">
+          <p:cNvPr id="2" name="TextBox 1">
             <a:extLst>
               <a:ext uri="{FF2B5EF4-FFF2-40B4-BE49-F238E27FC236}">
-                <a16:creationId xmlns:a16="http://schemas.microsoft.com/office/drawing/2014/main" id="{F0ABDCE0-0155-4B5D-81FE-BC8CB41FA9DD}"/>
+                <a16:creationId xmlns:a16="http://schemas.microsoft.com/office/drawing/2014/main" id="{17BAC789-12E2-90EF-F0E3-297E3279505A}"/>
               </a:ext>
             </a:extLst>
           </p:cNvPr>
@@ -8087,8 +8065,8 @@
         </p:nvSpPr>
         <p:spPr>
           <a:xfrm>
-            <a:off x="2224354" y="40649"/>
-            <a:ext cx="4695291" cy="261610"/>
+            <a:off x="444640" y="1788532"/>
+            <a:ext cx="8254721" cy="461665"/>
           </a:xfrm>
           <a:prstGeom prst="rect">
             <a:avLst/>
@@ -8101,20 +8079,24 @@
           </a:bodyPr>
           <a:lstStyle/>
           <a:p>
-            <a:pPr algn="ctr"/>
-            <a:r>
-              <a:rPr lang="en-CA" sz="1100" dirty="0"/>
-              <a:t>ENSF 608 Fall 2023 – Suggested Relational Algebra Template</a:t>
-            </a:r>
+            <a:r>
+              <a:rPr lang="en-CA" sz="2400" b="1" u="sng" dirty="0">
+                <a:latin typeface="+mn-lt"/>
+              </a:rPr>
+              <a:t>Assignment 4 | Question 7-1</a:t>
+            </a:r>
+            <a:endParaRPr lang="en-CA" sz="1800" b="1" u="sng" dirty="0">
+              <a:latin typeface="+mn-lt"/>
+            </a:endParaRPr>
           </a:p>
         </p:txBody>
       </p:sp>
       <p:sp>
         <p:nvSpPr>
-          <p:cNvPr id="2" name="TextBox 1">
+          <p:cNvPr id="3" name="TextBox 2">
             <a:extLst>
               <a:ext uri="{FF2B5EF4-FFF2-40B4-BE49-F238E27FC236}">
-                <a16:creationId xmlns:a16="http://schemas.microsoft.com/office/drawing/2014/main" id="{3D0AC992-43EA-7A1C-7E8E-BA928D8B6344}"/>
+                <a16:creationId xmlns:a16="http://schemas.microsoft.com/office/drawing/2014/main" id="{DD74D072-E375-8AD4-946E-E6F35C4B44E0}"/>
               </a:ext>
             </a:extLst>
           </p:cNvPr>
@@ -8123,8 +8105,8 @@
         </p:nvSpPr>
         <p:spPr>
           <a:xfrm>
-            <a:off x="4601317" y="2062011"/>
-            <a:ext cx="1091100" cy="369332"/>
+            <a:off x="499061" y="2305616"/>
+            <a:ext cx="8145879" cy="2246769"/>
           </a:xfrm>
           <a:prstGeom prst="rect">
             <a:avLst/>
@@ -8137,75 +8119,253 @@
           </a:bodyPr>
           <a:lstStyle/>
           <a:p>
-            <a:pPr marL="0" marR="0" lvl="0" indent="0" defTabSz="914400" eaLnBrk="1" fontAlgn="auto" latinLnBrk="0" hangingPunct="1">
-              <a:lnSpc>
-                <a:spcPct val="100000"/>
-              </a:lnSpc>
-              <a:spcBef>
-                <a:spcPts val="0"/>
-              </a:spcBef>
-              <a:spcAft>
-                <a:spcPts val="0"/>
-              </a:spcAft>
-              <a:buClrTx/>
-              <a:buSzTx/>
-              <a:buFontTx/>
-              <a:buNone/>
-              <a:tabLst/>
-              <a:defRPr/>
+            <a:pPr marL="457200" indent="-457200">
+              <a:buAutoNum type="arabicPeriod" startAt="7"/>
             </a:pPr>
             <a:r>
-              <a:rPr kumimoji="0" lang="el-GR" sz="1800" b="0" i="0" u="none" strike="noStrike" kern="0" cap="none" spc="0" normalizeH="0" baseline="0" noProof="0" dirty="0">
-                <a:ln>
-                  <a:noFill/>
-                </a:ln>
-                <a:solidFill>
-                  <a:sysClr val="windowText" lastClr="000000"/>
-                </a:solidFill>
-                <a:effectLst/>
-                <a:uLnTx/>
-                <a:uFillTx/>
-                <a:latin typeface="Cambria Math" panose="02040503050406030204" pitchFamily="18" charset="0"/>
+              <a:rPr lang="en-CA" sz="2000" dirty="0">
+                <a:latin typeface="+mn-lt"/>
                 <a:ea typeface="Cambria Math" panose="02040503050406030204" pitchFamily="18" charset="0"/>
               </a:rPr>
+              <a:t>COMPETITOR_TEACH </a:t>
+            </a:r>
+            <a:r>
+              <a:rPr lang="en-CA" sz="2000" dirty="0">
+                <a:latin typeface="+mn-lt"/>
+                <a:ea typeface="Cambria Math" panose="02040503050406030204" pitchFamily="18" charset="0"/>
+                <a:sym typeface="Wingdings" panose="05000000000000000000" pitchFamily="2" charset="2"/>
+              </a:rPr>
+              <a:t> </a:t>
+            </a:r>
+            <a:r>
+              <a:rPr lang="el-GR" sz="2000" dirty="0">
+                <a:latin typeface="+mn-lt"/>
+                <a:ea typeface="Cambria Math" panose="02040503050406030204" pitchFamily="18" charset="0"/>
+              </a:rPr>
+              <a:t>σ</a:t>
+            </a:r>
+            <a:r>
+              <a:rPr lang="en-CA" sz="2000" baseline="-25000" dirty="0" err="1">
+                <a:latin typeface="+mn-lt"/>
+                <a:ea typeface="Cambria Math" panose="02040503050406030204" pitchFamily="18" charset="0"/>
+              </a:rPr>
+              <a:t>StudioName</a:t>
+            </a:r>
+            <a:r>
+              <a:rPr lang="en-CA" sz="2000" baseline="-25000" dirty="0">
+                <a:latin typeface="+mn-lt"/>
+                <a:ea typeface="Cambria Math" panose="02040503050406030204" pitchFamily="18" charset="0"/>
+              </a:rPr>
+              <a:t> = “Music Mastery”</a:t>
+            </a:r>
+            <a:r>
+              <a:rPr lang="en-CA" sz="2000" dirty="0">
+                <a:latin typeface="+mn-lt"/>
+                <a:ea typeface="Cambria Math" panose="02040503050406030204" pitchFamily="18" charset="0"/>
+                <a:sym typeface="Wingdings" panose="05000000000000000000" pitchFamily="2" charset="2"/>
+              </a:rPr>
+              <a:t>(</a:t>
+            </a:r>
+            <a:r>
+              <a:rPr lang="en-CA" sz="2000" dirty="0" err="1">
+                <a:latin typeface="+mn-lt"/>
+                <a:ea typeface="Cambria Math" panose="02040503050406030204" pitchFamily="18" charset="0"/>
+                <a:sym typeface="Wingdings" panose="05000000000000000000" pitchFamily="2" charset="2"/>
+              </a:rPr>
+              <a:t>COMPETITOR</a:t>
+            </a:r>
+            <a:r>
+              <a:rPr lang="en-CA" sz="2000" dirty="0" err="1">
+                <a:latin typeface="+mn-lt"/>
+                <a:ea typeface="Cambria Math" panose="02040503050406030204" pitchFamily="18" charset="0"/>
+              </a:rPr>
+              <a:t>⋈</a:t>
+            </a:r>
+            <a:r>
+              <a:rPr lang="en-CA" sz="2000" baseline="-25000" dirty="0" err="1">
+                <a:latin typeface="+mn-lt"/>
+                <a:ea typeface="Cambria Math" panose="02040503050406030204" pitchFamily="18" charset="0"/>
+              </a:rPr>
+              <a:t>COMPETITOR.CompetitorID</a:t>
+            </a:r>
+            <a:r>
+              <a:rPr lang="en-CA" sz="2000" baseline="-25000" dirty="0">
+                <a:latin typeface="+mn-lt"/>
+                <a:ea typeface="Cambria Math" panose="02040503050406030204" pitchFamily="18" charset="0"/>
+              </a:rPr>
+              <a:t> =TEACHER. </a:t>
+            </a:r>
+            <a:r>
+              <a:rPr lang="en-CA" sz="2000" baseline="-25000" dirty="0" err="1">
+                <a:latin typeface="+mn-lt"/>
+                <a:ea typeface="Cambria Math" panose="02040503050406030204" pitchFamily="18" charset="0"/>
+              </a:rPr>
+              <a:t>TeacherID</a:t>
+            </a:r>
+            <a:r>
+              <a:rPr lang="en-CA" sz="2000" dirty="0" err="1">
+                <a:latin typeface="+mn-lt"/>
+                <a:ea typeface="Cambria Math" panose="02040503050406030204" pitchFamily="18" charset="0"/>
+              </a:rPr>
+              <a:t>TEACHER</a:t>
+            </a:r>
+            <a:r>
+              <a:rPr lang="en-CA" sz="2000" dirty="0">
+                <a:latin typeface="+mn-lt"/>
+                <a:ea typeface="Cambria Math" panose="02040503050406030204" pitchFamily="18" charset="0"/>
+              </a:rPr>
+              <a:t>)</a:t>
+            </a:r>
+          </a:p>
+          <a:p>
+            <a:endParaRPr lang="en-CA" sz="2000" dirty="0">
+              <a:latin typeface="+mn-lt"/>
+              <a:ea typeface="Cambria Math" panose="02040503050406030204" pitchFamily="18" charset="0"/>
+            </a:endParaRPr>
+          </a:p>
+          <a:p>
+            <a:r>
+              <a:rPr lang="en-CA" sz="2000" dirty="0">
+                <a:latin typeface="+mn-lt"/>
+                <a:ea typeface="Cambria Math" panose="02040503050406030204" pitchFamily="18" charset="0"/>
+              </a:rPr>
+              <a:t>        COMETITOR_TEACH_PERF </a:t>
+            </a:r>
+            <a:r>
+              <a:rPr lang="en-CA" sz="2000" dirty="0">
+                <a:latin typeface="+mn-lt"/>
+                <a:ea typeface="Cambria Math" panose="02040503050406030204" pitchFamily="18" charset="0"/>
+                <a:sym typeface="Wingdings" panose="05000000000000000000" pitchFamily="2" charset="2"/>
+              </a:rPr>
+              <a:t> </a:t>
+            </a:r>
+            <a:r>
+              <a:rPr lang="en-CA" sz="2000" dirty="0">
+                <a:latin typeface="+mn-lt"/>
+                <a:ea typeface="Cambria Math" panose="02040503050406030204" pitchFamily="18" charset="0"/>
+              </a:rPr>
+              <a:t>COMPETITOR_TEACH ⋈</a:t>
+            </a:r>
+            <a:r>
+              <a:rPr lang="en-CA" sz="2000" baseline="-25000" dirty="0" err="1">
+                <a:latin typeface="+mn-lt"/>
+                <a:ea typeface="Cambria Math" panose="02040503050406030204" pitchFamily="18" charset="0"/>
+              </a:rPr>
+              <a:t>COMPETITOR.CompetitorID</a:t>
+            </a:r>
+            <a:r>
+              <a:rPr lang="en-CA" sz="2000" baseline="-25000" dirty="0">
+                <a:latin typeface="+mn-lt"/>
+                <a:ea typeface="Cambria Math" panose="02040503050406030204" pitchFamily="18" charset="0"/>
+              </a:rPr>
+              <a:t>=</a:t>
+            </a:r>
+            <a:r>
+              <a:rPr lang="en-CA" sz="2000" baseline="-25000" dirty="0" err="1">
+                <a:latin typeface="+mn-lt"/>
+                <a:ea typeface="Cambria Math" panose="02040503050406030204" pitchFamily="18" charset="0"/>
+              </a:rPr>
+              <a:t>PERFORMANCE.CompetitorID</a:t>
+            </a:r>
+            <a:r>
+              <a:rPr lang="en-CA" sz="2000" dirty="0" err="1">
+                <a:latin typeface="+mn-lt"/>
+                <a:ea typeface="Cambria Math" panose="02040503050406030204" pitchFamily="18" charset="0"/>
+              </a:rPr>
+              <a:t>PERFORMANCE</a:t>
+            </a:r>
+            <a:endParaRPr lang="en-CA" sz="2000" dirty="0">
+              <a:latin typeface="+mn-lt"/>
+              <a:ea typeface="Cambria Math" panose="02040503050406030204" pitchFamily="18" charset="0"/>
+            </a:endParaRPr>
+          </a:p>
+          <a:p>
+            <a:endParaRPr lang="en-CA" sz="2000" dirty="0">
+              <a:latin typeface="+mn-lt"/>
+              <a:ea typeface="Cambria Math" panose="02040503050406030204" pitchFamily="18" charset="0"/>
+            </a:endParaRPr>
+          </a:p>
+          <a:p>
+            <a:r>
+              <a:rPr lang="en-CA" sz="2000" dirty="0">
+                <a:latin typeface="+mn-lt"/>
+                <a:ea typeface="Cambria Math" panose="02040503050406030204" pitchFamily="18" charset="0"/>
+              </a:rPr>
+              <a:t>        COMP_NOT_SELECTED </a:t>
+            </a:r>
+            <a:r>
+              <a:rPr lang="en-CA" sz="2000" dirty="0">
+                <a:latin typeface="+mn-lt"/>
+                <a:ea typeface="Cambria Math" panose="02040503050406030204" pitchFamily="18" charset="0"/>
+                <a:sym typeface="Wingdings" panose="05000000000000000000" pitchFamily="2" charset="2"/>
+              </a:rPr>
+              <a:t> </a:t>
+            </a:r>
+            <a:r>
+              <a:rPr lang="el-GR" sz="2000" dirty="0">
+                <a:latin typeface="+mn-lt"/>
+                <a:ea typeface="Cambria Math" panose="02040503050406030204" pitchFamily="18" charset="0"/>
+              </a:rPr>
               <a:t>π</a:t>
             </a:r>
             <a:r>
-              <a:rPr kumimoji="0" lang="en-CA" sz="1800" b="0" i="0" u="none" strike="noStrike" kern="0" cap="none" spc="0" normalizeH="0" baseline="-25000" noProof="0" dirty="0" err="1">
-                <a:ln>
-                  <a:noFill/>
-                </a:ln>
-                <a:solidFill>
-                  <a:sysClr val="windowText" lastClr="000000"/>
-                </a:solidFill>
-                <a:effectLst/>
-                <a:uLnTx/>
-                <a:uFillTx/>
-                <a:latin typeface="Cambria Math" panose="02040503050406030204" pitchFamily="18" charset="0"/>
+              <a:rPr lang="en-CA" sz="2000" baseline="-25000" dirty="0">
+                <a:latin typeface="+mn-lt"/>
                 <a:ea typeface="Cambria Math" panose="02040503050406030204" pitchFamily="18" charset="0"/>
               </a:rPr>
-              <a:t>C.Attr</a:t>
-            </a:r>
-            <a:endParaRPr kumimoji="0" lang="en-CA" sz="1800" b="0" i="0" u="none" strike="noStrike" kern="0" cap="none" spc="0" normalizeH="0" baseline="0" noProof="0" dirty="0">
-              <a:ln>
-                <a:noFill/>
-              </a:ln>
-              <a:solidFill>
-                <a:sysClr val="windowText" lastClr="000000"/>
-              </a:solidFill>
-              <a:effectLst/>
-              <a:uLnTx/>
-              <a:uFillTx/>
+              <a:t>Score</a:t>
+            </a:r>
+            <a:r>
+              <a:rPr lang="en-CA" sz="2000" dirty="0">
+                <a:latin typeface="+mn-lt"/>
+                <a:ea typeface="Cambria Math" panose="02040503050406030204" pitchFamily="18" charset="0"/>
+                <a:sym typeface="Wingdings" panose="05000000000000000000" pitchFamily="2" charset="2"/>
+              </a:rPr>
+              <a:t> (COMP_TEACH_PERF)</a:t>
+            </a:r>
+            <a:endParaRPr lang="en-CA" sz="2000" dirty="0">
+              <a:latin typeface="+mn-lt"/>
+              <a:ea typeface="Cambria Math" panose="02040503050406030204" pitchFamily="18" charset="0"/>
             </a:endParaRPr>
           </a:p>
         </p:txBody>
       </p:sp>
+    </p:spTree>
+    <p:extLst>
+      <p:ext uri="{BB962C8B-B14F-4D97-AF65-F5344CB8AC3E}">
+        <p14:creationId xmlns:p14="http://schemas.microsoft.com/office/powerpoint/2010/main" val="2967500122"/>
+      </p:ext>
+    </p:extLst>
+  </p:cSld>
+  <p:clrMapOvr>
+    <a:masterClrMapping/>
+  </p:clrMapOvr>
+</p:sld>
+</file>
+
+<file path=ppt/slides/slide4.xml><?xml version="1.0" encoding="utf-8"?>
+<p:sld xmlns:a="http://schemas.openxmlformats.org/drawingml/2006/main" xmlns:r="http://schemas.openxmlformats.org/officeDocument/2006/relationships" xmlns:p="http://schemas.openxmlformats.org/presentationml/2006/main">
+  <p:cSld>
+    <p:spTree>
+      <p:nvGrpSpPr>
+        <p:cNvPr id="1" name=""/>
+        <p:cNvGrpSpPr/>
+        <p:nvPr/>
+      </p:nvGrpSpPr>
+      <p:grpSpPr>
+        <a:xfrm>
+          <a:off x="0" y="0"/>
+          <a:ext cx="0" cy="0"/>
+          <a:chOff x="0" y="0"/>
+          <a:chExt cx="0" cy="0"/>
+        </a:xfrm>
+      </p:grpSpPr>
       <p:sp>
         <p:nvSpPr>
-          <p:cNvPr id="3" name="TextBox 2">
+          <p:cNvPr id="2" name="TextBox 1">
             <a:extLst>
               <a:ext uri="{FF2B5EF4-FFF2-40B4-BE49-F238E27FC236}">
-                <a16:creationId xmlns:a16="http://schemas.microsoft.com/office/drawing/2014/main" id="{E7901934-CB63-C601-E0E1-99DAB4DC983C}"/>
+                <a16:creationId xmlns:a16="http://schemas.microsoft.com/office/drawing/2014/main" id="{17BAC789-12E2-90EF-F0E3-297E3279505A}"/>
               </a:ext>
             </a:extLst>
           </p:cNvPr>
@@ -8214,8 +8374,8 @@
         </p:nvSpPr>
         <p:spPr>
           <a:xfrm>
-            <a:off x="3029336" y="3805747"/>
-            <a:ext cx="3819441" cy="400110"/>
+            <a:off x="444640" y="754065"/>
+            <a:ext cx="8254721" cy="461665"/>
           </a:xfrm>
           <a:prstGeom prst="rect">
             <a:avLst/>
@@ -8228,25 +8388,126 @@
           </a:bodyPr>
           <a:lstStyle/>
           <a:p>
-            <a:pPr marL="0" marR="0" lvl="0" indent="0" defTabSz="914400" eaLnBrk="1" fontAlgn="auto" latinLnBrk="0" hangingPunct="1">
-              <a:lnSpc>
-                <a:spcPct val="100000"/>
-              </a:lnSpc>
-              <a:spcBef>
-                <a:spcPts val="0"/>
-              </a:spcBef>
-              <a:spcAft>
-                <a:spcPts val="0"/>
-              </a:spcAft>
-              <a:buClrTx/>
-              <a:buSzTx/>
-              <a:buFontTx/>
-              <a:buNone/>
-              <a:tabLst/>
-              <a:defRPr/>
-            </a:pPr>
-            <a:r>
-              <a:rPr kumimoji="0" lang="en-CA" sz="2000" b="0" i="0" u="none" strike="noStrike" kern="0" cap="none" spc="0" normalizeH="0" baseline="0" noProof="0" dirty="0">
+            <a:r>
+              <a:rPr lang="en-CA" sz="2400" b="1" u="sng" dirty="0">
+                <a:latin typeface="+mn-lt"/>
+              </a:rPr>
+              <a:t>Assignment 4 | Question 7-2</a:t>
+            </a:r>
+            <a:endParaRPr lang="en-CA" sz="1800" b="1" u="sng" dirty="0">
+              <a:latin typeface="+mn-lt"/>
+            </a:endParaRPr>
+          </a:p>
+        </p:txBody>
+      </p:sp>
+      <p:grpSp>
+        <p:nvGrpSpPr>
+          <p:cNvPr id="26" name="Group 25">
+            <a:extLst>
+              <a:ext uri="{FF2B5EF4-FFF2-40B4-BE49-F238E27FC236}">
+                <a16:creationId xmlns:a16="http://schemas.microsoft.com/office/drawing/2014/main" id="{338AC191-7F7E-8559-DFF9-5E0A188C4985}"/>
+              </a:ext>
+            </a:extLst>
+          </p:cNvPr>
+          <p:cNvGrpSpPr/>
+          <p:nvPr/>
+        </p:nvGrpSpPr>
+        <p:grpSpPr>
+          <a:xfrm>
+            <a:off x="1223818" y="1277713"/>
+            <a:ext cx="6696364" cy="4302575"/>
+            <a:chOff x="1440872" y="1692679"/>
+            <a:chExt cx="6696364" cy="4302575"/>
+          </a:xfrm>
+        </p:grpSpPr>
+        <p:sp>
+          <p:nvSpPr>
+            <p:cNvPr id="4" name="TextBox 3">
+              <a:extLst>
+                <a:ext uri="{FF2B5EF4-FFF2-40B4-BE49-F238E27FC236}">
+                  <a16:creationId xmlns:a16="http://schemas.microsoft.com/office/drawing/2014/main" id="{FBB97B35-69B3-5C82-CE50-A86599A8282D}"/>
+                </a:ext>
+              </a:extLst>
+            </p:cNvPr>
+            <p:cNvSpPr txBox="1"/>
+            <p:nvPr/>
+          </p:nvSpPr>
+          <p:spPr>
+            <a:xfrm>
+              <a:off x="4026450" y="1692679"/>
+              <a:ext cx="1091100" cy="369332"/>
+            </a:xfrm>
+            <a:prstGeom prst="rect">
+              <a:avLst/>
+            </a:prstGeom>
+            <a:noFill/>
+          </p:spPr>
+          <p:txBody>
+            <a:bodyPr wrap="square" rtlCol="0">
+              <a:spAutoFit/>
+            </a:bodyPr>
+            <a:lstStyle/>
+            <a:p>
+              <a:pPr marL="0" marR="0" lvl="0" indent="0" defTabSz="914400" eaLnBrk="1" fontAlgn="auto" latinLnBrk="0" hangingPunct="1">
+                <a:lnSpc>
+                  <a:spcPct val="100000"/>
+                </a:lnSpc>
+                <a:spcBef>
+                  <a:spcPts val="0"/>
+                </a:spcBef>
+                <a:spcAft>
+                  <a:spcPts val="0"/>
+                </a:spcAft>
+                <a:buClrTx/>
+                <a:buSzTx/>
+                <a:buFontTx/>
+                <a:buNone/>
+                <a:tabLst/>
+                <a:defRPr/>
+              </a:pPr>
+              <a:r>
+                <a:rPr kumimoji="0" lang="el-GR" sz="1800" b="0" i="0" u="none" strike="noStrike" kern="0" cap="none" spc="0" normalizeH="0" baseline="0" noProof="0" dirty="0">
+                  <a:ln>
+                    <a:noFill/>
+                  </a:ln>
+                  <a:solidFill>
+                    <a:sysClr val="windowText" lastClr="000000"/>
+                  </a:solidFill>
+                  <a:effectLst/>
+                  <a:uLnTx/>
+                  <a:uFillTx/>
+                  <a:latin typeface="+mn-lt"/>
+                  <a:ea typeface="Cambria Math" panose="02040503050406030204" pitchFamily="18" charset="0"/>
+                </a:rPr>
+                <a:t>π</a:t>
+              </a:r>
+              <a:r>
+                <a:rPr lang="en-CA" sz="1800" baseline="-25000" dirty="0">
+                  <a:solidFill>
+                    <a:sysClr val="windowText" lastClr="000000"/>
+                  </a:solidFill>
+                  <a:latin typeface="+mn-lt"/>
+                  <a:ea typeface="Cambria Math" panose="02040503050406030204" pitchFamily="18" charset="0"/>
+                </a:rPr>
+                <a:t>P</a:t>
+              </a:r>
+              <a:r>
+                <a:rPr kumimoji="0" lang="en-CA" sz="1800" b="0" i="0" u="none" strike="noStrike" kern="0" cap="none" spc="0" normalizeH="0" baseline="-25000" noProof="0" dirty="0">
+                  <a:ln>
+                    <a:noFill/>
+                  </a:ln>
+                  <a:solidFill>
+                    <a:sysClr val="windowText" lastClr="000000"/>
+                  </a:solidFill>
+                  <a:effectLst/>
+                  <a:uLnTx/>
+                  <a:uFillTx/>
+                  <a:latin typeface="+mn-lt"/>
+                  <a:ea typeface="Cambria Math" panose="02040503050406030204" pitchFamily="18" charset="0"/>
+                </a:rPr>
+                <a:t>.Score</a:t>
+              </a:r>
+              <a:endParaRPr kumimoji="0" lang="en-CA" sz="1800" b="0" i="0" u="none" strike="noStrike" kern="0" cap="none" spc="0" normalizeH="0" baseline="0" noProof="0" dirty="0">
                 <a:ln>
                   <a:noFill/>
                 </a:ln>
@@ -8256,13 +8517,121 @@
                 <a:effectLst/>
                 <a:uLnTx/>
                 <a:uFillTx/>
-                <a:latin typeface="Cambria Math" panose="02040503050406030204" pitchFamily="18" charset="0"/>
-                <a:ea typeface="Cambria Math" panose="02040503050406030204" pitchFamily="18" charset="0"/>
-              </a:rPr>
-              <a:t>⋈</a:t>
-            </a:r>
-            <a:r>
-              <a:rPr kumimoji="0" lang="en-CA" sz="2000" b="0" i="0" u="none" strike="noStrike" kern="0" cap="none" spc="0" normalizeH="0" baseline="-25000" noProof="0" dirty="0" err="1">
+                <a:latin typeface="+mn-lt"/>
+              </a:endParaRPr>
+            </a:p>
+          </p:txBody>
+        </p:sp>
+        <p:sp>
+          <p:nvSpPr>
+            <p:cNvPr id="5" name="TextBox 4">
+              <a:extLst>
+                <a:ext uri="{FF2B5EF4-FFF2-40B4-BE49-F238E27FC236}">
+                  <a16:creationId xmlns:a16="http://schemas.microsoft.com/office/drawing/2014/main" id="{46197E5B-B7FE-243C-F128-42BFB0E03639}"/>
+                </a:ext>
+              </a:extLst>
+            </p:cNvPr>
+            <p:cNvSpPr txBox="1"/>
+            <p:nvPr/>
+          </p:nvSpPr>
+          <p:spPr>
+            <a:xfrm>
+              <a:off x="2276237" y="3424221"/>
+              <a:ext cx="2427447" cy="400110"/>
+            </a:xfrm>
+            <a:prstGeom prst="rect">
+              <a:avLst/>
+            </a:prstGeom>
+            <a:noFill/>
+          </p:spPr>
+          <p:txBody>
+            <a:bodyPr wrap="square" rtlCol="0">
+              <a:spAutoFit/>
+            </a:bodyPr>
+            <a:lstStyle/>
+            <a:p>
+              <a:pPr marL="0" marR="0" lvl="0" indent="0" defTabSz="914400" eaLnBrk="1" fontAlgn="auto" latinLnBrk="0" hangingPunct="1">
+                <a:lnSpc>
+                  <a:spcPct val="100000"/>
+                </a:lnSpc>
+                <a:spcBef>
+                  <a:spcPts val="0"/>
+                </a:spcBef>
+                <a:spcAft>
+                  <a:spcPts val="0"/>
+                </a:spcAft>
+                <a:buClrTx/>
+                <a:buSzTx/>
+                <a:buFontTx/>
+                <a:buNone/>
+                <a:tabLst/>
+                <a:defRPr/>
+              </a:pPr>
+              <a:r>
+                <a:rPr kumimoji="0" lang="en-CA" sz="2000" b="0" i="0" u="none" strike="noStrike" kern="0" cap="none" spc="0" normalizeH="0" baseline="0" noProof="0" dirty="0">
+                  <a:ln>
+                    <a:noFill/>
+                  </a:ln>
+                  <a:solidFill>
+                    <a:sysClr val="windowText" lastClr="000000"/>
+                  </a:solidFill>
+                  <a:effectLst/>
+                  <a:uLnTx/>
+                  <a:uFillTx/>
+                  <a:latin typeface="+mn-lt"/>
+                  <a:ea typeface="Cambria Math" panose="02040503050406030204" pitchFamily="18" charset="0"/>
+                </a:rPr>
+                <a:t>⋈</a:t>
+              </a:r>
+              <a:r>
+                <a:rPr kumimoji="0" lang="en-CA" sz="2000" b="0" i="0" u="none" strike="noStrike" kern="0" cap="none" spc="0" normalizeH="0" baseline="-25000" noProof="0" dirty="0" err="1">
+                  <a:ln>
+                    <a:noFill/>
+                  </a:ln>
+                  <a:solidFill>
+                    <a:sysClr val="windowText" lastClr="000000"/>
+                  </a:solidFill>
+                  <a:effectLst/>
+                  <a:uLnTx/>
+                  <a:uFillTx/>
+                  <a:latin typeface="+mn-lt"/>
+                  <a:ea typeface="Cambria Math" panose="02040503050406030204" pitchFamily="18" charset="0"/>
+                </a:rPr>
+                <a:t>C.TeacherID</a:t>
+              </a:r>
+              <a:r>
+                <a:rPr kumimoji="0" lang="en-CA" sz="2000" b="0" i="0" u="none" strike="noStrike" kern="0" cap="none" spc="0" normalizeH="0" baseline="-25000" noProof="0" dirty="0">
+                  <a:ln>
+                    <a:noFill/>
+                  </a:ln>
+                  <a:solidFill>
+                    <a:sysClr val="windowText" lastClr="000000"/>
+                  </a:solidFill>
+                  <a:effectLst/>
+                  <a:uLnTx/>
+                  <a:uFillTx/>
+                  <a:latin typeface="+mn-lt"/>
+                  <a:ea typeface="Cambria Math" panose="02040503050406030204" pitchFamily="18" charset="0"/>
+                </a:rPr>
+                <a:t> =</a:t>
+              </a:r>
+              <a:r>
+                <a:rPr kumimoji="0" lang="en-CA" sz="2000" b="0" i="0" u="none" strike="noStrike" kern="0" cap="none" spc="0" normalizeH="0" baseline="-25000" noProof="0" dirty="0" err="1">
+                  <a:ln>
+                    <a:noFill/>
+                  </a:ln>
+                  <a:solidFill>
+                    <a:sysClr val="windowText" lastClr="000000"/>
+                  </a:solidFill>
+                  <a:effectLst/>
+                  <a:uLnTx/>
+                  <a:uFillTx/>
+                  <a:latin typeface="+mn-lt"/>
+                  <a:ea typeface="Cambria Math" panose="02040503050406030204" pitchFamily="18" charset="0"/>
+                </a:rPr>
+                <a:t>T.TeacherID</a:t>
+              </a:r>
+              <a:endParaRPr kumimoji="0" lang="en-CA" sz="2000" b="0" i="0" u="none" strike="noStrike" kern="0" cap="none" spc="0" normalizeH="0" baseline="0" noProof="0" dirty="0">
                 <a:ln>
                   <a:noFill/>
                 </a:ln>
@@ -8272,13 +8641,141 @@
                 <a:effectLst/>
                 <a:uLnTx/>
                 <a:uFillTx/>
-                <a:latin typeface="Cambria Math" panose="02040503050406030204" pitchFamily="18" charset="0"/>
-                <a:ea typeface="Cambria Math" panose="02040503050406030204" pitchFamily="18" charset="0"/>
-              </a:rPr>
-              <a:t>A.Attr</a:t>
-            </a:r>
-            <a:r>
-              <a:rPr kumimoji="0" lang="en-CA" sz="2000" b="0" i="0" u="none" strike="noStrike" kern="0" cap="none" spc="0" normalizeH="0" baseline="-25000" noProof="0" dirty="0">
+                <a:latin typeface="+mn-lt"/>
+              </a:endParaRPr>
+            </a:p>
+          </p:txBody>
+        </p:sp>
+        <p:sp>
+          <p:nvSpPr>
+            <p:cNvPr id="6" name="TextBox 5">
+              <a:extLst>
+                <a:ext uri="{FF2B5EF4-FFF2-40B4-BE49-F238E27FC236}">
+                  <a16:creationId xmlns:a16="http://schemas.microsoft.com/office/drawing/2014/main" id="{FB4B714B-2E05-0EB2-C5FA-4E52CFE09978}"/>
+                </a:ext>
+              </a:extLst>
+            </p:cNvPr>
+            <p:cNvSpPr txBox="1"/>
+            <p:nvPr/>
+          </p:nvSpPr>
+          <p:spPr>
+            <a:xfrm>
+              <a:off x="1440872" y="4460018"/>
+              <a:ext cx="2672577" cy="400110"/>
+            </a:xfrm>
+            <a:prstGeom prst="rect">
+              <a:avLst/>
+            </a:prstGeom>
+            <a:noFill/>
+          </p:spPr>
+          <p:txBody>
+            <a:bodyPr wrap="square" rtlCol="0">
+              <a:spAutoFit/>
+            </a:bodyPr>
+            <a:lstStyle/>
+            <a:p>
+              <a:pPr marL="0" marR="0" lvl="0" indent="0" defTabSz="914400" eaLnBrk="1" fontAlgn="auto" latinLnBrk="0" hangingPunct="1">
+                <a:lnSpc>
+                  <a:spcPct val="100000"/>
+                </a:lnSpc>
+                <a:spcBef>
+                  <a:spcPts val="0"/>
+                </a:spcBef>
+                <a:spcAft>
+                  <a:spcPts val="0"/>
+                </a:spcAft>
+                <a:buClrTx/>
+                <a:buSzTx/>
+                <a:buFontTx/>
+                <a:buNone/>
+                <a:tabLst/>
+                <a:defRPr/>
+              </a:pPr>
+              <a:r>
+                <a:rPr kumimoji="0" lang="el-GR" sz="2000" b="0" i="0" u="none" strike="noStrike" kern="0" cap="none" spc="0" normalizeH="0" baseline="0" noProof="0" dirty="0">
+                  <a:ln>
+                    <a:noFill/>
+                  </a:ln>
+                  <a:solidFill>
+                    <a:sysClr val="windowText" lastClr="000000"/>
+                  </a:solidFill>
+                  <a:effectLst/>
+                  <a:uLnTx/>
+                  <a:uFillTx/>
+                  <a:latin typeface="+mn-lt"/>
+                  <a:ea typeface="Cambria Math" panose="02040503050406030204" pitchFamily="18" charset="0"/>
+                </a:rPr>
+                <a:t>σ</a:t>
+              </a:r>
+              <a:r>
+                <a:rPr lang="en-CA" sz="2000" baseline="-25000" dirty="0">
+                  <a:solidFill>
+                    <a:sysClr val="windowText" lastClr="000000"/>
+                  </a:solidFill>
+                  <a:latin typeface="+mn-lt"/>
+                  <a:ea typeface="Cambria Math" panose="02040503050406030204" pitchFamily="18" charset="0"/>
+                </a:rPr>
+                <a:t>T</a:t>
+              </a:r>
+              <a:r>
+                <a:rPr kumimoji="0" lang="en-CA" sz="2000" b="0" i="0" u="none" strike="noStrike" kern="0" cap="none" spc="0" normalizeH="0" baseline="-25000" noProof="0" dirty="0">
+                  <a:ln>
+                    <a:noFill/>
+                  </a:ln>
+                  <a:solidFill>
+                    <a:sysClr val="windowText" lastClr="000000"/>
+                  </a:solidFill>
+                  <a:effectLst/>
+                  <a:uLnTx/>
+                  <a:uFillTx/>
+                  <a:latin typeface="+mn-lt"/>
+                  <a:ea typeface="Cambria Math" panose="02040503050406030204" pitchFamily="18" charset="0"/>
+                </a:rPr>
+                <a:t>.</a:t>
+              </a:r>
+              <a:r>
+                <a:rPr kumimoji="0" lang="en-CA" sz="2000" b="0" i="0" u="none" strike="noStrike" kern="0" cap="none" spc="0" normalizeH="0" baseline="-25000" noProof="0" dirty="0" err="1">
+                  <a:ln>
+                    <a:noFill/>
+                  </a:ln>
+                  <a:solidFill>
+                    <a:sysClr val="windowText" lastClr="000000"/>
+                  </a:solidFill>
+                  <a:effectLst/>
+                  <a:uLnTx/>
+                  <a:uFillTx/>
+                  <a:latin typeface="+mn-lt"/>
+                  <a:ea typeface="Cambria Math" panose="02040503050406030204" pitchFamily="18" charset="0"/>
+                </a:rPr>
+                <a:t>StudioName</a:t>
+              </a:r>
+              <a:r>
+                <a:rPr kumimoji="0" lang="en-CA" sz="2000" b="0" i="0" u="none" strike="noStrike" kern="0" cap="none" spc="0" normalizeH="0" baseline="-25000" noProof="0" dirty="0">
+                  <a:ln>
+                    <a:noFill/>
+                  </a:ln>
+                  <a:solidFill>
+                    <a:sysClr val="windowText" lastClr="000000"/>
+                  </a:solidFill>
+                  <a:effectLst/>
+                  <a:uLnTx/>
+                  <a:uFillTx/>
+                  <a:latin typeface="+mn-lt"/>
+                  <a:ea typeface="Cambria Math" panose="02040503050406030204" pitchFamily="18" charset="0"/>
+                </a:rPr>
+                <a:t> = “</a:t>
+              </a:r>
+              <a:r>
+                <a:rPr lang="en-CA" sz="2000" baseline="-25000" dirty="0">
+                  <a:solidFill>
+                    <a:sysClr val="windowText" lastClr="000000"/>
+                  </a:solidFill>
+                  <a:latin typeface="+mn-lt"/>
+                  <a:ea typeface="Cambria Math" panose="02040503050406030204" pitchFamily="18" charset="0"/>
+                </a:rPr>
+                <a:t>Music Mastery”</a:t>
+              </a:r>
+              <a:endParaRPr kumimoji="0" lang="en-CA" sz="2000" b="0" i="0" u="none" strike="noStrike" kern="0" cap="none" spc="0" normalizeH="0" baseline="0" noProof="0" dirty="0">
                 <a:ln>
                   <a:noFill/>
                 </a:ln>
@@ -8288,104 +8785,669 @@
                 <a:effectLst/>
                 <a:uLnTx/>
                 <a:uFillTx/>
-                <a:latin typeface="Cambria Math" panose="02040503050406030204" pitchFamily="18" charset="0"/>
-                <a:ea typeface="Cambria Math" panose="02040503050406030204" pitchFamily="18" charset="0"/>
-              </a:rPr>
-              <a:t> = </a:t>
-            </a:r>
-            <a:r>
-              <a:rPr kumimoji="0" lang="en-CA" sz="2000" b="0" i="0" u="none" strike="noStrike" kern="0" cap="none" spc="0" normalizeH="0" baseline="-25000" noProof="0" dirty="0" err="1">
+                <a:latin typeface="+mn-lt"/>
+              </a:endParaRPr>
+            </a:p>
+          </p:txBody>
+        </p:sp>
+        <p:cxnSp>
+          <p:nvCxnSpPr>
+            <p:cNvPr id="7" name="Straight Connector 6">
+              <a:extLst>
+                <a:ext uri="{FF2B5EF4-FFF2-40B4-BE49-F238E27FC236}">
+                  <a16:creationId xmlns:a16="http://schemas.microsoft.com/office/drawing/2014/main" id="{BF10D77E-849A-45B3-56A9-4B3C74C04965}"/>
+                </a:ext>
+              </a:extLst>
+            </p:cNvPr>
+            <p:cNvCxnSpPr>
+              <a:cxnSpLocks/>
+            </p:cNvCxnSpPr>
+            <p:nvPr/>
+          </p:nvCxnSpPr>
+          <p:spPr>
+            <a:xfrm>
+              <a:off x="4441635" y="2168749"/>
+              <a:ext cx="0" cy="484475"/>
+            </a:xfrm>
+            <a:prstGeom prst="line">
+              <a:avLst/>
+            </a:prstGeom>
+            <a:noFill/>
+            <a:ln w="19050" cap="flat" cmpd="sng" algn="ctr">
+              <a:solidFill>
+                <a:sysClr val="windowText" lastClr="000000"/>
+              </a:solidFill>
+              <a:prstDash val="solid"/>
+              <a:miter lim="800000"/>
+            </a:ln>
+            <a:effectLst/>
+          </p:spPr>
+        </p:cxnSp>
+        <p:cxnSp>
+          <p:nvCxnSpPr>
+            <p:cNvPr id="8" name="Straight Connector 7">
+              <a:extLst>
+                <a:ext uri="{FF2B5EF4-FFF2-40B4-BE49-F238E27FC236}">
+                  <a16:creationId xmlns:a16="http://schemas.microsoft.com/office/drawing/2014/main" id="{D07BA260-9599-DB8E-CE6C-2DBD5F1183DC}"/>
+                </a:ext>
+              </a:extLst>
+            </p:cNvPr>
+            <p:cNvCxnSpPr>
+              <a:cxnSpLocks/>
+            </p:cNvCxnSpPr>
+            <p:nvPr/>
+          </p:nvCxnSpPr>
+          <p:spPr>
+            <a:xfrm>
+              <a:off x="3607069" y="3919657"/>
+              <a:ext cx="611887" cy="646137"/>
+            </a:xfrm>
+            <a:prstGeom prst="line">
+              <a:avLst/>
+            </a:prstGeom>
+            <a:noFill/>
+            <a:ln w="19050" cap="flat" cmpd="sng" algn="ctr">
+              <a:solidFill>
+                <a:sysClr val="windowText" lastClr="000000"/>
+              </a:solidFill>
+              <a:prstDash val="solid"/>
+              <a:miter lim="800000"/>
+            </a:ln>
+            <a:effectLst/>
+          </p:spPr>
+        </p:cxnSp>
+        <p:cxnSp>
+          <p:nvCxnSpPr>
+            <p:cNvPr id="9" name="Straight Connector 8">
+              <a:extLst>
+                <a:ext uri="{FF2B5EF4-FFF2-40B4-BE49-F238E27FC236}">
+                  <a16:creationId xmlns:a16="http://schemas.microsoft.com/office/drawing/2014/main" id="{C5BD7C1A-4A8C-0EF4-490B-2BC3E71060FD}"/>
+                </a:ext>
+              </a:extLst>
+            </p:cNvPr>
+            <p:cNvCxnSpPr>
+              <a:cxnSpLocks/>
+            </p:cNvCxnSpPr>
+            <p:nvPr/>
+          </p:nvCxnSpPr>
+          <p:spPr>
+            <a:xfrm flipH="1">
+              <a:off x="2806712" y="3927725"/>
+              <a:ext cx="611887" cy="646137"/>
+            </a:xfrm>
+            <a:prstGeom prst="line">
+              <a:avLst/>
+            </a:prstGeom>
+            <a:noFill/>
+            <a:ln w="19050" cap="flat" cmpd="sng" algn="ctr">
+              <a:solidFill>
+                <a:sysClr val="windowText" lastClr="000000"/>
+              </a:solidFill>
+              <a:prstDash val="solid"/>
+              <a:miter lim="800000"/>
+            </a:ln>
+            <a:effectLst/>
+          </p:spPr>
+        </p:cxnSp>
+        <p:cxnSp>
+          <p:nvCxnSpPr>
+            <p:cNvPr id="10" name="Straight Connector 9">
+              <a:extLst>
+                <a:ext uri="{FF2B5EF4-FFF2-40B4-BE49-F238E27FC236}">
+                  <a16:creationId xmlns:a16="http://schemas.microsoft.com/office/drawing/2014/main" id="{43840477-7A39-9581-AD5B-3B1CEC5F6469}"/>
+                </a:ext>
+              </a:extLst>
+            </p:cNvPr>
+            <p:cNvCxnSpPr>
+              <a:cxnSpLocks/>
+            </p:cNvCxnSpPr>
+            <p:nvPr/>
+          </p:nvCxnSpPr>
+          <p:spPr>
+            <a:xfrm>
+              <a:off x="2719479" y="4933030"/>
+              <a:ext cx="0" cy="606768"/>
+            </a:xfrm>
+            <a:prstGeom prst="line">
+              <a:avLst/>
+            </a:prstGeom>
+            <a:noFill/>
+            <a:ln w="19050" cap="flat" cmpd="sng" algn="ctr">
+              <a:solidFill>
+                <a:sysClr val="windowText" lastClr="000000"/>
+              </a:solidFill>
+              <a:prstDash val="solid"/>
+              <a:miter lim="800000"/>
+            </a:ln>
+            <a:effectLst/>
+          </p:spPr>
+        </p:cxnSp>
+        <p:sp>
+          <p:nvSpPr>
+            <p:cNvPr id="11" name="Oval 10">
+              <a:extLst>
+                <a:ext uri="{FF2B5EF4-FFF2-40B4-BE49-F238E27FC236}">
+                  <a16:creationId xmlns:a16="http://schemas.microsoft.com/office/drawing/2014/main" id="{51D070CD-6EF7-DF2C-84F6-F44B1CC19D6D}"/>
+                </a:ext>
+              </a:extLst>
+            </p:cNvPr>
+            <p:cNvSpPr/>
+            <p:nvPr/>
+          </p:nvSpPr>
+          <p:spPr>
+            <a:xfrm>
+              <a:off x="4235684" y="4447867"/>
+              <a:ext cx="468000" cy="466344"/>
+            </a:xfrm>
+            <a:prstGeom prst="ellipse">
+              <a:avLst/>
+            </a:prstGeom>
+            <a:solidFill>
+              <a:sysClr val="window" lastClr="FFFFFF"/>
+            </a:solidFill>
+            <a:ln w="12700" cap="flat" cmpd="sng" algn="ctr">
+              <a:solidFill>
+                <a:sysClr val="windowText" lastClr="000000"/>
+              </a:solidFill>
+              <a:prstDash val="solid"/>
+              <a:miter lim="800000"/>
+            </a:ln>
+            <a:effectLst/>
+          </p:spPr>
+          <p:txBody>
+            <a:bodyPr rtlCol="0" anchor="ctr"/>
+            <a:lstStyle/>
+            <a:p>
+              <a:pPr marL="0" marR="0" lvl="0" indent="0" algn="ctr" defTabSz="914400" eaLnBrk="1" fontAlgn="auto" latinLnBrk="0" hangingPunct="1">
+                <a:lnSpc>
+                  <a:spcPct val="100000"/>
+                </a:lnSpc>
+                <a:spcBef>
+                  <a:spcPts val="0"/>
+                </a:spcBef>
+                <a:spcAft>
+                  <a:spcPts val="0"/>
+                </a:spcAft>
+                <a:buClrTx/>
+                <a:buSzTx/>
+                <a:buFontTx/>
+                <a:buNone/>
+                <a:tabLst/>
+                <a:defRPr/>
+              </a:pPr>
+              <a:r>
+                <a:rPr lang="en-US" sz="2400" dirty="0">
+                  <a:solidFill>
+                    <a:prstClr val="black"/>
+                  </a:solidFill>
+                  <a:latin typeface="+mn-lt"/>
+                  <a:ea typeface="+mn-ea"/>
+                  <a:cs typeface="+mn-cs"/>
+                </a:rPr>
+                <a:t>C</a:t>
+              </a:r>
+              <a:endParaRPr kumimoji="0" lang="en-CA" sz="1800" b="0" i="0" u="none" strike="noStrike" kern="0" cap="none" spc="0" normalizeH="0" baseline="0" noProof="0" dirty="0">
                 <a:ln>
                   <a:noFill/>
                 </a:ln>
                 <a:solidFill>
-                  <a:sysClr val="windowText" lastClr="000000"/>
+                  <a:prstClr val="black"/>
                 </a:solidFill>
                 <a:effectLst/>
                 <a:uLnTx/>
                 <a:uFillTx/>
-                <a:latin typeface="Cambria Math" panose="02040503050406030204" pitchFamily="18" charset="0"/>
-                <a:ea typeface="Cambria Math" panose="02040503050406030204" pitchFamily="18" charset="0"/>
-              </a:rPr>
-              <a:t>B.Attr</a:t>
-            </a:r>
-            <a:endParaRPr kumimoji="0" lang="en-CA" sz="2000" b="0" i="0" u="none" strike="noStrike" kern="0" cap="none" spc="0" normalizeH="0" baseline="0" noProof="0" dirty="0">
-              <a:ln>
-                <a:noFill/>
-              </a:ln>
+                <a:latin typeface="+mn-lt"/>
+                <a:ea typeface="+mn-ea"/>
+                <a:cs typeface="+mn-cs"/>
+              </a:endParaRPr>
+            </a:p>
+          </p:txBody>
+        </p:sp>
+        <p:sp>
+          <p:nvSpPr>
+            <p:cNvPr id="12" name="Oval 11">
+              <a:extLst>
+                <a:ext uri="{FF2B5EF4-FFF2-40B4-BE49-F238E27FC236}">
+                  <a16:creationId xmlns:a16="http://schemas.microsoft.com/office/drawing/2014/main" id="{336CCC37-94B5-7D72-33CD-17497880B6D9}"/>
+                </a:ext>
+              </a:extLst>
+            </p:cNvPr>
+            <p:cNvSpPr/>
+            <p:nvPr/>
+          </p:nvSpPr>
+          <p:spPr>
+            <a:xfrm>
+              <a:off x="2482580" y="5528910"/>
+              <a:ext cx="468000" cy="466344"/>
+            </a:xfrm>
+            <a:prstGeom prst="ellipse">
+              <a:avLst/>
+            </a:prstGeom>
+            <a:solidFill>
+              <a:sysClr val="window" lastClr="FFFFFF"/>
+            </a:solidFill>
+            <a:ln w="12700" cap="flat" cmpd="sng" algn="ctr">
               <a:solidFill>
                 <a:sysClr val="windowText" lastClr="000000"/>
               </a:solidFill>
-              <a:effectLst/>
-              <a:uLnTx/>
-              <a:uFillTx/>
-            </a:endParaRPr>
-          </a:p>
-        </p:txBody>
-      </p:sp>
-      <p:sp>
-        <p:nvSpPr>
-          <p:cNvPr id="4" name="TextBox 3">
-            <a:extLst>
-              <a:ext uri="{FF2B5EF4-FFF2-40B4-BE49-F238E27FC236}">
-                <a16:creationId xmlns:a16="http://schemas.microsoft.com/office/drawing/2014/main" id="{366991A8-355E-8B8B-C69C-B4588E7F479A}"/>
-              </a:ext>
-            </a:extLst>
-          </p:cNvPr>
-          <p:cNvSpPr txBox="1"/>
-          <p:nvPr/>
-        </p:nvSpPr>
-        <p:spPr>
-          <a:xfrm>
-            <a:off x="2224354" y="4829350"/>
-            <a:ext cx="2961967" cy="400110"/>
-          </a:xfrm>
-          <a:prstGeom prst="rect">
-            <a:avLst/>
-          </a:prstGeom>
-          <a:noFill/>
-        </p:spPr>
-        <p:txBody>
-          <a:bodyPr wrap="square" rtlCol="0">
-            <a:spAutoFit/>
-          </a:bodyPr>
-          <a:lstStyle/>
-          <a:p>
-            <a:pPr marL="0" marR="0" lvl="0" indent="0" defTabSz="914400" eaLnBrk="1" fontAlgn="auto" latinLnBrk="0" hangingPunct="1">
-              <a:lnSpc>
-                <a:spcPct val="100000"/>
-              </a:lnSpc>
-              <a:spcBef>
-                <a:spcPts val="0"/>
-              </a:spcBef>
-              <a:spcAft>
-                <a:spcPts val="0"/>
-              </a:spcAft>
-              <a:buClrTx/>
-              <a:buSzTx/>
-              <a:buFontTx/>
-              <a:buNone/>
-              <a:tabLst/>
-              <a:defRPr/>
-            </a:pPr>
-            <a:r>
-              <a:rPr kumimoji="0" lang="el-GR" sz="2000" b="0" i="0" u="none" strike="noStrike" kern="0" cap="none" spc="0" normalizeH="0" baseline="0" noProof="0" dirty="0">
+              <a:prstDash val="solid"/>
+              <a:miter lim="800000"/>
+            </a:ln>
+            <a:effectLst/>
+          </p:spPr>
+          <p:txBody>
+            <a:bodyPr rtlCol="0" anchor="ctr"/>
+            <a:lstStyle/>
+            <a:p>
+              <a:pPr marL="0" marR="0" lvl="0" indent="0" algn="ctr" defTabSz="914400" eaLnBrk="1" fontAlgn="auto" latinLnBrk="0" hangingPunct="1">
+                <a:lnSpc>
+                  <a:spcPct val="100000"/>
+                </a:lnSpc>
+                <a:spcBef>
+                  <a:spcPts val="0"/>
+                </a:spcBef>
+                <a:spcAft>
+                  <a:spcPts val="0"/>
+                </a:spcAft>
+                <a:buClrTx/>
+                <a:buSzTx/>
+                <a:buFontTx/>
+                <a:buNone/>
+                <a:tabLst/>
+                <a:defRPr/>
+              </a:pPr>
+              <a:r>
+                <a:rPr kumimoji="0" lang="en-CA" sz="2400" b="0" i="0" u="none" strike="noStrike" kern="0" cap="none" spc="0" normalizeH="0" baseline="0" noProof="0" dirty="0">
+                  <a:ln>
+                    <a:noFill/>
+                  </a:ln>
+                  <a:solidFill>
+                    <a:prstClr val="black"/>
+                  </a:solidFill>
+                  <a:effectLst/>
+                  <a:uLnTx/>
+                  <a:uFillTx/>
+                  <a:latin typeface="+mn-lt"/>
+                  <a:ea typeface="+mn-ea"/>
+                  <a:cs typeface="+mn-cs"/>
+                </a:rPr>
+                <a:t>T</a:t>
+              </a:r>
+              <a:endParaRPr kumimoji="0" lang="en-CA" sz="1800" b="0" i="0" u="none" strike="noStrike" kern="0" cap="none" spc="0" normalizeH="0" baseline="0" noProof="0" dirty="0">
                 <a:ln>
                   <a:noFill/>
                 </a:ln>
                 <a:solidFill>
-                  <a:sysClr val="windowText" lastClr="000000"/>
+                  <a:prstClr val="black"/>
                 </a:solidFill>
                 <a:effectLst/>
                 <a:uLnTx/>
                 <a:uFillTx/>
-                <a:latin typeface="Cambria Math" panose="02040503050406030204" pitchFamily="18" charset="0"/>
-                <a:ea typeface="Cambria Math" panose="02040503050406030204" pitchFamily="18" charset="0"/>
-              </a:rPr>
-              <a:t>σ</a:t>
-            </a:r>
-            <a:r>
-              <a:rPr kumimoji="0" lang="en-CA" sz="2000" b="0" i="0" u="none" strike="noStrike" kern="0" cap="none" spc="0" normalizeH="0" baseline="-25000" noProof="0" dirty="0" err="1">
+                <a:latin typeface="+mn-lt"/>
+                <a:ea typeface="+mn-ea"/>
+                <a:cs typeface="+mn-cs"/>
+              </a:endParaRPr>
+            </a:p>
+          </p:txBody>
+        </p:sp>
+        <p:sp>
+          <p:nvSpPr>
+            <p:cNvPr id="13" name="Rectangle 12">
+              <a:extLst>
+                <a:ext uri="{FF2B5EF4-FFF2-40B4-BE49-F238E27FC236}">
+                  <a16:creationId xmlns:a16="http://schemas.microsoft.com/office/drawing/2014/main" id="{B3BC9870-53EE-C9CA-1DC1-7E19BF14991E}"/>
+                </a:ext>
+              </a:extLst>
+            </p:cNvPr>
+            <p:cNvSpPr/>
+            <p:nvPr/>
+          </p:nvSpPr>
+          <p:spPr>
+            <a:xfrm>
+              <a:off x="3233181" y="5521337"/>
+              <a:ext cx="1867640" cy="467559"/>
+            </a:xfrm>
+            <a:prstGeom prst="rect">
+              <a:avLst/>
+            </a:prstGeom>
+            <a:solidFill>
+              <a:sysClr val="window" lastClr="FFFFFF"/>
+            </a:solidFill>
+            <a:ln w="12700" cap="flat" cmpd="sng" algn="ctr">
+              <a:solidFill>
+                <a:sysClr val="windowText" lastClr="000000"/>
+              </a:solidFill>
+              <a:prstDash val="solid"/>
+              <a:miter lim="800000"/>
+            </a:ln>
+            <a:effectLst/>
+          </p:spPr>
+          <p:txBody>
+            <a:bodyPr rtlCol="0" anchor="ctr"/>
+            <a:lstStyle/>
+            <a:p>
+              <a:pPr marL="0" marR="0" lvl="0" indent="0" algn="ctr" defTabSz="914400" eaLnBrk="1" fontAlgn="auto" latinLnBrk="0" hangingPunct="1">
+                <a:lnSpc>
+                  <a:spcPct val="100000"/>
+                </a:lnSpc>
+                <a:spcBef>
+                  <a:spcPts val="0"/>
+                </a:spcBef>
+                <a:spcAft>
+                  <a:spcPts val="0"/>
+                </a:spcAft>
+                <a:buClrTx/>
+                <a:buSzTx/>
+                <a:buFontTx/>
+                <a:buNone/>
+                <a:tabLst/>
+                <a:defRPr/>
+              </a:pPr>
+              <a:r>
+                <a:rPr kumimoji="0" lang="en-CA" sz="1600" b="0" i="0" u="none" strike="noStrike" kern="0" cap="none" spc="0" normalizeH="0" baseline="0" noProof="0" dirty="0">
+                  <a:ln>
+                    <a:noFill/>
+                  </a:ln>
+                  <a:solidFill>
+                    <a:prstClr val="black"/>
+                  </a:solidFill>
+                  <a:effectLst/>
+                  <a:uLnTx/>
+                  <a:uFillTx/>
+                  <a:latin typeface="+mn-lt"/>
+                  <a:ea typeface="+mn-ea"/>
+                  <a:cs typeface="+mn-cs"/>
+                </a:rPr>
+                <a:t>TEACHER</a:t>
+              </a:r>
+            </a:p>
+          </p:txBody>
+        </p:sp>
+        <p:sp>
+          <p:nvSpPr>
+            <p:cNvPr id="14" name="Rectangle 13">
+              <a:extLst>
+                <a:ext uri="{FF2B5EF4-FFF2-40B4-BE49-F238E27FC236}">
+                  <a16:creationId xmlns:a16="http://schemas.microsoft.com/office/drawing/2014/main" id="{9643B638-716B-88A0-EC8D-32C51083759D}"/>
+                </a:ext>
+              </a:extLst>
+            </p:cNvPr>
+            <p:cNvSpPr/>
+            <p:nvPr/>
+          </p:nvSpPr>
+          <p:spPr>
+            <a:xfrm>
+              <a:off x="5015276" y="4482822"/>
+              <a:ext cx="3121960" cy="450208"/>
+            </a:xfrm>
+            <a:prstGeom prst="rect">
+              <a:avLst/>
+            </a:prstGeom>
+            <a:solidFill>
+              <a:sysClr val="window" lastClr="FFFFFF"/>
+            </a:solidFill>
+            <a:ln w="12700" cap="flat" cmpd="sng" algn="ctr">
+              <a:solidFill>
+                <a:sysClr val="windowText" lastClr="000000"/>
+              </a:solidFill>
+              <a:prstDash val="solid"/>
+              <a:miter lim="800000"/>
+            </a:ln>
+            <a:effectLst/>
+          </p:spPr>
+          <p:txBody>
+            <a:bodyPr rtlCol="0" anchor="ctr"/>
+            <a:lstStyle/>
+            <a:p>
+              <a:pPr marL="0" marR="0" lvl="0" indent="0" algn="ctr" defTabSz="914400" eaLnBrk="1" fontAlgn="auto" latinLnBrk="0" hangingPunct="1">
+                <a:lnSpc>
+                  <a:spcPct val="100000"/>
+                </a:lnSpc>
+                <a:spcBef>
+                  <a:spcPts val="0"/>
+                </a:spcBef>
+                <a:spcAft>
+                  <a:spcPts val="0"/>
+                </a:spcAft>
+                <a:buClrTx/>
+                <a:buSzTx/>
+                <a:buFontTx/>
+                <a:buNone/>
+                <a:tabLst/>
+                <a:defRPr/>
+              </a:pPr>
+              <a:r>
+                <a:rPr kumimoji="0" lang="en-CA" sz="1600" b="0" i="0" u="none" strike="noStrike" kern="0" cap="none" spc="0" normalizeH="0" baseline="0" noProof="0" dirty="0">
+                  <a:ln>
+                    <a:noFill/>
+                  </a:ln>
+                  <a:solidFill>
+                    <a:prstClr val="black"/>
+                  </a:solidFill>
+                  <a:effectLst/>
+                  <a:uLnTx/>
+                  <a:uFillTx/>
+                  <a:latin typeface="+mn-lt"/>
+                  <a:ea typeface="+mn-ea"/>
+                  <a:cs typeface="+mn-cs"/>
+                </a:rPr>
+                <a:t>COMPETITOR_TEACHER</a:t>
+              </a:r>
+            </a:p>
+          </p:txBody>
+        </p:sp>
+        <p:cxnSp>
+          <p:nvCxnSpPr>
+            <p:cNvPr id="15" name="Straight Connector 14">
+              <a:extLst>
+                <a:ext uri="{FF2B5EF4-FFF2-40B4-BE49-F238E27FC236}">
+                  <a16:creationId xmlns:a16="http://schemas.microsoft.com/office/drawing/2014/main" id="{C0032870-FCA9-0285-0A66-B79AE6938C67}"/>
+                </a:ext>
+              </a:extLst>
+            </p:cNvPr>
+            <p:cNvCxnSpPr>
+              <a:cxnSpLocks/>
+            </p:cNvCxnSpPr>
+            <p:nvPr/>
+          </p:nvCxnSpPr>
+          <p:spPr>
+            <a:xfrm flipV="1">
+              <a:off x="2969113" y="5742359"/>
+              <a:ext cx="264068" cy="1"/>
+            </a:xfrm>
+            <a:prstGeom prst="line">
+              <a:avLst/>
+            </a:prstGeom>
+            <a:noFill/>
+            <a:ln w="19050" cap="flat" cmpd="sng" algn="ctr">
+              <a:solidFill>
+                <a:sysClr val="windowText" lastClr="000000"/>
+              </a:solidFill>
+              <a:prstDash val="solid"/>
+              <a:miter lim="800000"/>
+            </a:ln>
+            <a:effectLst/>
+          </p:spPr>
+        </p:cxnSp>
+        <p:cxnSp>
+          <p:nvCxnSpPr>
+            <p:cNvPr id="16" name="Straight Connector 15">
+              <a:extLst>
+                <a:ext uri="{FF2B5EF4-FFF2-40B4-BE49-F238E27FC236}">
+                  <a16:creationId xmlns:a16="http://schemas.microsoft.com/office/drawing/2014/main" id="{8E82B502-6FF1-0A45-0D9E-D3D20F793AE8}"/>
+                </a:ext>
+              </a:extLst>
+            </p:cNvPr>
+            <p:cNvCxnSpPr>
+              <a:cxnSpLocks/>
+            </p:cNvCxnSpPr>
+            <p:nvPr/>
+          </p:nvCxnSpPr>
+          <p:spPr>
+            <a:xfrm flipV="1">
+              <a:off x="4730842" y="4690711"/>
+              <a:ext cx="264068" cy="1"/>
+            </a:xfrm>
+            <a:prstGeom prst="line">
+              <a:avLst/>
+            </a:prstGeom>
+            <a:noFill/>
+            <a:ln w="19050" cap="flat" cmpd="sng" algn="ctr">
+              <a:solidFill>
+                <a:sysClr val="windowText" lastClr="000000"/>
+              </a:solidFill>
+              <a:prstDash val="solid"/>
+              <a:miter lim="800000"/>
+            </a:ln>
+            <a:effectLst/>
+          </p:spPr>
+        </p:cxnSp>
+        <p:sp>
+          <p:nvSpPr>
+            <p:cNvPr id="17" name="TextBox 16">
+              <a:extLst>
+                <a:ext uri="{FF2B5EF4-FFF2-40B4-BE49-F238E27FC236}">
+                  <a16:creationId xmlns:a16="http://schemas.microsoft.com/office/drawing/2014/main" id="{BA8BEB43-03B5-4104-9BC8-06CCB04DE8B7}"/>
+                </a:ext>
+              </a:extLst>
+            </p:cNvPr>
+            <p:cNvSpPr txBox="1"/>
+            <p:nvPr/>
+          </p:nvSpPr>
+          <p:spPr>
+            <a:xfrm>
+              <a:off x="3336336" y="2494897"/>
+              <a:ext cx="3211544" cy="400110"/>
+            </a:xfrm>
+            <a:prstGeom prst="rect">
+              <a:avLst/>
+            </a:prstGeom>
+            <a:noFill/>
+          </p:spPr>
+          <p:txBody>
+            <a:bodyPr wrap="square" rtlCol="0">
+              <a:spAutoFit/>
+            </a:bodyPr>
+            <a:lstStyle/>
+            <a:p>
+              <a:pPr marL="0" marR="0" lvl="0" indent="0" defTabSz="914400" eaLnBrk="1" fontAlgn="auto" latinLnBrk="0" hangingPunct="1">
+                <a:lnSpc>
+                  <a:spcPct val="100000"/>
+                </a:lnSpc>
+                <a:spcBef>
+                  <a:spcPts val="0"/>
+                </a:spcBef>
+                <a:spcAft>
+                  <a:spcPts val="0"/>
+                </a:spcAft>
+                <a:buClrTx/>
+                <a:buSzTx/>
+                <a:buFontTx/>
+                <a:buNone/>
+                <a:tabLst/>
+                <a:defRPr/>
+              </a:pPr>
+              <a:r>
+                <a:rPr kumimoji="0" lang="en-CA" sz="2000" b="0" i="0" u="none" strike="noStrike" kern="0" cap="none" spc="0" normalizeH="0" baseline="0" noProof="0" dirty="0">
+                  <a:ln>
+                    <a:noFill/>
+                  </a:ln>
+                  <a:solidFill>
+                    <a:sysClr val="windowText" lastClr="000000"/>
+                  </a:solidFill>
+                  <a:effectLst/>
+                  <a:uLnTx/>
+                  <a:uFillTx/>
+                  <a:latin typeface="+mn-lt"/>
+                  <a:ea typeface="Cambria Math" panose="02040503050406030204" pitchFamily="18" charset="0"/>
+                </a:rPr>
+                <a:t>⋈</a:t>
+              </a:r>
+              <a:r>
+                <a:rPr kumimoji="0" lang="en-CA" sz="2000" b="0" i="0" u="none" strike="noStrike" kern="0" cap="none" spc="0" normalizeH="0" baseline="-25000" noProof="0" dirty="0">
+                  <a:ln>
+                    <a:noFill/>
+                  </a:ln>
+                  <a:solidFill>
+                    <a:sysClr val="windowText" lastClr="000000"/>
+                  </a:solidFill>
+                  <a:effectLst/>
+                  <a:uLnTx/>
+                  <a:uFillTx/>
+                  <a:latin typeface="+mn-lt"/>
+                  <a:ea typeface="Cambria Math" panose="02040503050406030204" pitchFamily="18" charset="0"/>
+                </a:rPr>
+                <a:t>C.</a:t>
+              </a:r>
+              <a:r>
+                <a:rPr lang="en-CA" sz="2000" baseline="-25000" dirty="0" err="1">
+                  <a:solidFill>
+                    <a:sysClr val="windowText" lastClr="000000"/>
+                  </a:solidFill>
+                  <a:latin typeface="+mn-lt"/>
+                  <a:ea typeface="Cambria Math" panose="02040503050406030204" pitchFamily="18" charset="0"/>
+                </a:rPr>
+                <a:t>CompetitorID</a:t>
+              </a:r>
+              <a:r>
+                <a:rPr kumimoji="0" lang="en-CA" sz="2000" b="0" i="0" u="none" strike="noStrike" kern="0" cap="none" spc="0" normalizeH="0" baseline="-25000" noProof="0" dirty="0">
+                  <a:ln>
+                    <a:noFill/>
+                  </a:ln>
+                  <a:solidFill>
+                    <a:sysClr val="windowText" lastClr="000000"/>
+                  </a:solidFill>
+                  <a:effectLst/>
+                  <a:uLnTx/>
+                  <a:uFillTx/>
+                  <a:latin typeface="+mn-lt"/>
+                  <a:ea typeface="Cambria Math" panose="02040503050406030204" pitchFamily="18" charset="0"/>
+                </a:rPr>
+                <a:t> = </a:t>
+              </a:r>
+              <a:r>
+                <a:rPr lang="en-CA" sz="2000" baseline="-25000" dirty="0">
+                  <a:solidFill>
+                    <a:sysClr val="windowText" lastClr="000000"/>
+                  </a:solidFill>
+                  <a:latin typeface="+mn-lt"/>
+                  <a:ea typeface="Cambria Math" panose="02040503050406030204" pitchFamily="18" charset="0"/>
+                </a:rPr>
+                <a:t>P</a:t>
+              </a:r>
+              <a:r>
+                <a:rPr kumimoji="0" lang="en-CA" sz="2000" b="0" i="0" u="none" strike="noStrike" kern="0" cap="none" spc="0" normalizeH="0" baseline="-25000" noProof="0" dirty="0">
+                  <a:ln>
+                    <a:noFill/>
+                  </a:ln>
+                  <a:solidFill>
+                    <a:sysClr val="windowText" lastClr="000000"/>
+                  </a:solidFill>
+                  <a:effectLst/>
+                  <a:uLnTx/>
+                  <a:uFillTx/>
+                  <a:latin typeface="+mn-lt"/>
+                  <a:ea typeface="Cambria Math" panose="02040503050406030204" pitchFamily="18" charset="0"/>
+                </a:rPr>
+                <a:t>.</a:t>
+              </a:r>
+              <a:r>
+                <a:rPr kumimoji="0" lang="en-CA" sz="2000" b="0" i="0" u="none" strike="noStrike" kern="0" cap="none" spc="0" normalizeH="0" baseline="-25000" noProof="0" dirty="0" err="1">
+                  <a:ln>
+                    <a:noFill/>
+                  </a:ln>
+                  <a:solidFill>
+                    <a:sysClr val="windowText" lastClr="000000"/>
+                  </a:solidFill>
+                  <a:effectLst/>
+                  <a:uLnTx/>
+                  <a:uFillTx/>
+                  <a:latin typeface="+mn-lt"/>
+                  <a:ea typeface="Cambria Math" panose="02040503050406030204" pitchFamily="18" charset="0"/>
+                </a:rPr>
+                <a:t>CompetitorID</a:t>
+              </a:r>
+              <a:endParaRPr kumimoji="0" lang="en-CA" sz="2000" b="0" i="0" u="none" strike="noStrike" kern="0" cap="none" spc="0" normalizeH="0" baseline="0" noProof="0" dirty="0">
                 <a:ln>
                   <a:noFill/>
                 </a:ln>
@@ -8395,1516 +9457,503 @@
                 <a:effectLst/>
                 <a:uLnTx/>
                 <a:uFillTx/>
-                <a:latin typeface="Cambria Math" panose="02040503050406030204" pitchFamily="18" charset="0"/>
-                <a:ea typeface="Cambria Math" panose="02040503050406030204" pitchFamily="18" charset="0"/>
-              </a:rPr>
-              <a:t>A.Attr</a:t>
-            </a:r>
-            <a:r>
-              <a:rPr kumimoji="0" lang="en-CA" sz="2000" b="0" i="0" u="none" strike="noStrike" kern="0" cap="none" spc="0" normalizeH="0" baseline="-25000" noProof="0" dirty="0">
+                <a:latin typeface="+mn-lt"/>
+              </a:endParaRPr>
+            </a:p>
+          </p:txBody>
+        </p:sp>
+        <p:cxnSp>
+          <p:nvCxnSpPr>
+            <p:cNvPr id="18" name="Straight Connector 17">
+              <a:extLst>
+                <a:ext uri="{FF2B5EF4-FFF2-40B4-BE49-F238E27FC236}">
+                  <a16:creationId xmlns:a16="http://schemas.microsoft.com/office/drawing/2014/main" id="{8D99C81D-192B-38C3-D99D-68D75155E605}"/>
+                </a:ext>
+              </a:extLst>
+            </p:cNvPr>
+            <p:cNvCxnSpPr>
+              <a:cxnSpLocks/>
+            </p:cNvCxnSpPr>
+            <p:nvPr/>
+          </p:nvCxnSpPr>
+          <p:spPr>
+            <a:xfrm>
+              <a:off x="4488935" y="2970071"/>
+              <a:ext cx="611887" cy="646137"/>
+            </a:xfrm>
+            <a:prstGeom prst="line">
+              <a:avLst/>
+            </a:prstGeom>
+            <a:noFill/>
+            <a:ln w="19050" cap="flat" cmpd="sng" algn="ctr">
+              <a:solidFill>
+                <a:sysClr val="windowText" lastClr="000000"/>
+              </a:solidFill>
+              <a:prstDash val="solid"/>
+              <a:miter lim="800000"/>
+            </a:ln>
+            <a:effectLst/>
+          </p:spPr>
+        </p:cxnSp>
+        <p:cxnSp>
+          <p:nvCxnSpPr>
+            <p:cNvPr id="19" name="Straight Connector 18">
+              <a:extLst>
+                <a:ext uri="{FF2B5EF4-FFF2-40B4-BE49-F238E27FC236}">
+                  <a16:creationId xmlns:a16="http://schemas.microsoft.com/office/drawing/2014/main" id="{A6D8074E-9316-4EA8-643C-8D2496D1B290}"/>
+                </a:ext>
+              </a:extLst>
+            </p:cNvPr>
+            <p:cNvCxnSpPr>
+              <a:cxnSpLocks/>
+            </p:cNvCxnSpPr>
+            <p:nvPr/>
+          </p:nvCxnSpPr>
+          <p:spPr>
+            <a:xfrm flipH="1">
+              <a:off x="3688578" y="2978139"/>
+              <a:ext cx="611887" cy="646137"/>
+            </a:xfrm>
+            <a:prstGeom prst="line">
+              <a:avLst/>
+            </a:prstGeom>
+            <a:noFill/>
+            <a:ln w="19050" cap="flat" cmpd="sng" algn="ctr">
+              <a:solidFill>
+                <a:sysClr val="windowText" lastClr="000000"/>
+              </a:solidFill>
+              <a:prstDash val="solid"/>
+              <a:miter lim="800000"/>
+            </a:ln>
+            <a:effectLst/>
+          </p:spPr>
+        </p:cxnSp>
+        <p:sp>
+          <p:nvSpPr>
+            <p:cNvPr id="20" name="Oval 19">
+              <a:extLst>
+                <a:ext uri="{FF2B5EF4-FFF2-40B4-BE49-F238E27FC236}">
+                  <a16:creationId xmlns:a16="http://schemas.microsoft.com/office/drawing/2014/main" id="{52C43FD2-8ABB-D508-EFA6-7EEB7B2E2930}"/>
+                </a:ext>
+              </a:extLst>
+            </p:cNvPr>
+            <p:cNvSpPr/>
+            <p:nvPr/>
+          </p:nvSpPr>
+          <p:spPr>
+            <a:xfrm>
+              <a:off x="5117550" y="3498281"/>
+              <a:ext cx="468000" cy="466344"/>
+            </a:xfrm>
+            <a:prstGeom prst="ellipse">
+              <a:avLst/>
+            </a:prstGeom>
+            <a:solidFill>
+              <a:sysClr val="window" lastClr="FFFFFF"/>
+            </a:solidFill>
+            <a:ln w="12700" cap="flat" cmpd="sng" algn="ctr">
+              <a:solidFill>
+                <a:sysClr val="windowText" lastClr="000000"/>
+              </a:solidFill>
+              <a:prstDash val="solid"/>
+              <a:miter lim="800000"/>
+            </a:ln>
+            <a:effectLst/>
+          </p:spPr>
+          <p:txBody>
+            <a:bodyPr rtlCol="0" anchor="ctr"/>
+            <a:lstStyle/>
+            <a:p>
+              <a:pPr marL="0" marR="0" lvl="0" indent="0" algn="ctr" defTabSz="914400" eaLnBrk="1" fontAlgn="auto" latinLnBrk="0" hangingPunct="1">
+                <a:lnSpc>
+                  <a:spcPct val="100000"/>
+                </a:lnSpc>
+                <a:spcBef>
+                  <a:spcPts val="0"/>
+                </a:spcBef>
+                <a:spcAft>
+                  <a:spcPts val="0"/>
+                </a:spcAft>
+                <a:buClrTx/>
+                <a:buSzTx/>
+                <a:buFontTx/>
+                <a:buNone/>
+                <a:tabLst/>
+                <a:defRPr/>
+              </a:pPr>
+              <a:r>
+                <a:rPr kumimoji="0" lang="en-CA" sz="2400" b="0" i="0" u="none" strike="noStrike" kern="0" cap="none" spc="0" normalizeH="0" baseline="0" noProof="0" dirty="0">
+                  <a:ln>
+                    <a:noFill/>
+                  </a:ln>
+                  <a:solidFill>
+                    <a:prstClr val="black"/>
+                  </a:solidFill>
+                  <a:effectLst/>
+                  <a:uLnTx/>
+                  <a:uFillTx/>
+                  <a:latin typeface="+mn-lt"/>
+                  <a:ea typeface="+mn-ea"/>
+                  <a:cs typeface="+mn-cs"/>
+                </a:rPr>
+                <a:t>P</a:t>
+              </a:r>
+              <a:endParaRPr kumimoji="0" lang="en-CA" sz="1800" b="0" i="0" u="none" strike="noStrike" kern="0" cap="none" spc="0" normalizeH="0" baseline="0" noProof="0" dirty="0">
                 <a:ln>
                   <a:noFill/>
                 </a:ln>
                 <a:solidFill>
-                  <a:sysClr val="windowText" lastClr="000000"/>
+                  <a:prstClr val="black"/>
                 </a:solidFill>
                 <a:effectLst/>
                 <a:uLnTx/>
                 <a:uFillTx/>
-                <a:latin typeface="Cambria Math" panose="02040503050406030204" pitchFamily="18" charset="0"/>
-                <a:ea typeface="Cambria Math" panose="02040503050406030204" pitchFamily="18" charset="0"/>
-              </a:rPr>
-              <a:t> = ‘Value’</a:t>
-            </a:r>
-            <a:endParaRPr kumimoji="0" lang="en-CA" sz="2000" b="0" i="0" u="none" strike="noStrike" kern="0" cap="none" spc="0" normalizeH="0" baseline="0" noProof="0" dirty="0">
-              <a:ln>
-                <a:noFill/>
-              </a:ln>
+                <a:latin typeface="+mn-lt"/>
+                <a:ea typeface="+mn-ea"/>
+                <a:cs typeface="+mn-cs"/>
+              </a:endParaRPr>
+            </a:p>
+          </p:txBody>
+        </p:sp>
+        <p:sp>
+          <p:nvSpPr>
+            <p:cNvPr id="21" name="Rectangle 20">
+              <a:extLst>
+                <a:ext uri="{FF2B5EF4-FFF2-40B4-BE49-F238E27FC236}">
+                  <a16:creationId xmlns:a16="http://schemas.microsoft.com/office/drawing/2014/main" id="{8B7EAF6C-FB1E-DA84-4878-2AD0781EE277}"/>
+                </a:ext>
+              </a:extLst>
+            </p:cNvPr>
+            <p:cNvSpPr/>
+            <p:nvPr/>
+          </p:nvSpPr>
+          <p:spPr>
+            <a:xfrm>
+              <a:off x="5897143" y="3533236"/>
+              <a:ext cx="2166202" cy="450208"/>
+            </a:xfrm>
+            <a:prstGeom prst="rect">
+              <a:avLst/>
+            </a:prstGeom>
+            <a:solidFill>
+              <a:sysClr val="window" lastClr="FFFFFF"/>
+            </a:solidFill>
+            <a:ln w="12700" cap="flat" cmpd="sng" algn="ctr">
               <a:solidFill>
                 <a:sysClr val="windowText" lastClr="000000"/>
               </a:solidFill>
-              <a:effectLst/>
-              <a:uLnTx/>
-              <a:uFillTx/>
-            </a:endParaRPr>
-          </a:p>
-        </p:txBody>
-      </p:sp>
-      <p:cxnSp>
-        <p:nvCxnSpPr>
-          <p:cNvPr id="6" name="Straight Connector 5">
-            <a:extLst>
-              <a:ext uri="{FF2B5EF4-FFF2-40B4-BE49-F238E27FC236}">
-                <a16:creationId xmlns:a16="http://schemas.microsoft.com/office/drawing/2014/main" id="{D7461DDE-117E-76BF-EE9C-230A33A7A768}"/>
-              </a:ext>
-            </a:extLst>
-          </p:cNvPr>
-          <p:cNvCxnSpPr>
-            <a:cxnSpLocks/>
-          </p:cNvCxnSpPr>
-          <p:nvPr/>
-        </p:nvCxnSpPr>
-        <p:spPr>
-          <a:xfrm>
-            <a:off x="5016502" y="2538081"/>
-            <a:ext cx="0" cy="484475"/>
-          </a:xfrm>
-          <a:prstGeom prst="line">
-            <a:avLst/>
-          </a:prstGeom>
-          <a:noFill/>
-          <a:ln w="19050" cap="flat" cmpd="sng" algn="ctr">
-            <a:solidFill>
-              <a:sysClr val="windowText" lastClr="000000"/>
-            </a:solidFill>
-            <a:prstDash val="solid"/>
-            <a:miter lim="800000"/>
-          </a:ln>
-          <a:effectLst/>
-        </p:spPr>
-      </p:cxnSp>
-      <p:cxnSp>
-        <p:nvCxnSpPr>
-          <p:cNvPr id="7" name="Straight Connector 6">
-            <a:extLst>
-              <a:ext uri="{FF2B5EF4-FFF2-40B4-BE49-F238E27FC236}">
-                <a16:creationId xmlns:a16="http://schemas.microsoft.com/office/drawing/2014/main" id="{1D829EF9-FAA4-5E80-D172-2471BA4CADD5}"/>
-              </a:ext>
-            </a:extLst>
-          </p:cNvPr>
-          <p:cNvCxnSpPr>
-            <a:cxnSpLocks/>
-          </p:cNvCxnSpPr>
-          <p:nvPr/>
-        </p:nvCxnSpPr>
-        <p:spPr>
-          <a:xfrm>
-            <a:off x="4181936" y="4288989"/>
-            <a:ext cx="611887" cy="646137"/>
-          </a:xfrm>
-          <a:prstGeom prst="line">
-            <a:avLst/>
-          </a:prstGeom>
-          <a:noFill/>
-          <a:ln w="19050" cap="flat" cmpd="sng" algn="ctr">
-            <a:solidFill>
-              <a:sysClr val="windowText" lastClr="000000"/>
-            </a:solidFill>
-            <a:prstDash val="solid"/>
-            <a:miter lim="800000"/>
-          </a:ln>
-          <a:effectLst/>
-        </p:spPr>
-      </p:cxnSp>
-      <p:cxnSp>
-        <p:nvCxnSpPr>
-          <p:cNvPr id="8" name="Straight Connector 7">
-            <a:extLst>
-              <a:ext uri="{FF2B5EF4-FFF2-40B4-BE49-F238E27FC236}">
-                <a16:creationId xmlns:a16="http://schemas.microsoft.com/office/drawing/2014/main" id="{5BD3D1FB-5482-6B6A-1920-0563BFA9DA43}"/>
-              </a:ext>
-            </a:extLst>
-          </p:cNvPr>
-          <p:cNvCxnSpPr>
-            <a:cxnSpLocks/>
-          </p:cNvCxnSpPr>
-          <p:nvPr/>
-        </p:nvCxnSpPr>
-        <p:spPr>
-          <a:xfrm flipH="1">
-            <a:off x="3381579" y="4297057"/>
-            <a:ext cx="611887" cy="646137"/>
-          </a:xfrm>
-          <a:prstGeom prst="line">
-            <a:avLst/>
-          </a:prstGeom>
-          <a:noFill/>
-          <a:ln w="19050" cap="flat" cmpd="sng" algn="ctr">
-            <a:solidFill>
-              <a:sysClr val="windowText" lastClr="000000"/>
-            </a:solidFill>
-            <a:prstDash val="solid"/>
-            <a:miter lim="800000"/>
-          </a:ln>
-          <a:effectLst/>
-        </p:spPr>
-      </p:cxnSp>
-      <p:cxnSp>
-        <p:nvCxnSpPr>
-          <p:cNvPr id="11" name="Straight Connector 10">
-            <a:extLst>
-              <a:ext uri="{FF2B5EF4-FFF2-40B4-BE49-F238E27FC236}">
-                <a16:creationId xmlns:a16="http://schemas.microsoft.com/office/drawing/2014/main" id="{C06C6DC8-323E-026F-1AB4-9804CA27B7BA}"/>
-              </a:ext>
-            </a:extLst>
-          </p:cNvPr>
-          <p:cNvCxnSpPr>
-            <a:cxnSpLocks/>
-          </p:cNvCxnSpPr>
-          <p:nvPr/>
-        </p:nvCxnSpPr>
-        <p:spPr>
-          <a:xfrm>
-            <a:off x="3294346" y="5302362"/>
-            <a:ext cx="0" cy="606768"/>
-          </a:xfrm>
-          <a:prstGeom prst="line">
-            <a:avLst/>
-          </a:prstGeom>
-          <a:noFill/>
-          <a:ln w="19050" cap="flat" cmpd="sng" algn="ctr">
-            <a:solidFill>
-              <a:sysClr val="windowText" lastClr="000000"/>
-            </a:solidFill>
-            <a:prstDash val="solid"/>
-            <a:miter lim="800000"/>
-          </a:ln>
-          <a:effectLst/>
-        </p:spPr>
-      </p:cxnSp>
-      <p:sp>
-        <p:nvSpPr>
-          <p:cNvPr id="12" name="Oval 11">
-            <a:extLst>
-              <a:ext uri="{FF2B5EF4-FFF2-40B4-BE49-F238E27FC236}">
-                <a16:creationId xmlns:a16="http://schemas.microsoft.com/office/drawing/2014/main" id="{15A16586-AD1A-A5CE-E7D9-3497DBDED3CA}"/>
-              </a:ext>
-            </a:extLst>
-          </p:cNvPr>
-          <p:cNvSpPr/>
-          <p:nvPr/>
-        </p:nvSpPr>
-        <p:spPr>
-          <a:xfrm>
-            <a:off x="4810551" y="4817199"/>
-            <a:ext cx="468000" cy="466344"/>
-          </a:xfrm>
-          <a:prstGeom prst="ellipse">
-            <a:avLst/>
-          </a:prstGeom>
-          <a:solidFill>
-            <a:sysClr val="window" lastClr="FFFFFF"/>
-          </a:solidFill>
-          <a:ln w="12700" cap="flat" cmpd="sng" algn="ctr">
-            <a:solidFill>
-              <a:sysClr val="windowText" lastClr="000000"/>
-            </a:solidFill>
-            <a:prstDash val="solid"/>
-            <a:miter lim="800000"/>
-          </a:ln>
-          <a:effectLst/>
-        </p:spPr>
-        <p:txBody>
-          <a:bodyPr rtlCol="0" anchor="ctr"/>
-          <a:lstStyle/>
-          <a:p>
-            <a:pPr marL="0" marR="0" lvl="0" indent="0" algn="ctr" defTabSz="914400" eaLnBrk="1" fontAlgn="auto" latinLnBrk="0" hangingPunct="1">
-              <a:lnSpc>
-                <a:spcPct val="100000"/>
-              </a:lnSpc>
-              <a:spcBef>
-                <a:spcPts val="0"/>
-              </a:spcBef>
-              <a:spcAft>
-                <a:spcPts val="0"/>
-              </a:spcAft>
-              <a:buClrTx/>
-              <a:buSzTx/>
-              <a:buFontTx/>
-              <a:buNone/>
-              <a:tabLst/>
-              <a:defRPr/>
-            </a:pPr>
-            <a:r>
-              <a:rPr kumimoji="0" lang="en-CA" sz="2400" b="0" i="0" u="none" strike="noStrike" kern="0" cap="none" spc="0" normalizeH="0" baseline="0" noProof="0" dirty="0">
+              <a:prstDash val="solid"/>
+              <a:miter lim="800000"/>
+            </a:ln>
+            <a:effectLst/>
+          </p:spPr>
+          <p:txBody>
+            <a:bodyPr rtlCol="0" anchor="ctr"/>
+            <a:lstStyle/>
+            <a:p>
+              <a:pPr marL="0" marR="0" lvl="0" indent="0" algn="ctr" defTabSz="914400" eaLnBrk="1" fontAlgn="auto" latinLnBrk="0" hangingPunct="1">
+                <a:lnSpc>
+                  <a:spcPct val="100000"/>
+                </a:lnSpc>
+                <a:spcBef>
+                  <a:spcPts val="0"/>
+                </a:spcBef>
+                <a:spcAft>
+                  <a:spcPts val="0"/>
+                </a:spcAft>
+                <a:buClrTx/>
+                <a:buSzTx/>
+                <a:buFontTx/>
+                <a:buNone/>
+                <a:tabLst/>
+                <a:defRPr/>
+              </a:pPr>
+              <a:r>
+                <a:rPr kumimoji="0" lang="en-CA" sz="1600" b="0" i="0" u="none" strike="noStrike" kern="0" cap="none" spc="0" normalizeH="0" baseline="0" noProof="0" dirty="0">
+                  <a:ln>
+                    <a:noFill/>
+                  </a:ln>
+                  <a:solidFill>
+                    <a:prstClr val="black"/>
+                  </a:solidFill>
+                  <a:effectLst/>
+                  <a:uLnTx/>
+                  <a:uFillTx/>
+                  <a:latin typeface="+mn-lt"/>
+                  <a:ea typeface="+mn-ea"/>
+                  <a:cs typeface="+mn-cs"/>
+                </a:rPr>
+                <a:t>COMPETITOR_TEACHER_PERFORMANCE</a:t>
+              </a:r>
+            </a:p>
+          </p:txBody>
+        </p:sp>
+        <p:cxnSp>
+          <p:nvCxnSpPr>
+            <p:cNvPr id="22" name="Straight Connector 21">
+              <a:extLst>
+                <a:ext uri="{FF2B5EF4-FFF2-40B4-BE49-F238E27FC236}">
+                  <a16:creationId xmlns:a16="http://schemas.microsoft.com/office/drawing/2014/main" id="{122D46C0-92AA-1275-CAC2-39BD64E7E7F3}"/>
+                </a:ext>
+              </a:extLst>
+            </p:cNvPr>
+            <p:cNvCxnSpPr>
+              <a:cxnSpLocks/>
+            </p:cNvCxnSpPr>
+            <p:nvPr/>
+          </p:nvCxnSpPr>
+          <p:spPr>
+            <a:xfrm flipV="1">
+              <a:off x="5612708" y="3741125"/>
+              <a:ext cx="264068" cy="1"/>
+            </a:xfrm>
+            <a:prstGeom prst="line">
+              <a:avLst/>
+            </a:prstGeom>
+            <a:noFill/>
+            <a:ln w="19050" cap="flat" cmpd="sng" algn="ctr">
+              <a:solidFill>
+                <a:sysClr val="windowText" lastClr="000000"/>
+              </a:solidFill>
+              <a:prstDash val="solid"/>
+              <a:miter lim="800000"/>
+            </a:ln>
+            <a:effectLst/>
+          </p:spPr>
+        </p:cxnSp>
+        <p:sp>
+          <p:nvSpPr>
+            <p:cNvPr id="23" name="TextBox 22">
+              <a:extLst>
+                <a:ext uri="{FF2B5EF4-FFF2-40B4-BE49-F238E27FC236}">
+                  <a16:creationId xmlns:a16="http://schemas.microsoft.com/office/drawing/2014/main" id="{3C6814E9-ABCC-9C8A-138C-E44C705B73F6}"/>
+                </a:ext>
+              </a:extLst>
+            </p:cNvPr>
+            <p:cNvSpPr txBox="1"/>
+            <p:nvPr/>
+          </p:nvSpPr>
+          <p:spPr>
+            <a:xfrm>
+              <a:off x="2377413" y="4279268"/>
+              <a:ext cx="573167" cy="276999"/>
+            </a:xfrm>
+            <a:prstGeom prst="rect">
+              <a:avLst/>
+            </a:prstGeom>
+            <a:noFill/>
+          </p:spPr>
+          <p:txBody>
+            <a:bodyPr wrap="square" rtlCol="0">
+              <a:spAutoFit/>
+            </a:bodyPr>
+            <a:lstStyle/>
+            <a:p>
+              <a:pPr marL="0" marR="0" lvl="0" indent="0" defTabSz="914400" eaLnBrk="1" fontAlgn="auto" latinLnBrk="0" hangingPunct="1">
+                <a:lnSpc>
+                  <a:spcPct val="100000"/>
+                </a:lnSpc>
+                <a:spcBef>
+                  <a:spcPts val="0"/>
+                </a:spcBef>
+                <a:spcAft>
+                  <a:spcPts val="0"/>
+                </a:spcAft>
+                <a:buClrTx/>
+                <a:buSzTx/>
+                <a:buFontTx/>
+                <a:buNone/>
+                <a:tabLst/>
+                <a:defRPr/>
+              </a:pPr>
+              <a:r>
+                <a:rPr kumimoji="0" lang="en-CA" sz="1200" b="0" i="0" u="none" strike="noStrike" kern="0" cap="none" spc="0" normalizeH="0" baseline="0" noProof="0" dirty="0">
+                  <a:ln>
+                    <a:noFill/>
+                  </a:ln>
+                  <a:solidFill>
+                    <a:sysClr val="windowText" lastClr="000000"/>
+                  </a:solidFill>
+                  <a:effectLst/>
+                  <a:uLnTx/>
+                  <a:uFillTx/>
+                  <a:latin typeface="+mn-lt"/>
+                  <a:ea typeface="Cambria Math" panose="02040503050406030204" pitchFamily="18" charset="0"/>
+                </a:rPr>
+                <a:t>(1)</a:t>
+              </a:r>
+              <a:endParaRPr kumimoji="0" lang="en-CA" sz="1200" b="0" i="0" u="none" strike="noStrike" kern="0" cap="none" spc="0" normalizeH="0" baseline="0" noProof="0" dirty="0">
                 <a:ln>
                   <a:noFill/>
                 </a:ln>
                 <a:solidFill>
-                  <a:prstClr val="black"/>
+                  <a:sysClr val="windowText" lastClr="000000"/>
                 </a:solidFill>
                 <a:effectLst/>
                 <a:uLnTx/>
                 <a:uFillTx/>
-                <a:latin typeface="Calibri" panose="020F0502020204030204"/>
-                <a:ea typeface="+mn-ea"/>
-                <a:cs typeface="+mn-cs"/>
-              </a:rPr>
-              <a:t>B</a:t>
-            </a:r>
-            <a:endParaRPr kumimoji="0" lang="en-CA" sz="1800" b="0" i="0" u="none" strike="noStrike" kern="0" cap="none" spc="0" normalizeH="0" baseline="0" noProof="0" dirty="0">
-              <a:ln>
-                <a:noFill/>
-              </a:ln>
-              <a:solidFill>
-                <a:prstClr val="black"/>
-              </a:solidFill>
-              <a:effectLst/>
-              <a:uLnTx/>
-              <a:uFillTx/>
-              <a:latin typeface="Calibri" panose="020F0502020204030204"/>
-              <a:ea typeface="+mn-ea"/>
-              <a:cs typeface="+mn-cs"/>
-            </a:endParaRPr>
-          </a:p>
-        </p:txBody>
-      </p:sp>
-      <p:sp>
-        <p:nvSpPr>
-          <p:cNvPr id="14" name="Oval 13">
-            <a:extLst>
-              <a:ext uri="{FF2B5EF4-FFF2-40B4-BE49-F238E27FC236}">
-                <a16:creationId xmlns:a16="http://schemas.microsoft.com/office/drawing/2014/main" id="{11CF68E3-D853-3EC4-B1B6-A51C2C977384}"/>
-              </a:ext>
-            </a:extLst>
-          </p:cNvPr>
-          <p:cNvSpPr/>
-          <p:nvPr/>
-        </p:nvSpPr>
-        <p:spPr>
-          <a:xfrm>
-            <a:off x="3057447" y="5898242"/>
-            <a:ext cx="468000" cy="466344"/>
-          </a:xfrm>
-          <a:prstGeom prst="ellipse">
-            <a:avLst/>
-          </a:prstGeom>
-          <a:solidFill>
-            <a:sysClr val="window" lastClr="FFFFFF"/>
-          </a:solidFill>
-          <a:ln w="12700" cap="flat" cmpd="sng" algn="ctr">
-            <a:solidFill>
-              <a:sysClr val="windowText" lastClr="000000"/>
-            </a:solidFill>
-            <a:prstDash val="solid"/>
-            <a:miter lim="800000"/>
-          </a:ln>
-          <a:effectLst/>
-        </p:spPr>
-        <p:txBody>
-          <a:bodyPr rtlCol="0" anchor="ctr"/>
-          <a:lstStyle/>
-          <a:p>
-            <a:pPr marL="0" marR="0" lvl="0" indent="0" algn="ctr" defTabSz="914400" eaLnBrk="1" fontAlgn="auto" latinLnBrk="0" hangingPunct="1">
-              <a:lnSpc>
-                <a:spcPct val="100000"/>
-              </a:lnSpc>
-              <a:spcBef>
-                <a:spcPts val="0"/>
-              </a:spcBef>
-              <a:spcAft>
-                <a:spcPts val="0"/>
-              </a:spcAft>
-              <a:buClrTx/>
-              <a:buSzTx/>
-              <a:buFontTx/>
-              <a:buNone/>
-              <a:tabLst/>
-              <a:defRPr/>
-            </a:pPr>
-            <a:r>
-              <a:rPr kumimoji="0" lang="en-CA" sz="2400" b="0" i="0" u="none" strike="noStrike" kern="0" cap="none" spc="0" normalizeH="0" baseline="0" noProof="0" dirty="0">
+                <a:latin typeface="+mn-lt"/>
+              </a:endParaRPr>
+            </a:p>
+          </p:txBody>
+        </p:sp>
+        <p:sp>
+          <p:nvSpPr>
+            <p:cNvPr id="24" name="TextBox 23">
+              <a:extLst>
+                <a:ext uri="{FF2B5EF4-FFF2-40B4-BE49-F238E27FC236}">
+                  <a16:creationId xmlns:a16="http://schemas.microsoft.com/office/drawing/2014/main" id="{819BE604-AADF-AF3C-BFB3-85F12C76BCC5}"/>
+                </a:ext>
+              </a:extLst>
+            </p:cNvPr>
+            <p:cNvSpPr txBox="1"/>
+            <p:nvPr/>
+          </p:nvSpPr>
+          <p:spPr>
+            <a:xfrm>
+              <a:off x="3295152" y="3282237"/>
+              <a:ext cx="573167" cy="276999"/>
+            </a:xfrm>
+            <a:prstGeom prst="rect">
+              <a:avLst/>
+            </a:prstGeom>
+            <a:noFill/>
+          </p:spPr>
+          <p:txBody>
+            <a:bodyPr wrap="square" rtlCol="0">
+              <a:spAutoFit/>
+            </a:bodyPr>
+            <a:lstStyle/>
+            <a:p>
+              <a:pPr marL="0" marR="0" lvl="0" indent="0" defTabSz="914400" eaLnBrk="1" fontAlgn="auto" latinLnBrk="0" hangingPunct="1">
+                <a:lnSpc>
+                  <a:spcPct val="100000"/>
+                </a:lnSpc>
+                <a:spcBef>
+                  <a:spcPts val="0"/>
+                </a:spcBef>
+                <a:spcAft>
+                  <a:spcPts val="0"/>
+                </a:spcAft>
+                <a:buClrTx/>
+                <a:buSzTx/>
+                <a:buFontTx/>
+                <a:buNone/>
+                <a:tabLst/>
+                <a:defRPr/>
+              </a:pPr>
+              <a:r>
+                <a:rPr kumimoji="0" lang="en-CA" sz="1200" b="0" i="0" u="none" strike="noStrike" kern="0" cap="none" spc="0" normalizeH="0" baseline="0" noProof="0" dirty="0">
+                  <a:ln>
+                    <a:noFill/>
+                  </a:ln>
+                  <a:solidFill>
+                    <a:sysClr val="windowText" lastClr="000000"/>
+                  </a:solidFill>
+                  <a:effectLst/>
+                  <a:uLnTx/>
+                  <a:uFillTx/>
+                  <a:latin typeface="+mn-lt"/>
+                  <a:ea typeface="Cambria Math" panose="02040503050406030204" pitchFamily="18" charset="0"/>
+                </a:rPr>
+                <a:t>(2)</a:t>
+              </a:r>
+              <a:endParaRPr kumimoji="0" lang="en-CA" sz="1200" b="0" i="0" u="none" strike="noStrike" kern="0" cap="none" spc="0" normalizeH="0" baseline="0" noProof="0" dirty="0">
                 <a:ln>
                   <a:noFill/>
                 </a:ln>
                 <a:solidFill>
-                  <a:prstClr val="black"/>
+                  <a:sysClr val="windowText" lastClr="000000"/>
                 </a:solidFill>
                 <a:effectLst/>
                 <a:uLnTx/>
                 <a:uFillTx/>
-                <a:latin typeface="Calibri" panose="020F0502020204030204"/>
-                <a:ea typeface="+mn-ea"/>
-                <a:cs typeface="+mn-cs"/>
-              </a:rPr>
-              <a:t>A</a:t>
-            </a:r>
-            <a:endParaRPr kumimoji="0" lang="en-CA" sz="1800" b="0" i="0" u="none" strike="noStrike" kern="0" cap="none" spc="0" normalizeH="0" baseline="0" noProof="0" dirty="0">
-              <a:ln>
-                <a:noFill/>
-              </a:ln>
-              <a:solidFill>
-                <a:prstClr val="black"/>
-              </a:solidFill>
-              <a:effectLst/>
-              <a:uLnTx/>
-              <a:uFillTx/>
-              <a:latin typeface="Calibri" panose="020F0502020204030204"/>
-              <a:ea typeface="+mn-ea"/>
-              <a:cs typeface="+mn-cs"/>
-            </a:endParaRPr>
-          </a:p>
-        </p:txBody>
-      </p:sp>
-      <p:sp>
-        <p:nvSpPr>
-          <p:cNvPr id="15" name="Rectangle 14">
-            <a:extLst>
-              <a:ext uri="{FF2B5EF4-FFF2-40B4-BE49-F238E27FC236}">
-                <a16:creationId xmlns:a16="http://schemas.microsoft.com/office/drawing/2014/main" id="{1B71E368-B840-D285-CD2E-E31905A9E3B8}"/>
-              </a:ext>
-            </a:extLst>
-          </p:cNvPr>
-          <p:cNvSpPr/>
-          <p:nvPr/>
-        </p:nvSpPr>
-        <p:spPr>
-          <a:xfrm>
-            <a:off x="3808048" y="5890669"/>
-            <a:ext cx="1867640" cy="467559"/>
-          </a:xfrm>
-          <a:prstGeom prst="rect">
-            <a:avLst/>
-          </a:prstGeom>
-          <a:solidFill>
-            <a:sysClr val="window" lastClr="FFFFFF"/>
-          </a:solidFill>
-          <a:ln w="12700" cap="flat" cmpd="sng" algn="ctr">
-            <a:solidFill>
-              <a:sysClr val="windowText" lastClr="000000"/>
-            </a:solidFill>
-            <a:prstDash val="solid"/>
-            <a:miter lim="800000"/>
-          </a:ln>
-          <a:effectLst/>
-        </p:spPr>
-        <p:txBody>
-          <a:bodyPr rtlCol="0" anchor="ctr"/>
-          <a:lstStyle/>
-          <a:p>
-            <a:pPr marL="0" marR="0" lvl="0" indent="0" algn="ctr" defTabSz="914400" eaLnBrk="1" fontAlgn="auto" latinLnBrk="0" hangingPunct="1">
-              <a:lnSpc>
-                <a:spcPct val="100000"/>
-              </a:lnSpc>
-              <a:spcBef>
-                <a:spcPts val="0"/>
-              </a:spcBef>
-              <a:spcAft>
-                <a:spcPts val="0"/>
-              </a:spcAft>
-              <a:buClrTx/>
-              <a:buSzTx/>
-              <a:buFontTx/>
-              <a:buNone/>
-              <a:tabLst/>
-              <a:defRPr/>
-            </a:pPr>
-            <a:r>
-              <a:rPr kumimoji="0" lang="en-CA" sz="1600" b="0" i="0" u="none" strike="noStrike" kern="0" cap="none" spc="0" normalizeH="0" baseline="0" noProof="0" dirty="0">
+                <a:latin typeface="+mn-lt"/>
+              </a:endParaRPr>
+            </a:p>
+          </p:txBody>
+        </p:sp>
+        <p:sp>
+          <p:nvSpPr>
+            <p:cNvPr id="25" name="TextBox 24">
+              <a:extLst>
+                <a:ext uri="{FF2B5EF4-FFF2-40B4-BE49-F238E27FC236}">
+                  <a16:creationId xmlns:a16="http://schemas.microsoft.com/office/drawing/2014/main" id="{C5998E2C-7A1A-A73C-C494-0D540F03A973}"/>
+                </a:ext>
+              </a:extLst>
+            </p:cNvPr>
+            <p:cNvSpPr txBox="1"/>
+            <p:nvPr/>
+          </p:nvSpPr>
+          <p:spPr>
+            <a:xfrm>
+              <a:off x="4020719" y="2362340"/>
+              <a:ext cx="573167" cy="276999"/>
+            </a:xfrm>
+            <a:prstGeom prst="rect">
+              <a:avLst/>
+            </a:prstGeom>
+            <a:noFill/>
+          </p:spPr>
+          <p:txBody>
+            <a:bodyPr wrap="square" rtlCol="0">
+              <a:spAutoFit/>
+            </a:bodyPr>
+            <a:lstStyle/>
+            <a:p>
+              <a:pPr marL="0" marR="0" lvl="0" indent="0" defTabSz="914400" eaLnBrk="1" fontAlgn="auto" latinLnBrk="0" hangingPunct="1">
+                <a:lnSpc>
+                  <a:spcPct val="100000"/>
+                </a:lnSpc>
+                <a:spcBef>
+                  <a:spcPts val="0"/>
+                </a:spcBef>
+                <a:spcAft>
+                  <a:spcPts val="0"/>
+                </a:spcAft>
+                <a:buClrTx/>
+                <a:buSzTx/>
+                <a:buFontTx/>
+                <a:buNone/>
+                <a:tabLst/>
+                <a:defRPr/>
+              </a:pPr>
+              <a:r>
+                <a:rPr kumimoji="0" lang="en-CA" sz="1200" b="0" i="0" u="none" strike="noStrike" kern="0" cap="none" spc="0" normalizeH="0" baseline="0" noProof="0" dirty="0">
+                  <a:ln>
+                    <a:noFill/>
+                  </a:ln>
+                  <a:solidFill>
+                    <a:sysClr val="windowText" lastClr="000000"/>
+                  </a:solidFill>
+                  <a:effectLst/>
+                  <a:uLnTx/>
+                  <a:uFillTx/>
+                  <a:latin typeface="+mn-lt"/>
+                  <a:ea typeface="Cambria Math" panose="02040503050406030204" pitchFamily="18" charset="0"/>
+                </a:rPr>
+                <a:t>(3)</a:t>
+              </a:r>
+              <a:endParaRPr kumimoji="0" lang="en-CA" sz="1200" b="0" i="0" u="none" strike="noStrike" kern="0" cap="none" spc="0" normalizeH="0" baseline="0" noProof="0" dirty="0">
                 <a:ln>
                   <a:noFill/>
                 </a:ln>
                 <a:solidFill>
-                  <a:prstClr val="black"/>
+                  <a:sysClr val="windowText" lastClr="000000"/>
                 </a:solidFill>
                 <a:effectLst/>
                 <a:uLnTx/>
                 <a:uFillTx/>
-                <a:latin typeface="Calibri" panose="020F0502020204030204"/>
-                <a:ea typeface="+mn-ea"/>
-                <a:cs typeface="+mn-cs"/>
-              </a:rPr>
-              <a:t>A_RELATION</a:t>
-            </a:r>
-          </a:p>
-        </p:txBody>
-      </p:sp>
-      <p:sp>
-        <p:nvSpPr>
-          <p:cNvPr id="17" name="Rectangle 16">
-            <a:extLst>
-              <a:ext uri="{FF2B5EF4-FFF2-40B4-BE49-F238E27FC236}">
-                <a16:creationId xmlns:a16="http://schemas.microsoft.com/office/drawing/2014/main" id="{0D627666-05CA-6ACE-6570-875330519C33}"/>
-              </a:ext>
-            </a:extLst>
-          </p:cNvPr>
-          <p:cNvSpPr/>
-          <p:nvPr/>
-        </p:nvSpPr>
-        <p:spPr>
-          <a:xfrm>
-            <a:off x="5590143" y="4852154"/>
-            <a:ext cx="2129501" cy="450208"/>
-          </a:xfrm>
-          <a:prstGeom prst="rect">
-            <a:avLst/>
-          </a:prstGeom>
-          <a:solidFill>
-            <a:sysClr val="window" lastClr="FFFFFF"/>
-          </a:solidFill>
-          <a:ln w="12700" cap="flat" cmpd="sng" algn="ctr">
-            <a:solidFill>
-              <a:sysClr val="windowText" lastClr="000000"/>
-            </a:solidFill>
-            <a:prstDash val="solid"/>
-            <a:miter lim="800000"/>
-          </a:ln>
-          <a:effectLst/>
-        </p:spPr>
-        <p:txBody>
-          <a:bodyPr rtlCol="0" anchor="ctr"/>
-          <a:lstStyle/>
-          <a:p>
-            <a:pPr marL="0" marR="0" lvl="0" indent="0" algn="ctr" defTabSz="914400" eaLnBrk="1" fontAlgn="auto" latinLnBrk="0" hangingPunct="1">
-              <a:lnSpc>
-                <a:spcPct val="100000"/>
-              </a:lnSpc>
-              <a:spcBef>
-                <a:spcPts val="0"/>
-              </a:spcBef>
-              <a:spcAft>
-                <a:spcPts val="0"/>
-              </a:spcAft>
-              <a:buClrTx/>
-              <a:buSzTx/>
-              <a:buFontTx/>
-              <a:buNone/>
-              <a:tabLst/>
-              <a:defRPr/>
-            </a:pPr>
-            <a:r>
-              <a:rPr kumimoji="0" lang="en-CA" sz="1600" b="0" i="0" u="none" strike="noStrike" kern="0" cap="none" spc="0" normalizeH="0" baseline="0" noProof="0" dirty="0">
-                <a:ln>
-                  <a:noFill/>
-                </a:ln>
-                <a:solidFill>
-                  <a:prstClr val="black"/>
-                </a:solidFill>
-                <a:effectLst/>
-                <a:uLnTx/>
-                <a:uFillTx/>
-                <a:latin typeface="Calibri" panose="020F0502020204030204"/>
-                <a:ea typeface="+mn-ea"/>
-                <a:cs typeface="+mn-cs"/>
-              </a:rPr>
-              <a:t>B_RELATION</a:t>
-            </a:r>
-          </a:p>
-        </p:txBody>
-      </p:sp>
-      <p:cxnSp>
-        <p:nvCxnSpPr>
-          <p:cNvPr id="18" name="Straight Connector 17">
-            <a:extLst>
-              <a:ext uri="{FF2B5EF4-FFF2-40B4-BE49-F238E27FC236}">
-                <a16:creationId xmlns:a16="http://schemas.microsoft.com/office/drawing/2014/main" id="{131BC887-BB8C-DE0D-5763-5BCC6EB7EA4C}"/>
-              </a:ext>
-            </a:extLst>
-          </p:cNvPr>
-          <p:cNvCxnSpPr>
-            <a:cxnSpLocks/>
-          </p:cNvCxnSpPr>
-          <p:nvPr/>
-        </p:nvCxnSpPr>
-        <p:spPr>
-          <a:xfrm flipV="1">
-            <a:off x="3543980" y="6111691"/>
-            <a:ext cx="264068" cy="1"/>
-          </a:xfrm>
-          <a:prstGeom prst="line">
-            <a:avLst/>
-          </a:prstGeom>
-          <a:noFill/>
-          <a:ln w="19050" cap="flat" cmpd="sng" algn="ctr">
-            <a:solidFill>
-              <a:sysClr val="windowText" lastClr="000000"/>
-            </a:solidFill>
-            <a:prstDash val="solid"/>
-            <a:miter lim="800000"/>
-          </a:ln>
-          <a:effectLst/>
-        </p:spPr>
-      </p:cxnSp>
-      <p:cxnSp>
-        <p:nvCxnSpPr>
-          <p:cNvPr id="19" name="Straight Connector 18">
-            <a:extLst>
-              <a:ext uri="{FF2B5EF4-FFF2-40B4-BE49-F238E27FC236}">
-                <a16:creationId xmlns:a16="http://schemas.microsoft.com/office/drawing/2014/main" id="{A6EED23B-FCD4-2001-0095-EBFC6615ECFF}"/>
-              </a:ext>
-            </a:extLst>
-          </p:cNvPr>
-          <p:cNvCxnSpPr>
-            <a:cxnSpLocks/>
-          </p:cNvCxnSpPr>
-          <p:nvPr/>
-        </p:nvCxnSpPr>
-        <p:spPr>
-          <a:xfrm flipV="1">
-            <a:off x="5305709" y="5060043"/>
-            <a:ext cx="264068" cy="1"/>
-          </a:xfrm>
-          <a:prstGeom prst="line">
-            <a:avLst/>
-          </a:prstGeom>
-          <a:noFill/>
-          <a:ln w="19050" cap="flat" cmpd="sng" algn="ctr">
-            <a:solidFill>
-              <a:sysClr val="windowText" lastClr="000000"/>
-            </a:solidFill>
-            <a:prstDash val="solid"/>
-            <a:miter lim="800000"/>
-          </a:ln>
-          <a:effectLst/>
-        </p:spPr>
-      </p:cxnSp>
-      <p:sp>
-        <p:nvSpPr>
-          <p:cNvPr id="21" name="TextBox 20">
-            <a:extLst>
-              <a:ext uri="{FF2B5EF4-FFF2-40B4-BE49-F238E27FC236}">
-                <a16:creationId xmlns:a16="http://schemas.microsoft.com/office/drawing/2014/main" id="{967B2C77-9533-36E0-8D2C-9D94D0204353}"/>
-              </a:ext>
-            </a:extLst>
-          </p:cNvPr>
-          <p:cNvSpPr txBox="1"/>
-          <p:nvPr/>
-        </p:nvSpPr>
-        <p:spPr>
-          <a:xfrm>
-            <a:off x="3911203" y="2864229"/>
-            <a:ext cx="3211544" cy="400110"/>
-          </a:xfrm>
-          <a:prstGeom prst="rect">
-            <a:avLst/>
-          </a:prstGeom>
-          <a:noFill/>
-        </p:spPr>
-        <p:txBody>
-          <a:bodyPr wrap="square" rtlCol="0">
-            <a:spAutoFit/>
-          </a:bodyPr>
-          <a:lstStyle/>
-          <a:p>
-            <a:pPr marL="0" marR="0" lvl="0" indent="0" defTabSz="914400" eaLnBrk="1" fontAlgn="auto" latinLnBrk="0" hangingPunct="1">
-              <a:lnSpc>
-                <a:spcPct val="100000"/>
-              </a:lnSpc>
-              <a:spcBef>
-                <a:spcPts val="0"/>
-              </a:spcBef>
-              <a:spcAft>
-                <a:spcPts val="0"/>
-              </a:spcAft>
-              <a:buClrTx/>
-              <a:buSzTx/>
-              <a:buFontTx/>
-              <a:buNone/>
-              <a:tabLst/>
-              <a:defRPr/>
-            </a:pPr>
-            <a:r>
-              <a:rPr kumimoji="0" lang="en-CA" sz="2000" b="0" i="0" u="none" strike="noStrike" kern="0" cap="none" spc="0" normalizeH="0" baseline="0" noProof="0" dirty="0">
-                <a:ln>
-                  <a:noFill/>
-                </a:ln>
-                <a:solidFill>
-                  <a:sysClr val="windowText" lastClr="000000"/>
-                </a:solidFill>
-                <a:effectLst/>
-                <a:uLnTx/>
-                <a:uFillTx/>
-                <a:latin typeface="Cambria Math" panose="02040503050406030204" pitchFamily="18" charset="0"/>
-                <a:ea typeface="Cambria Math" panose="02040503050406030204" pitchFamily="18" charset="0"/>
-              </a:rPr>
-              <a:t>⋈</a:t>
-            </a:r>
-            <a:r>
-              <a:rPr kumimoji="0" lang="en-CA" sz="2000" b="0" i="0" u="none" strike="noStrike" kern="0" cap="none" spc="0" normalizeH="0" baseline="-25000" noProof="0" dirty="0" err="1">
-                <a:ln>
-                  <a:noFill/>
-                </a:ln>
-                <a:solidFill>
-                  <a:sysClr val="windowText" lastClr="000000"/>
-                </a:solidFill>
-                <a:effectLst/>
-                <a:uLnTx/>
-                <a:uFillTx/>
-                <a:latin typeface="Cambria Math" panose="02040503050406030204" pitchFamily="18" charset="0"/>
-                <a:ea typeface="Cambria Math" panose="02040503050406030204" pitchFamily="18" charset="0"/>
-              </a:rPr>
-              <a:t>B.Attr</a:t>
-            </a:r>
-            <a:r>
-              <a:rPr kumimoji="0" lang="en-CA" sz="2000" b="0" i="0" u="none" strike="noStrike" kern="0" cap="none" spc="0" normalizeH="0" baseline="-25000" noProof="0" dirty="0">
-                <a:ln>
-                  <a:noFill/>
-                </a:ln>
-                <a:solidFill>
-                  <a:sysClr val="windowText" lastClr="000000"/>
-                </a:solidFill>
-                <a:effectLst/>
-                <a:uLnTx/>
-                <a:uFillTx/>
-                <a:latin typeface="Cambria Math" panose="02040503050406030204" pitchFamily="18" charset="0"/>
-                <a:ea typeface="Cambria Math" panose="02040503050406030204" pitchFamily="18" charset="0"/>
-              </a:rPr>
-              <a:t> = </a:t>
-            </a:r>
-            <a:r>
-              <a:rPr kumimoji="0" lang="en-CA" sz="2000" b="0" i="0" u="none" strike="noStrike" kern="0" cap="none" spc="0" normalizeH="0" baseline="-25000" noProof="0" dirty="0" err="1">
-                <a:ln>
-                  <a:noFill/>
-                </a:ln>
-                <a:solidFill>
-                  <a:sysClr val="windowText" lastClr="000000"/>
-                </a:solidFill>
-                <a:effectLst/>
-                <a:uLnTx/>
-                <a:uFillTx/>
-                <a:latin typeface="Cambria Math" panose="02040503050406030204" pitchFamily="18" charset="0"/>
-                <a:ea typeface="Cambria Math" panose="02040503050406030204" pitchFamily="18" charset="0"/>
-              </a:rPr>
-              <a:t>C.Attr</a:t>
-            </a:r>
-            <a:endParaRPr kumimoji="0" lang="en-CA" sz="2000" b="0" i="0" u="none" strike="noStrike" kern="0" cap="none" spc="0" normalizeH="0" baseline="0" noProof="0" dirty="0">
-              <a:ln>
-                <a:noFill/>
-              </a:ln>
-              <a:solidFill>
-                <a:sysClr val="windowText" lastClr="000000"/>
-              </a:solidFill>
-              <a:effectLst/>
-              <a:uLnTx/>
-              <a:uFillTx/>
-            </a:endParaRPr>
-          </a:p>
-        </p:txBody>
-      </p:sp>
-      <p:cxnSp>
-        <p:nvCxnSpPr>
-          <p:cNvPr id="22" name="Straight Connector 21">
-            <a:extLst>
-              <a:ext uri="{FF2B5EF4-FFF2-40B4-BE49-F238E27FC236}">
-                <a16:creationId xmlns:a16="http://schemas.microsoft.com/office/drawing/2014/main" id="{57C5C82C-2415-2317-8502-36AF593111AC}"/>
-              </a:ext>
-            </a:extLst>
-          </p:cNvPr>
-          <p:cNvCxnSpPr>
-            <a:cxnSpLocks/>
-          </p:cNvCxnSpPr>
-          <p:nvPr/>
-        </p:nvCxnSpPr>
-        <p:spPr>
-          <a:xfrm>
-            <a:off x="5063802" y="3339403"/>
-            <a:ext cx="611887" cy="646137"/>
-          </a:xfrm>
-          <a:prstGeom prst="line">
-            <a:avLst/>
-          </a:prstGeom>
-          <a:noFill/>
-          <a:ln w="19050" cap="flat" cmpd="sng" algn="ctr">
-            <a:solidFill>
-              <a:sysClr val="windowText" lastClr="000000"/>
-            </a:solidFill>
-            <a:prstDash val="solid"/>
-            <a:miter lim="800000"/>
-          </a:ln>
-          <a:effectLst/>
-        </p:spPr>
-      </p:cxnSp>
-      <p:cxnSp>
-        <p:nvCxnSpPr>
-          <p:cNvPr id="26" name="Straight Connector 25">
-            <a:extLst>
-              <a:ext uri="{FF2B5EF4-FFF2-40B4-BE49-F238E27FC236}">
-                <a16:creationId xmlns:a16="http://schemas.microsoft.com/office/drawing/2014/main" id="{5AC1E4D4-6F85-5FF3-E756-6D1F8B6F48C8}"/>
-              </a:ext>
-            </a:extLst>
-          </p:cNvPr>
-          <p:cNvCxnSpPr>
-            <a:cxnSpLocks/>
-          </p:cNvCxnSpPr>
-          <p:nvPr/>
-        </p:nvCxnSpPr>
-        <p:spPr>
-          <a:xfrm flipH="1">
-            <a:off x="4263445" y="3347471"/>
-            <a:ext cx="611887" cy="646137"/>
-          </a:xfrm>
-          <a:prstGeom prst="line">
-            <a:avLst/>
-          </a:prstGeom>
-          <a:noFill/>
-          <a:ln w="19050" cap="flat" cmpd="sng" algn="ctr">
-            <a:solidFill>
-              <a:sysClr val="windowText" lastClr="000000"/>
-            </a:solidFill>
-            <a:prstDash val="solid"/>
-            <a:miter lim="800000"/>
-          </a:ln>
-          <a:effectLst/>
-        </p:spPr>
-      </p:cxnSp>
-      <p:sp>
-        <p:nvSpPr>
-          <p:cNvPr id="27" name="Oval 26">
-            <a:extLst>
-              <a:ext uri="{FF2B5EF4-FFF2-40B4-BE49-F238E27FC236}">
-                <a16:creationId xmlns:a16="http://schemas.microsoft.com/office/drawing/2014/main" id="{E0315100-2DB9-E234-23A4-FB5A17220107}"/>
-              </a:ext>
-            </a:extLst>
-          </p:cNvPr>
-          <p:cNvSpPr/>
-          <p:nvPr/>
-        </p:nvSpPr>
-        <p:spPr>
-          <a:xfrm>
-            <a:off x="5692417" y="3867613"/>
-            <a:ext cx="468000" cy="466344"/>
-          </a:xfrm>
-          <a:prstGeom prst="ellipse">
-            <a:avLst/>
-          </a:prstGeom>
-          <a:solidFill>
-            <a:sysClr val="window" lastClr="FFFFFF"/>
-          </a:solidFill>
-          <a:ln w="12700" cap="flat" cmpd="sng" algn="ctr">
-            <a:solidFill>
-              <a:sysClr val="windowText" lastClr="000000"/>
-            </a:solidFill>
-            <a:prstDash val="solid"/>
-            <a:miter lim="800000"/>
-          </a:ln>
-          <a:effectLst/>
-        </p:spPr>
-        <p:txBody>
-          <a:bodyPr rtlCol="0" anchor="ctr"/>
-          <a:lstStyle/>
-          <a:p>
-            <a:pPr marL="0" marR="0" lvl="0" indent="0" algn="ctr" defTabSz="914400" eaLnBrk="1" fontAlgn="auto" latinLnBrk="0" hangingPunct="1">
-              <a:lnSpc>
-                <a:spcPct val="100000"/>
-              </a:lnSpc>
-              <a:spcBef>
-                <a:spcPts val="0"/>
-              </a:spcBef>
-              <a:spcAft>
-                <a:spcPts val="0"/>
-              </a:spcAft>
-              <a:buClrTx/>
-              <a:buSzTx/>
-              <a:buFontTx/>
-              <a:buNone/>
-              <a:tabLst/>
-              <a:defRPr/>
-            </a:pPr>
-            <a:r>
-              <a:rPr kumimoji="0" lang="en-CA" sz="2400" b="0" i="0" u="none" strike="noStrike" kern="0" cap="none" spc="0" normalizeH="0" baseline="0" noProof="0" dirty="0">
-                <a:ln>
-                  <a:noFill/>
-                </a:ln>
-                <a:solidFill>
-                  <a:prstClr val="black"/>
-                </a:solidFill>
-                <a:effectLst/>
-                <a:uLnTx/>
-                <a:uFillTx/>
-                <a:latin typeface="Calibri" panose="020F0502020204030204"/>
-                <a:ea typeface="+mn-ea"/>
-                <a:cs typeface="+mn-cs"/>
-              </a:rPr>
-              <a:t>C</a:t>
-            </a:r>
-            <a:endParaRPr kumimoji="0" lang="en-CA" sz="1800" b="0" i="0" u="none" strike="noStrike" kern="0" cap="none" spc="0" normalizeH="0" baseline="0" noProof="0" dirty="0">
-              <a:ln>
-                <a:noFill/>
-              </a:ln>
-              <a:solidFill>
-                <a:prstClr val="black"/>
-              </a:solidFill>
-              <a:effectLst/>
-              <a:uLnTx/>
-              <a:uFillTx/>
-              <a:latin typeface="Calibri" panose="020F0502020204030204"/>
-              <a:ea typeface="+mn-ea"/>
-              <a:cs typeface="+mn-cs"/>
-            </a:endParaRPr>
-          </a:p>
-        </p:txBody>
-      </p:sp>
-      <p:sp>
-        <p:nvSpPr>
-          <p:cNvPr id="44" name="Rectangle 43">
-            <a:extLst>
-              <a:ext uri="{FF2B5EF4-FFF2-40B4-BE49-F238E27FC236}">
-                <a16:creationId xmlns:a16="http://schemas.microsoft.com/office/drawing/2014/main" id="{11E01510-ED8D-F48E-9B8D-126F26B120BC}"/>
-              </a:ext>
-            </a:extLst>
-          </p:cNvPr>
-          <p:cNvSpPr/>
-          <p:nvPr/>
-        </p:nvSpPr>
-        <p:spPr>
-          <a:xfrm>
-            <a:off x="6472010" y="3902568"/>
-            <a:ext cx="1488938" cy="450208"/>
-          </a:xfrm>
-          <a:prstGeom prst="rect">
-            <a:avLst/>
-          </a:prstGeom>
-          <a:solidFill>
-            <a:sysClr val="window" lastClr="FFFFFF"/>
-          </a:solidFill>
-          <a:ln w="12700" cap="flat" cmpd="sng" algn="ctr">
-            <a:solidFill>
-              <a:sysClr val="windowText" lastClr="000000"/>
-            </a:solidFill>
-            <a:prstDash val="solid"/>
-            <a:miter lim="800000"/>
-          </a:ln>
-          <a:effectLst/>
-        </p:spPr>
-        <p:txBody>
-          <a:bodyPr rtlCol="0" anchor="ctr"/>
-          <a:lstStyle/>
-          <a:p>
-            <a:pPr marL="0" marR="0" lvl="0" indent="0" algn="ctr" defTabSz="914400" eaLnBrk="1" fontAlgn="auto" latinLnBrk="0" hangingPunct="1">
-              <a:lnSpc>
-                <a:spcPct val="100000"/>
-              </a:lnSpc>
-              <a:spcBef>
-                <a:spcPts val="0"/>
-              </a:spcBef>
-              <a:spcAft>
-                <a:spcPts val="0"/>
-              </a:spcAft>
-              <a:buClrTx/>
-              <a:buSzTx/>
-              <a:buFontTx/>
-              <a:buNone/>
-              <a:tabLst/>
-              <a:defRPr/>
-            </a:pPr>
-            <a:r>
-              <a:rPr kumimoji="0" lang="en-CA" sz="1600" b="0" i="0" u="none" strike="noStrike" kern="0" cap="none" spc="0" normalizeH="0" baseline="0" noProof="0" dirty="0">
-                <a:ln>
-                  <a:noFill/>
-                </a:ln>
-                <a:solidFill>
-                  <a:prstClr val="black"/>
-                </a:solidFill>
-                <a:effectLst/>
-                <a:uLnTx/>
-                <a:uFillTx/>
-                <a:latin typeface="Calibri" panose="020F0502020204030204"/>
-                <a:ea typeface="+mn-ea"/>
-                <a:cs typeface="+mn-cs"/>
-              </a:rPr>
-              <a:t>C_RELATION</a:t>
-            </a:r>
-          </a:p>
-        </p:txBody>
-      </p:sp>
-      <p:cxnSp>
-        <p:nvCxnSpPr>
-          <p:cNvPr id="45" name="Straight Connector 44">
-            <a:extLst>
-              <a:ext uri="{FF2B5EF4-FFF2-40B4-BE49-F238E27FC236}">
-                <a16:creationId xmlns:a16="http://schemas.microsoft.com/office/drawing/2014/main" id="{4F4B0082-8DC1-F06F-3B8E-930FAAE2A44F}"/>
-              </a:ext>
-            </a:extLst>
-          </p:cNvPr>
-          <p:cNvCxnSpPr>
-            <a:cxnSpLocks/>
-          </p:cNvCxnSpPr>
-          <p:nvPr/>
-        </p:nvCxnSpPr>
-        <p:spPr>
-          <a:xfrm flipV="1">
-            <a:off x="6187575" y="4110457"/>
-            <a:ext cx="264068" cy="1"/>
-          </a:xfrm>
-          <a:prstGeom prst="line">
-            <a:avLst/>
-          </a:prstGeom>
-          <a:noFill/>
-          <a:ln w="19050" cap="flat" cmpd="sng" algn="ctr">
-            <a:solidFill>
-              <a:sysClr val="windowText" lastClr="000000"/>
-            </a:solidFill>
-            <a:prstDash val="solid"/>
-            <a:miter lim="800000"/>
-          </a:ln>
-          <a:effectLst/>
-        </p:spPr>
-      </p:cxnSp>
-      <p:sp>
-        <p:nvSpPr>
-          <p:cNvPr id="46" name="TextBox 45">
-            <a:extLst>
-              <a:ext uri="{FF2B5EF4-FFF2-40B4-BE49-F238E27FC236}">
-                <a16:creationId xmlns:a16="http://schemas.microsoft.com/office/drawing/2014/main" id="{3C6E7143-3024-DB0D-04CE-5A4A584ED89A}"/>
-              </a:ext>
-            </a:extLst>
-          </p:cNvPr>
-          <p:cNvSpPr txBox="1"/>
-          <p:nvPr/>
-        </p:nvSpPr>
-        <p:spPr>
-          <a:xfrm>
-            <a:off x="98759" y="1257105"/>
-            <a:ext cx="9128203" cy="369332"/>
-          </a:xfrm>
-          <a:prstGeom prst="rect">
-            <a:avLst/>
-          </a:prstGeom>
-          <a:noFill/>
-        </p:spPr>
-        <p:txBody>
-          <a:bodyPr wrap="square" rtlCol="0">
-            <a:spAutoFit/>
-          </a:bodyPr>
-          <a:lstStyle/>
-          <a:p>
-            <a:pPr marL="0" marR="0" lvl="0" indent="0" defTabSz="914400" eaLnBrk="1" fontAlgn="auto" latinLnBrk="0" hangingPunct="1">
-              <a:lnSpc>
-                <a:spcPct val="100000"/>
-              </a:lnSpc>
-              <a:spcBef>
-                <a:spcPts val="0"/>
-              </a:spcBef>
-              <a:spcAft>
-                <a:spcPts val="0"/>
-              </a:spcAft>
-              <a:buClrTx/>
-              <a:buSzTx/>
-              <a:buFontTx/>
-              <a:buNone/>
-              <a:tabLst/>
-              <a:defRPr/>
-            </a:pPr>
-            <a:r>
-              <a:rPr kumimoji="0" lang="el-GR" sz="1800" b="0" i="0" u="none" strike="noStrike" kern="0" cap="none" spc="0" normalizeH="0" baseline="0" noProof="0" dirty="0">
-                <a:ln>
-                  <a:noFill/>
-                </a:ln>
-                <a:solidFill>
-                  <a:sysClr val="windowText" lastClr="000000"/>
-                </a:solidFill>
-                <a:effectLst/>
-                <a:uLnTx/>
-                <a:uFillTx/>
-                <a:latin typeface="Cambria Math" panose="02040503050406030204" pitchFamily="18" charset="0"/>
-                <a:ea typeface="Cambria Math" panose="02040503050406030204" pitchFamily="18" charset="0"/>
-              </a:rPr>
-              <a:t>π</a:t>
-            </a:r>
-            <a:r>
-              <a:rPr kumimoji="0" lang="en-CA" sz="1800" b="0" i="0" u="none" strike="noStrike" kern="0" cap="none" spc="0" normalizeH="0" baseline="-25000" noProof="0" dirty="0" err="1">
-                <a:ln>
-                  <a:noFill/>
-                </a:ln>
-                <a:solidFill>
-                  <a:sysClr val="windowText" lastClr="000000"/>
-                </a:solidFill>
-                <a:effectLst/>
-                <a:uLnTx/>
-                <a:uFillTx/>
-                <a:latin typeface="Cambria Math" panose="02040503050406030204" pitchFamily="18" charset="0"/>
-                <a:ea typeface="Cambria Math" panose="02040503050406030204" pitchFamily="18" charset="0"/>
-              </a:rPr>
-              <a:t>C.Attr</a:t>
-            </a:r>
-            <a:r>
-              <a:rPr kumimoji="0" lang="en-CA" sz="1800" b="0" i="0" u="none" strike="noStrike" kern="0" cap="none" spc="0" normalizeH="0" baseline="-25000" noProof="0" dirty="0">
-                <a:ln>
-                  <a:noFill/>
-                </a:ln>
-                <a:solidFill>
-                  <a:sysClr val="windowText" lastClr="000000"/>
-                </a:solidFill>
-                <a:effectLst/>
-                <a:uLnTx/>
-                <a:uFillTx/>
-                <a:latin typeface="Cambria Math" panose="02040503050406030204" pitchFamily="18" charset="0"/>
-                <a:ea typeface="Cambria Math" panose="02040503050406030204" pitchFamily="18" charset="0"/>
-              </a:rPr>
-              <a:t> </a:t>
-            </a:r>
-            <a:r>
-              <a:rPr kumimoji="0" lang="en-CA" sz="1800" b="0" i="0" u="none" strike="noStrike" kern="0" cap="none" spc="0" normalizeH="0" baseline="0" noProof="0" dirty="0">
-                <a:ln>
-                  <a:noFill/>
-                </a:ln>
-                <a:solidFill>
-                  <a:sysClr val="windowText" lastClr="000000"/>
-                </a:solidFill>
-                <a:effectLst/>
-                <a:uLnTx/>
-                <a:uFillTx/>
-                <a:latin typeface="Cambria Math" panose="02040503050406030204" pitchFamily="18" charset="0"/>
-                <a:ea typeface="Cambria Math" panose="02040503050406030204" pitchFamily="18" charset="0"/>
-              </a:rPr>
-              <a:t>( ( (</a:t>
-            </a:r>
-            <a:r>
-              <a:rPr kumimoji="0" lang="el-GR" sz="1800" b="0" i="0" u="none" strike="noStrike" kern="0" cap="none" spc="0" normalizeH="0" baseline="0" noProof="0" dirty="0">
-                <a:ln>
-                  <a:noFill/>
-                </a:ln>
-                <a:solidFill>
-                  <a:sysClr val="windowText" lastClr="000000"/>
-                </a:solidFill>
-                <a:effectLst/>
-                <a:uLnTx/>
-                <a:uFillTx/>
-                <a:latin typeface="Cambria Math" panose="02040503050406030204" pitchFamily="18" charset="0"/>
-                <a:ea typeface="Cambria Math" panose="02040503050406030204" pitchFamily="18" charset="0"/>
-              </a:rPr>
-              <a:t>σ</a:t>
-            </a:r>
-            <a:r>
-              <a:rPr kumimoji="0" lang="en-CA" sz="1800" b="0" i="0" u="none" strike="noStrike" kern="0" cap="none" spc="0" normalizeH="0" baseline="-25000" noProof="0" dirty="0" err="1">
-                <a:ln>
-                  <a:noFill/>
-                </a:ln>
-                <a:solidFill>
-                  <a:sysClr val="windowText" lastClr="000000"/>
-                </a:solidFill>
-                <a:effectLst/>
-                <a:uLnTx/>
-                <a:uFillTx/>
-                <a:latin typeface="Cambria Math" panose="02040503050406030204" pitchFamily="18" charset="0"/>
-                <a:ea typeface="Cambria Math" panose="02040503050406030204" pitchFamily="18" charset="0"/>
-              </a:rPr>
-              <a:t>A.Attr</a:t>
-            </a:r>
-            <a:r>
-              <a:rPr kumimoji="0" lang="en-CA" sz="1800" b="0" i="0" u="none" strike="noStrike" kern="0" cap="none" spc="0" normalizeH="0" baseline="-25000" noProof="0" dirty="0">
-                <a:ln>
-                  <a:noFill/>
-                </a:ln>
-                <a:solidFill>
-                  <a:sysClr val="windowText" lastClr="000000"/>
-                </a:solidFill>
-                <a:effectLst/>
-                <a:uLnTx/>
-                <a:uFillTx/>
-                <a:latin typeface="Cambria Math" panose="02040503050406030204" pitchFamily="18" charset="0"/>
-                <a:ea typeface="Cambria Math" panose="02040503050406030204" pitchFamily="18" charset="0"/>
-              </a:rPr>
-              <a:t> = ‘Value’ </a:t>
-            </a:r>
-            <a:r>
-              <a:rPr kumimoji="0" lang="en-CA" sz="1800" b="0" i="0" u="none" strike="noStrike" kern="0" cap="none" spc="0" normalizeH="0" baseline="0" noProof="0" dirty="0">
-                <a:ln>
-                  <a:noFill/>
-                </a:ln>
-                <a:solidFill>
-                  <a:sysClr val="windowText" lastClr="000000"/>
-                </a:solidFill>
-                <a:effectLst/>
-                <a:uLnTx/>
-                <a:uFillTx/>
-                <a:latin typeface="Cambria Math" panose="02040503050406030204" pitchFamily="18" charset="0"/>
-                <a:ea typeface="Cambria Math" panose="02040503050406030204" pitchFamily="18" charset="0"/>
-              </a:rPr>
-              <a:t>A_RELATION) ⋈</a:t>
-            </a:r>
-            <a:r>
-              <a:rPr kumimoji="0" lang="en-CA" sz="1800" b="0" i="0" u="none" strike="noStrike" kern="0" cap="none" spc="0" normalizeH="0" baseline="-25000" noProof="0" dirty="0" err="1">
-                <a:ln>
-                  <a:noFill/>
-                </a:ln>
-                <a:solidFill>
-                  <a:sysClr val="windowText" lastClr="000000"/>
-                </a:solidFill>
-                <a:effectLst/>
-                <a:uLnTx/>
-                <a:uFillTx/>
-                <a:latin typeface="Cambria Math" panose="02040503050406030204" pitchFamily="18" charset="0"/>
-                <a:ea typeface="Cambria Math" panose="02040503050406030204" pitchFamily="18" charset="0"/>
-              </a:rPr>
-              <a:t>A.Attr</a:t>
-            </a:r>
-            <a:r>
-              <a:rPr kumimoji="0" lang="en-CA" sz="1800" b="0" i="0" u="none" strike="noStrike" kern="0" cap="none" spc="0" normalizeH="0" baseline="-25000" noProof="0" dirty="0">
-                <a:ln>
-                  <a:noFill/>
-                </a:ln>
-                <a:solidFill>
-                  <a:sysClr val="windowText" lastClr="000000"/>
-                </a:solidFill>
-                <a:effectLst/>
-                <a:uLnTx/>
-                <a:uFillTx/>
-                <a:latin typeface="Cambria Math" panose="02040503050406030204" pitchFamily="18" charset="0"/>
-                <a:ea typeface="Cambria Math" panose="02040503050406030204" pitchFamily="18" charset="0"/>
-              </a:rPr>
-              <a:t> = </a:t>
-            </a:r>
-            <a:r>
-              <a:rPr kumimoji="0" lang="en-CA" sz="1800" b="0" i="0" u="none" strike="noStrike" kern="0" cap="none" spc="0" normalizeH="0" baseline="-25000" noProof="0" dirty="0" err="1">
-                <a:ln>
-                  <a:noFill/>
-                </a:ln>
-                <a:solidFill>
-                  <a:sysClr val="windowText" lastClr="000000"/>
-                </a:solidFill>
-                <a:effectLst/>
-                <a:uLnTx/>
-                <a:uFillTx/>
-                <a:latin typeface="Cambria Math" panose="02040503050406030204" pitchFamily="18" charset="0"/>
-                <a:ea typeface="Cambria Math" panose="02040503050406030204" pitchFamily="18" charset="0"/>
-              </a:rPr>
-              <a:t>B.Attr</a:t>
-            </a:r>
-            <a:r>
-              <a:rPr kumimoji="0" lang="en-CA" sz="1800" b="0" i="0" u="none" strike="noStrike" kern="0" cap="none" spc="0" normalizeH="0" baseline="0" noProof="0" dirty="0">
-                <a:ln>
-                  <a:noFill/>
-                </a:ln>
-                <a:solidFill>
-                  <a:sysClr val="windowText" lastClr="000000"/>
-                </a:solidFill>
-                <a:effectLst/>
-                <a:uLnTx/>
-                <a:uFillTx/>
-                <a:latin typeface="Cambria Math" panose="02040503050406030204" pitchFamily="18" charset="0"/>
-                <a:ea typeface="Cambria Math" panose="02040503050406030204" pitchFamily="18" charset="0"/>
-              </a:rPr>
-              <a:t> B_RELATION )</a:t>
-            </a:r>
-            <a:r>
-              <a:rPr kumimoji="0" lang="en-CA" sz="1800" b="0" i="0" u="none" strike="noStrike" kern="0" cap="none" spc="0" normalizeH="0" baseline="0" noProof="0" dirty="0">
-                <a:ln>
-                  <a:noFill/>
-                </a:ln>
-                <a:solidFill>
-                  <a:sysClr val="windowText" lastClr="000000"/>
-                </a:solidFill>
-                <a:effectLst/>
-                <a:uLnTx/>
-                <a:uFillTx/>
-                <a:ea typeface="Cambria Math" panose="02040503050406030204" pitchFamily="18" charset="0"/>
-              </a:rPr>
-              <a:t> </a:t>
-            </a:r>
-            <a:r>
-              <a:rPr kumimoji="0" lang="en-CA" sz="1800" b="0" i="0" u="none" strike="noStrike" kern="0" cap="none" spc="0" normalizeH="0" baseline="0" noProof="0" dirty="0">
-                <a:ln>
-                  <a:noFill/>
-                </a:ln>
-                <a:solidFill>
-                  <a:sysClr val="windowText" lastClr="000000"/>
-                </a:solidFill>
-                <a:effectLst/>
-                <a:uLnTx/>
-                <a:uFillTx/>
-                <a:latin typeface="Cambria Math" panose="02040503050406030204" pitchFamily="18" charset="0"/>
-                <a:ea typeface="Cambria Math" panose="02040503050406030204" pitchFamily="18" charset="0"/>
-              </a:rPr>
-              <a:t>⋈</a:t>
-            </a:r>
-            <a:r>
-              <a:rPr kumimoji="0" lang="en-CA" sz="1800" b="0" i="0" u="none" strike="noStrike" kern="0" cap="none" spc="0" normalizeH="0" baseline="-25000" noProof="0" dirty="0" err="1">
-                <a:ln>
-                  <a:noFill/>
-                </a:ln>
-                <a:solidFill>
-                  <a:sysClr val="windowText" lastClr="000000"/>
-                </a:solidFill>
-                <a:effectLst/>
-                <a:uLnTx/>
-                <a:uFillTx/>
-                <a:latin typeface="Cambria Math" panose="02040503050406030204" pitchFamily="18" charset="0"/>
-                <a:ea typeface="Cambria Math" panose="02040503050406030204" pitchFamily="18" charset="0"/>
-              </a:rPr>
-              <a:t>B.Attr</a:t>
-            </a:r>
-            <a:r>
-              <a:rPr kumimoji="0" lang="en-CA" sz="1800" b="0" i="0" u="none" strike="noStrike" kern="0" cap="none" spc="0" normalizeH="0" baseline="-25000" noProof="0" dirty="0">
-                <a:ln>
-                  <a:noFill/>
-                </a:ln>
-                <a:solidFill>
-                  <a:sysClr val="windowText" lastClr="000000"/>
-                </a:solidFill>
-                <a:effectLst/>
-                <a:uLnTx/>
-                <a:uFillTx/>
-                <a:latin typeface="Cambria Math" panose="02040503050406030204" pitchFamily="18" charset="0"/>
-                <a:ea typeface="Cambria Math" panose="02040503050406030204" pitchFamily="18" charset="0"/>
-              </a:rPr>
-              <a:t> = </a:t>
-            </a:r>
-            <a:r>
-              <a:rPr kumimoji="0" lang="en-CA" sz="1800" b="0" i="0" u="none" strike="noStrike" kern="0" cap="none" spc="0" normalizeH="0" baseline="-25000" noProof="0" dirty="0" err="1">
-                <a:ln>
-                  <a:noFill/>
-                </a:ln>
-                <a:solidFill>
-                  <a:sysClr val="windowText" lastClr="000000"/>
-                </a:solidFill>
-                <a:effectLst/>
-                <a:uLnTx/>
-                <a:uFillTx/>
-                <a:latin typeface="Cambria Math" panose="02040503050406030204" pitchFamily="18" charset="0"/>
-                <a:ea typeface="Cambria Math" panose="02040503050406030204" pitchFamily="18" charset="0"/>
-              </a:rPr>
-              <a:t>C.Attr</a:t>
-            </a:r>
-            <a:r>
-              <a:rPr kumimoji="0" lang="en-CA" sz="1800" b="0" i="0" u="none" strike="noStrike" kern="0" cap="none" spc="0" normalizeH="0" baseline="0" noProof="0" dirty="0">
-                <a:ln>
-                  <a:noFill/>
-                </a:ln>
-                <a:solidFill>
-                  <a:sysClr val="windowText" lastClr="000000"/>
-                </a:solidFill>
-                <a:effectLst/>
-                <a:uLnTx/>
-                <a:uFillTx/>
-                <a:latin typeface="Cambria Math" panose="02040503050406030204" pitchFamily="18" charset="0"/>
-                <a:ea typeface="Cambria Math" panose="02040503050406030204" pitchFamily="18" charset="0"/>
-              </a:rPr>
-              <a:t> C_RELATION )</a:t>
-            </a:r>
-            <a:endParaRPr kumimoji="0" lang="en-CA" sz="1800" b="0" i="0" u="none" strike="noStrike" kern="0" cap="none" spc="0" normalizeH="0" baseline="0" noProof="0" dirty="0">
-              <a:ln>
-                <a:noFill/>
-              </a:ln>
-              <a:solidFill>
-                <a:sysClr val="windowText" lastClr="000000"/>
-              </a:solidFill>
-              <a:effectLst/>
-              <a:uLnTx/>
-              <a:uFillTx/>
-            </a:endParaRPr>
-          </a:p>
-        </p:txBody>
-      </p:sp>
-      <p:sp>
-        <p:nvSpPr>
-          <p:cNvPr id="47" name="TextBox 46">
-            <a:extLst>
-              <a:ext uri="{FF2B5EF4-FFF2-40B4-BE49-F238E27FC236}">
-                <a16:creationId xmlns:a16="http://schemas.microsoft.com/office/drawing/2014/main" id="{A3564B9C-ECFB-41F6-1A29-4A666D8394BF}"/>
-              </a:ext>
-            </a:extLst>
-          </p:cNvPr>
-          <p:cNvSpPr txBox="1"/>
-          <p:nvPr/>
-        </p:nvSpPr>
-        <p:spPr>
-          <a:xfrm>
-            <a:off x="2952280" y="4648600"/>
-            <a:ext cx="573167" cy="276999"/>
-          </a:xfrm>
-          <a:prstGeom prst="rect">
-            <a:avLst/>
-          </a:prstGeom>
-          <a:noFill/>
-        </p:spPr>
-        <p:txBody>
-          <a:bodyPr wrap="square" rtlCol="0">
-            <a:spAutoFit/>
-          </a:bodyPr>
-          <a:lstStyle/>
-          <a:p>
-            <a:pPr marL="0" marR="0" lvl="0" indent="0" defTabSz="914400" eaLnBrk="1" fontAlgn="auto" latinLnBrk="0" hangingPunct="1">
-              <a:lnSpc>
-                <a:spcPct val="100000"/>
-              </a:lnSpc>
-              <a:spcBef>
-                <a:spcPts val="0"/>
-              </a:spcBef>
-              <a:spcAft>
-                <a:spcPts val="0"/>
-              </a:spcAft>
-              <a:buClrTx/>
-              <a:buSzTx/>
-              <a:buFontTx/>
-              <a:buNone/>
-              <a:tabLst/>
-              <a:defRPr/>
-            </a:pPr>
-            <a:r>
-              <a:rPr kumimoji="0" lang="en-CA" sz="1200" b="0" i="0" u="none" strike="noStrike" kern="0" cap="none" spc="0" normalizeH="0" baseline="0" noProof="0" dirty="0">
-                <a:ln>
-                  <a:noFill/>
-                </a:ln>
-                <a:solidFill>
-                  <a:sysClr val="windowText" lastClr="000000"/>
-                </a:solidFill>
-                <a:effectLst/>
-                <a:uLnTx/>
-                <a:uFillTx/>
-                <a:latin typeface="Cambria Math" panose="02040503050406030204" pitchFamily="18" charset="0"/>
-                <a:ea typeface="Cambria Math" panose="02040503050406030204" pitchFamily="18" charset="0"/>
-              </a:rPr>
-              <a:t>(1)</a:t>
-            </a:r>
-            <a:endParaRPr kumimoji="0" lang="en-CA" sz="1200" b="0" i="0" u="none" strike="noStrike" kern="0" cap="none" spc="0" normalizeH="0" baseline="0" noProof="0" dirty="0">
-              <a:ln>
-                <a:noFill/>
-              </a:ln>
-              <a:solidFill>
-                <a:sysClr val="windowText" lastClr="000000"/>
-              </a:solidFill>
-              <a:effectLst/>
-              <a:uLnTx/>
-              <a:uFillTx/>
-            </a:endParaRPr>
-          </a:p>
-        </p:txBody>
-      </p:sp>
-      <p:sp>
-        <p:nvSpPr>
-          <p:cNvPr id="48" name="TextBox 47">
-            <a:extLst>
-              <a:ext uri="{FF2B5EF4-FFF2-40B4-BE49-F238E27FC236}">
-                <a16:creationId xmlns:a16="http://schemas.microsoft.com/office/drawing/2014/main" id="{BA66CBA4-8FC9-4360-730C-0F2A10B380F4}"/>
-              </a:ext>
-            </a:extLst>
-          </p:cNvPr>
-          <p:cNvSpPr txBox="1"/>
-          <p:nvPr/>
-        </p:nvSpPr>
-        <p:spPr>
-          <a:xfrm>
-            <a:off x="3870019" y="3651569"/>
-            <a:ext cx="573167" cy="276999"/>
-          </a:xfrm>
-          <a:prstGeom prst="rect">
-            <a:avLst/>
-          </a:prstGeom>
-          <a:noFill/>
-        </p:spPr>
-        <p:txBody>
-          <a:bodyPr wrap="square" rtlCol="0">
-            <a:spAutoFit/>
-          </a:bodyPr>
-          <a:lstStyle/>
-          <a:p>
-            <a:pPr marL="0" marR="0" lvl="0" indent="0" defTabSz="914400" eaLnBrk="1" fontAlgn="auto" latinLnBrk="0" hangingPunct="1">
-              <a:lnSpc>
-                <a:spcPct val="100000"/>
-              </a:lnSpc>
-              <a:spcBef>
-                <a:spcPts val="0"/>
-              </a:spcBef>
-              <a:spcAft>
-                <a:spcPts val="0"/>
-              </a:spcAft>
-              <a:buClrTx/>
-              <a:buSzTx/>
-              <a:buFontTx/>
-              <a:buNone/>
-              <a:tabLst/>
-              <a:defRPr/>
-            </a:pPr>
-            <a:r>
-              <a:rPr kumimoji="0" lang="en-CA" sz="1200" b="0" i="0" u="none" strike="noStrike" kern="0" cap="none" spc="0" normalizeH="0" baseline="0" noProof="0" dirty="0">
-                <a:ln>
-                  <a:noFill/>
-                </a:ln>
-                <a:solidFill>
-                  <a:sysClr val="windowText" lastClr="000000"/>
-                </a:solidFill>
-                <a:effectLst/>
-                <a:uLnTx/>
-                <a:uFillTx/>
-                <a:latin typeface="Cambria Math" panose="02040503050406030204" pitchFamily="18" charset="0"/>
-                <a:ea typeface="Cambria Math" panose="02040503050406030204" pitchFamily="18" charset="0"/>
-              </a:rPr>
-              <a:t>(2)</a:t>
-            </a:r>
-            <a:endParaRPr kumimoji="0" lang="en-CA" sz="1200" b="0" i="0" u="none" strike="noStrike" kern="0" cap="none" spc="0" normalizeH="0" baseline="0" noProof="0" dirty="0">
-              <a:ln>
-                <a:noFill/>
-              </a:ln>
-              <a:solidFill>
-                <a:sysClr val="windowText" lastClr="000000"/>
-              </a:solidFill>
-              <a:effectLst/>
-              <a:uLnTx/>
-              <a:uFillTx/>
-            </a:endParaRPr>
-          </a:p>
-        </p:txBody>
-      </p:sp>
-      <p:sp>
-        <p:nvSpPr>
-          <p:cNvPr id="49" name="TextBox 48">
-            <a:extLst>
-              <a:ext uri="{FF2B5EF4-FFF2-40B4-BE49-F238E27FC236}">
-                <a16:creationId xmlns:a16="http://schemas.microsoft.com/office/drawing/2014/main" id="{E3E9D382-52BA-1996-8767-CA631879177E}"/>
-              </a:ext>
-            </a:extLst>
-          </p:cNvPr>
-          <p:cNvSpPr txBox="1"/>
-          <p:nvPr/>
-        </p:nvSpPr>
-        <p:spPr>
-          <a:xfrm>
-            <a:off x="4595586" y="2731672"/>
-            <a:ext cx="573167" cy="276999"/>
-          </a:xfrm>
-          <a:prstGeom prst="rect">
-            <a:avLst/>
-          </a:prstGeom>
-          <a:noFill/>
-        </p:spPr>
-        <p:txBody>
-          <a:bodyPr wrap="square" rtlCol="0">
-            <a:spAutoFit/>
-          </a:bodyPr>
-          <a:lstStyle/>
-          <a:p>
-            <a:pPr marL="0" marR="0" lvl="0" indent="0" defTabSz="914400" eaLnBrk="1" fontAlgn="auto" latinLnBrk="0" hangingPunct="1">
-              <a:lnSpc>
-                <a:spcPct val="100000"/>
-              </a:lnSpc>
-              <a:spcBef>
-                <a:spcPts val="0"/>
-              </a:spcBef>
-              <a:spcAft>
-                <a:spcPts val="0"/>
-              </a:spcAft>
-              <a:buClrTx/>
-              <a:buSzTx/>
-              <a:buFontTx/>
-              <a:buNone/>
-              <a:tabLst/>
-              <a:defRPr/>
-            </a:pPr>
-            <a:r>
-              <a:rPr kumimoji="0" lang="en-CA" sz="1200" b="0" i="0" u="none" strike="noStrike" kern="0" cap="none" spc="0" normalizeH="0" baseline="0" noProof="0" dirty="0">
-                <a:ln>
-                  <a:noFill/>
-                </a:ln>
-                <a:solidFill>
-                  <a:sysClr val="windowText" lastClr="000000"/>
-                </a:solidFill>
-                <a:effectLst/>
-                <a:uLnTx/>
-                <a:uFillTx/>
-                <a:latin typeface="Cambria Math" panose="02040503050406030204" pitchFamily="18" charset="0"/>
-                <a:ea typeface="Cambria Math" panose="02040503050406030204" pitchFamily="18" charset="0"/>
-              </a:rPr>
-              <a:t>(3)</a:t>
-            </a:r>
-            <a:endParaRPr kumimoji="0" lang="en-CA" sz="1200" b="0" i="0" u="none" strike="noStrike" kern="0" cap="none" spc="0" normalizeH="0" baseline="0" noProof="0" dirty="0">
-              <a:ln>
-                <a:noFill/>
-              </a:ln>
-              <a:solidFill>
-                <a:sysClr val="windowText" lastClr="000000"/>
-              </a:solidFill>
-              <a:effectLst/>
-              <a:uLnTx/>
-              <a:uFillTx/>
-            </a:endParaRPr>
-          </a:p>
-        </p:txBody>
-      </p:sp>
+                <a:latin typeface="+mn-lt"/>
+              </a:endParaRPr>
+            </a:p>
+          </p:txBody>
+        </p:sp>
+      </p:grpSp>
     </p:spTree>
     <p:extLst>
       <p:ext uri="{BB962C8B-B14F-4D97-AF65-F5344CB8AC3E}">
-        <p14:creationId xmlns:p14="http://schemas.microsoft.com/office/powerpoint/2010/main" val="2951764512"/>
+        <p14:creationId xmlns:p14="http://schemas.microsoft.com/office/powerpoint/2010/main" val="2710358324"/>
       </p:ext>
     </p:extLst>
   </p:cSld>
